--- a/Presentation.pptx
+++ b/Presentation.pptx
@@ -2,7 +2,7 @@
 <file path=ppt/presentation.xml><?xml version="1.0" encoding="utf-8"?>
 <p:presentation xmlns:a="http://schemas.openxmlformats.org/drawingml/2006/main" xmlns:r="http://schemas.openxmlformats.org/officeDocument/2006/relationships" xmlns:p="http://schemas.openxmlformats.org/presentationml/2006/main" saveSubsetFonts="1">
   <p:sldMasterIdLst>
-    <p:sldMasterId id="2147483648" r:id="rId1"/>
+    <p:sldMasterId id="2147483723" r:id="rId1"/>
   </p:sldMasterIdLst>
   <p:sldIdLst>
     <p:sldId id="256" r:id="rId2"/>
@@ -18,7 +18,6 @@
     <p:sldId id="266" r:id="rId12"/>
     <p:sldId id="269" r:id="rId13"/>
     <p:sldId id="267" r:id="rId14"/>
-    <p:sldId id="268" r:id="rId15"/>
   </p:sldIdLst>
   <p:sldSz cx="12192000" cy="6858000"/>
   <p:notesSz cx="6858000" cy="9144000"/>
@@ -26,7 +25,7 @@
     <a:defPPr>
       <a:defRPr lang="en-US"/>
     </a:defPPr>
-    <a:lvl1pPr marL="0" algn="l" defTabSz="914400" rtl="0" eaLnBrk="1" latinLnBrk="0" hangingPunct="1">
+    <a:lvl1pPr marL="0" algn="l" defTabSz="457200" rtl="0" eaLnBrk="1" latinLnBrk="0" hangingPunct="1">
       <a:defRPr sz="1800" kern="1200">
         <a:solidFill>
           <a:schemeClr val="tx1"/>
@@ -36,7 +35,7 @@
         <a:cs typeface="+mn-cs"/>
       </a:defRPr>
     </a:lvl1pPr>
-    <a:lvl2pPr marL="457200" algn="l" defTabSz="914400" rtl="0" eaLnBrk="1" latinLnBrk="0" hangingPunct="1">
+    <a:lvl2pPr marL="457200" algn="l" defTabSz="457200" rtl="0" eaLnBrk="1" latinLnBrk="0" hangingPunct="1">
       <a:defRPr sz="1800" kern="1200">
         <a:solidFill>
           <a:schemeClr val="tx1"/>
@@ -46,7 +45,7 @@
         <a:cs typeface="+mn-cs"/>
       </a:defRPr>
     </a:lvl2pPr>
-    <a:lvl3pPr marL="914400" algn="l" defTabSz="914400" rtl="0" eaLnBrk="1" latinLnBrk="0" hangingPunct="1">
+    <a:lvl3pPr marL="914400" algn="l" defTabSz="457200" rtl="0" eaLnBrk="1" latinLnBrk="0" hangingPunct="1">
       <a:defRPr sz="1800" kern="1200">
         <a:solidFill>
           <a:schemeClr val="tx1"/>
@@ -56,7 +55,7 @@
         <a:cs typeface="+mn-cs"/>
       </a:defRPr>
     </a:lvl3pPr>
-    <a:lvl4pPr marL="1371600" algn="l" defTabSz="914400" rtl="0" eaLnBrk="1" latinLnBrk="0" hangingPunct="1">
+    <a:lvl4pPr marL="1371600" algn="l" defTabSz="457200" rtl="0" eaLnBrk="1" latinLnBrk="0" hangingPunct="1">
       <a:defRPr sz="1800" kern="1200">
         <a:solidFill>
           <a:schemeClr val="tx1"/>
@@ -66,7 +65,7 @@
         <a:cs typeface="+mn-cs"/>
       </a:defRPr>
     </a:lvl4pPr>
-    <a:lvl5pPr marL="1828800" algn="l" defTabSz="914400" rtl="0" eaLnBrk="1" latinLnBrk="0" hangingPunct="1">
+    <a:lvl5pPr marL="1828800" algn="l" defTabSz="457200" rtl="0" eaLnBrk="1" latinLnBrk="0" hangingPunct="1">
       <a:defRPr sz="1800" kern="1200">
         <a:solidFill>
           <a:schemeClr val="tx1"/>
@@ -76,7 +75,7 @@
         <a:cs typeface="+mn-cs"/>
       </a:defRPr>
     </a:lvl5pPr>
-    <a:lvl6pPr marL="2286000" algn="l" defTabSz="914400" rtl="0" eaLnBrk="1" latinLnBrk="0" hangingPunct="1">
+    <a:lvl6pPr marL="2286000" algn="l" defTabSz="457200" rtl="0" eaLnBrk="1" latinLnBrk="0" hangingPunct="1">
       <a:defRPr sz="1800" kern="1200">
         <a:solidFill>
           <a:schemeClr val="tx1"/>
@@ -86,7 +85,7 @@
         <a:cs typeface="+mn-cs"/>
       </a:defRPr>
     </a:lvl6pPr>
-    <a:lvl7pPr marL="2743200" algn="l" defTabSz="914400" rtl="0" eaLnBrk="1" latinLnBrk="0" hangingPunct="1">
+    <a:lvl7pPr marL="2743200" algn="l" defTabSz="457200" rtl="0" eaLnBrk="1" latinLnBrk="0" hangingPunct="1">
       <a:defRPr sz="1800" kern="1200">
         <a:solidFill>
           <a:schemeClr val="tx1"/>
@@ -96,7 +95,7 @@
         <a:cs typeface="+mn-cs"/>
       </a:defRPr>
     </a:lvl7pPr>
-    <a:lvl8pPr marL="3200400" algn="l" defTabSz="914400" rtl="0" eaLnBrk="1" latinLnBrk="0" hangingPunct="1">
+    <a:lvl8pPr marL="3200400" algn="l" defTabSz="457200" rtl="0" eaLnBrk="1" latinLnBrk="0" hangingPunct="1">
       <a:defRPr sz="1800" kern="1200">
         <a:solidFill>
           <a:schemeClr val="tx1"/>
@@ -106,7 +105,7 @@
         <a:cs typeface="+mn-cs"/>
       </a:defRPr>
     </a:lvl8pPr>
-    <a:lvl9pPr marL="3657600" algn="l" defTabSz="914400" rtl="0" eaLnBrk="1" latinLnBrk="0" hangingPunct="1">
+    <a:lvl9pPr marL="3657600" algn="l" defTabSz="457200" rtl="0" eaLnBrk="1" latinLnBrk="0" hangingPunct="1">
       <a:defRPr sz="1800" kern="1200">
         <a:solidFill>
           <a:schemeClr val="tx1"/>
@@ -123,6 +122,471 @@
     </p:ext>
   </p:extLst>
 </p:presentation>
+</file>
+
+<file path=ppt/revisionInfo.xml><?xml version="1.0" encoding="utf-8"?>
+<p1510:revInfo xmlns:a="http://schemas.openxmlformats.org/drawingml/2006/main" xmlns:r="http://schemas.openxmlformats.org/officeDocument/2006/relationships" xmlns:p1510="http://schemas.microsoft.com/office/powerpoint/2015/10/main">
+  <p1510:revLst>
+    <p1510:client id="{5ECDD8A9-AB7C-4829-BEDF-38C2A3E55362}" v="25" dt="2024-03-12T18:14:09.001"/>
+  </p1510:revLst>
+</p1510:revInfo>
+</file>
+
+<file path=ppt/changesInfos/changesInfo1.xml><?xml version="1.0" encoding="utf-8"?>
+<pc:chgInfo xmlns:a="http://schemas.openxmlformats.org/drawingml/2006/main" xmlns:r="http://schemas.openxmlformats.org/officeDocument/2006/relationships" xmlns:ac="http://schemas.microsoft.com/office/drawing/2013/main/command" xmlns:pc="http://schemas.microsoft.com/office/powerpoint/2013/main/command">
+  <pc:docChgLst>
+    <pc:chgData name="Kohiladevi Bethanasamy" userId="06b136623eebb7f2" providerId="LiveId" clId="{5ECDD8A9-AB7C-4829-BEDF-38C2A3E55362}"/>
+    <pc:docChg chg="custSel delSld modSld">
+      <pc:chgData name="Kohiladevi Bethanasamy" userId="06b136623eebb7f2" providerId="LiveId" clId="{5ECDD8A9-AB7C-4829-BEDF-38C2A3E55362}" dt="2024-03-12T18:14:13.836" v="72" actId="1076"/>
+      <pc:docMkLst>
+        <pc:docMk/>
+      </pc:docMkLst>
+      <pc:sldChg chg="addSp delSp modSp mod setBg addAnim delDesignElem">
+        <pc:chgData name="Kohiladevi Bethanasamy" userId="06b136623eebb7f2" providerId="LiveId" clId="{5ECDD8A9-AB7C-4829-BEDF-38C2A3E55362}" dt="2024-03-12T18:14:13.836" v="72" actId="1076"/>
+        <pc:sldMkLst>
+          <pc:docMk/>
+          <pc:sldMk cId="1707690881" sldId="256"/>
+        </pc:sldMkLst>
+        <pc:spChg chg="mod">
+          <ac:chgData name="Kohiladevi Bethanasamy" userId="06b136623eebb7f2" providerId="LiveId" clId="{5ECDD8A9-AB7C-4829-BEDF-38C2A3E55362}" dt="2024-03-12T18:14:13.031" v="71" actId="1076"/>
+          <ac:spMkLst>
+            <pc:docMk/>
+            <pc:sldMk cId="1707690881" sldId="256"/>
+            <ac:spMk id="2" creationId="{76866FDC-5FC8-12DC-690F-C2D95FB7AB9E}"/>
+          </ac:spMkLst>
+        </pc:spChg>
+        <pc:spChg chg="mod">
+          <ac:chgData name="Kohiladevi Bethanasamy" userId="06b136623eebb7f2" providerId="LiveId" clId="{5ECDD8A9-AB7C-4829-BEDF-38C2A3E55362}" dt="2024-03-12T18:13:43.019" v="57" actId="26606"/>
+          <ac:spMkLst>
+            <pc:docMk/>
+            <pc:sldMk cId="1707690881" sldId="256"/>
+            <ac:spMk id="3" creationId="{5CB152D6-AF82-AA7F-75FD-2B3388B3F845}"/>
+          </ac:spMkLst>
+        </pc:spChg>
+        <pc:spChg chg="add">
+          <ac:chgData name="Kohiladevi Bethanasamy" userId="06b136623eebb7f2" providerId="LiveId" clId="{5ECDD8A9-AB7C-4829-BEDF-38C2A3E55362}" dt="2024-03-12T18:10:23.063" v="22"/>
+          <ac:spMkLst>
+            <pc:docMk/>
+            <pc:sldMk cId="1707690881" sldId="256"/>
+            <ac:spMk id="4" creationId="{7E6A3F27-BC9E-8918-5717-FBC865F13F86}"/>
+          </ac:spMkLst>
+        </pc:spChg>
+        <pc:spChg chg="add">
+          <ac:chgData name="Kohiladevi Bethanasamy" userId="06b136623eebb7f2" providerId="LiveId" clId="{5ECDD8A9-AB7C-4829-BEDF-38C2A3E55362}" dt="2024-03-12T18:13:43.019" v="57" actId="26606"/>
+          <ac:spMkLst>
+            <pc:docMk/>
+            <pc:sldMk cId="1707690881" sldId="256"/>
+            <ac:spMk id="8" creationId="{F5F0CD5C-72F3-4090-8A69-8E15CB432AC2}"/>
+          </ac:spMkLst>
+        </pc:spChg>
+        <pc:spChg chg="add">
+          <ac:chgData name="Kohiladevi Bethanasamy" userId="06b136623eebb7f2" providerId="LiveId" clId="{5ECDD8A9-AB7C-4829-BEDF-38C2A3E55362}" dt="2024-03-12T18:13:43.019" v="57" actId="26606"/>
+          <ac:spMkLst>
+            <pc:docMk/>
+            <pc:sldMk cId="1707690881" sldId="256"/>
+            <ac:spMk id="9" creationId="{217496A2-9394-4FB7-BA0E-717D2D2E7A43}"/>
+          </ac:spMkLst>
+        </pc:spChg>
+        <pc:spChg chg="add del">
+          <ac:chgData name="Kohiladevi Bethanasamy" userId="06b136623eebb7f2" providerId="LiveId" clId="{5ECDD8A9-AB7C-4829-BEDF-38C2A3E55362}" dt="2024-03-12T18:13:07.575" v="51"/>
+          <ac:spMkLst>
+            <pc:docMk/>
+            <pc:sldMk cId="1707690881" sldId="256"/>
+            <ac:spMk id="11" creationId="{362D44EE-C852-4460-B8B5-C4F2BC20510C}"/>
+          </ac:spMkLst>
+        </pc:spChg>
+        <pc:spChg chg="add del">
+          <ac:chgData name="Kohiladevi Bethanasamy" userId="06b136623eebb7f2" providerId="LiveId" clId="{5ECDD8A9-AB7C-4829-BEDF-38C2A3E55362}" dt="2024-03-12T18:13:07.575" v="51"/>
+          <ac:spMkLst>
+            <pc:docMk/>
+            <pc:sldMk cId="1707690881" sldId="256"/>
+            <ac:spMk id="13" creationId="{658970D8-8D1D-4B5C-894B-E871CC86543D}"/>
+          </ac:spMkLst>
+        </pc:spChg>
+        <pc:spChg chg="add">
+          <ac:chgData name="Kohiladevi Bethanasamy" userId="06b136623eebb7f2" providerId="LiveId" clId="{5ECDD8A9-AB7C-4829-BEDF-38C2A3E55362}" dt="2024-03-12T18:13:43.019" v="57" actId="26606"/>
+          <ac:spMkLst>
+            <pc:docMk/>
+            <pc:sldMk cId="1707690881" sldId="256"/>
+            <ac:spMk id="14" creationId="{67374FB5-CBB7-46FF-95B5-2251BC6856ED}"/>
+          </ac:spMkLst>
+        </pc:spChg>
+        <pc:spChg chg="add del">
+          <ac:chgData name="Kohiladevi Bethanasamy" userId="06b136623eebb7f2" providerId="LiveId" clId="{5ECDD8A9-AB7C-4829-BEDF-38C2A3E55362}" dt="2024-03-12T18:13:07.575" v="51"/>
+          <ac:spMkLst>
+            <pc:docMk/>
+            <pc:sldMk cId="1707690881" sldId="256"/>
+            <ac:spMk id="15" creationId="{F227E5B6-9132-43CA-B503-37A18562ADF2}"/>
+          </ac:spMkLst>
+        </pc:spChg>
+        <pc:spChg chg="add">
+          <ac:chgData name="Kohiladevi Bethanasamy" userId="06b136623eebb7f2" providerId="LiveId" clId="{5ECDD8A9-AB7C-4829-BEDF-38C2A3E55362}" dt="2024-03-12T18:13:43.019" v="57" actId="26606"/>
+          <ac:spMkLst>
+            <pc:docMk/>
+            <pc:sldMk cId="1707690881" sldId="256"/>
+            <ac:spMk id="16" creationId="{34BCEAB7-D9E0-40A4-9254-8593BD346EAB}"/>
+          </ac:spMkLst>
+        </pc:spChg>
+        <pc:spChg chg="add del">
+          <ac:chgData name="Kohiladevi Bethanasamy" userId="06b136623eebb7f2" providerId="LiveId" clId="{5ECDD8A9-AB7C-4829-BEDF-38C2A3E55362}" dt="2024-03-12T18:13:07.575" v="51"/>
+          <ac:spMkLst>
+            <pc:docMk/>
+            <pc:sldMk cId="1707690881" sldId="256"/>
+            <ac:spMk id="17" creationId="{03C2051E-A88D-48E5-BACF-AAED17892722}"/>
+          </ac:spMkLst>
+        </pc:spChg>
+        <pc:spChg chg="add">
+          <ac:chgData name="Kohiladevi Bethanasamy" userId="06b136623eebb7f2" providerId="LiveId" clId="{5ECDD8A9-AB7C-4829-BEDF-38C2A3E55362}" dt="2024-03-12T18:13:43.019" v="57" actId="26606"/>
+          <ac:spMkLst>
+            <pc:docMk/>
+            <pc:sldMk cId="1707690881" sldId="256"/>
+            <ac:spMk id="18" creationId="{D567A354-BB63-405C-8E5F-2F510E670F16}"/>
+          </ac:spMkLst>
+        </pc:spChg>
+        <pc:spChg chg="add del">
+          <ac:chgData name="Kohiladevi Bethanasamy" userId="06b136623eebb7f2" providerId="LiveId" clId="{5ECDD8A9-AB7C-4829-BEDF-38C2A3E55362}" dt="2024-03-12T18:13:07.575" v="51"/>
+          <ac:spMkLst>
+            <pc:docMk/>
+            <pc:sldMk cId="1707690881" sldId="256"/>
+            <ac:spMk id="19" creationId="{7821A508-2985-4905-874A-527429BAABFA}"/>
+          </ac:spMkLst>
+        </pc:spChg>
+        <pc:spChg chg="add del">
+          <ac:chgData name="Kohiladevi Bethanasamy" userId="06b136623eebb7f2" providerId="LiveId" clId="{5ECDD8A9-AB7C-4829-BEDF-38C2A3E55362}" dt="2024-03-12T18:13:07.575" v="51"/>
+          <ac:spMkLst>
+            <pc:docMk/>
+            <pc:sldMk cId="1707690881" sldId="256"/>
+            <ac:spMk id="21" creationId="{D2929CB1-0E3C-4B2D-ADC5-0154FB33BA44}"/>
+          </ac:spMkLst>
+        </pc:spChg>
+        <pc:spChg chg="add del">
+          <ac:chgData name="Kohiladevi Bethanasamy" userId="06b136623eebb7f2" providerId="LiveId" clId="{5ECDD8A9-AB7C-4829-BEDF-38C2A3E55362}" dt="2024-03-12T18:13:07.575" v="51"/>
+          <ac:spMkLst>
+            <pc:docMk/>
+            <pc:sldMk cId="1707690881" sldId="256"/>
+            <ac:spMk id="23" creationId="{5F2F0C84-BE8C-4DC2-A6D3-30349A801D5C}"/>
+          </ac:spMkLst>
+        </pc:spChg>
+        <pc:spChg chg="add">
+          <ac:chgData name="Kohiladevi Bethanasamy" userId="06b136623eebb7f2" providerId="LiveId" clId="{5ECDD8A9-AB7C-4829-BEDF-38C2A3E55362}" dt="2024-03-12T18:13:43.019" v="57" actId="26606"/>
+          <ac:spMkLst>
+            <pc:docMk/>
+            <pc:sldMk cId="1707690881" sldId="256"/>
+            <ac:spMk id="25" creationId="{9185A8D7-2F20-4F7A-97BE-21DB1654C7F7}"/>
+          </ac:spMkLst>
+        </pc:spChg>
+        <pc:spChg chg="add">
+          <ac:chgData name="Kohiladevi Bethanasamy" userId="06b136623eebb7f2" providerId="LiveId" clId="{5ECDD8A9-AB7C-4829-BEDF-38C2A3E55362}" dt="2024-03-12T18:13:43.019" v="57" actId="26606"/>
+          <ac:spMkLst>
+            <pc:docMk/>
+            <pc:sldMk cId="1707690881" sldId="256"/>
+            <ac:spMk id="27" creationId="{CB65BD56-22B3-4E13-BFCA-B8E8BEB92D6C}"/>
+          </ac:spMkLst>
+        </pc:spChg>
+        <pc:spChg chg="add">
+          <ac:chgData name="Kohiladevi Bethanasamy" userId="06b136623eebb7f2" providerId="LiveId" clId="{5ECDD8A9-AB7C-4829-BEDF-38C2A3E55362}" dt="2024-03-12T18:13:43.019" v="57" actId="26606"/>
+          <ac:spMkLst>
+            <pc:docMk/>
+            <pc:sldMk cId="1707690881" sldId="256"/>
+            <ac:spMk id="29" creationId="{6790ED68-BCA0-4247-A72F-1CB85DF068C3}"/>
+          </ac:spMkLst>
+        </pc:spChg>
+        <pc:spChg chg="add">
+          <ac:chgData name="Kohiladevi Bethanasamy" userId="06b136623eebb7f2" providerId="LiveId" clId="{5ECDD8A9-AB7C-4829-BEDF-38C2A3E55362}" dt="2024-03-12T18:13:43.019" v="57" actId="26606"/>
+          <ac:spMkLst>
+            <pc:docMk/>
+            <pc:sldMk cId="1707690881" sldId="256"/>
+            <ac:spMk id="31" creationId="{DD0F2B3F-DC55-4FA7-B667-1ACD07920937}"/>
+          </ac:spMkLst>
+        </pc:spChg>
+        <pc:picChg chg="del">
+          <ac:chgData name="Kohiladevi Bethanasamy" userId="06b136623eebb7f2" providerId="LiveId" clId="{5ECDD8A9-AB7C-4829-BEDF-38C2A3E55362}" dt="2024-03-12T18:09:44.130" v="21" actId="478"/>
+          <ac:picMkLst>
+            <pc:docMk/>
+            <pc:sldMk cId="1707690881" sldId="256"/>
+            <ac:picMk id="5" creationId="{8550DB42-D052-272D-4A6B-1A8782210D01}"/>
+          </ac:picMkLst>
+        </pc:picChg>
+        <pc:picChg chg="add mod ord">
+          <ac:chgData name="Kohiladevi Bethanasamy" userId="06b136623eebb7f2" providerId="LiveId" clId="{5ECDD8A9-AB7C-4829-BEDF-38C2A3E55362}" dt="2024-03-12T18:14:13.836" v="72" actId="1076"/>
+          <ac:picMkLst>
+            <pc:docMk/>
+            <pc:sldMk cId="1707690881" sldId="256"/>
+            <ac:picMk id="6" creationId="{C5AC3F17-BAD1-F9CA-21E2-A34460A14418}"/>
+          </ac:picMkLst>
+        </pc:picChg>
+        <pc:cxnChg chg="add">
+          <ac:chgData name="Kohiladevi Bethanasamy" userId="06b136623eebb7f2" providerId="LiveId" clId="{5ECDD8A9-AB7C-4829-BEDF-38C2A3E55362}" dt="2024-03-12T18:13:43.019" v="57" actId="26606"/>
+          <ac:cxnSpMkLst>
+            <pc:docMk/>
+            <pc:sldMk cId="1707690881" sldId="256"/>
+            <ac:cxnSpMk id="10" creationId="{D02CF681-4765-4E88-802F-B2474DCD516A}"/>
+          </ac:cxnSpMkLst>
+        </pc:cxnChg>
+        <pc:cxnChg chg="add">
+          <ac:chgData name="Kohiladevi Bethanasamy" userId="06b136623eebb7f2" providerId="LiveId" clId="{5ECDD8A9-AB7C-4829-BEDF-38C2A3E55362}" dt="2024-03-12T18:13:43.019" v="57" actId="26606"/>
+          <ac:cxnSpMkLst>
+            <pc:docMk/>
+            <pc:sldMk cId="1707690881" sldId="256"/>
+            <ac:cxnSpMk id="12" creationId="{3D57B2BA-243C-45C7-A5D8-46CA719437FC}"/>
+          </ac:cxnSpMkLst>
+        </pc:cxnChg>
+      </pc:sldChg>
+      <pc:sldChg chg="addSp delSp modSp mod">
+        <pc:chgData name="Kohiladevi Bethanasamy" userId="06b136623eebb7f2" providerId="LiveId" clId="{5ECDD8A9-AB7C-4829-BEDF-38C2A3E55362}" dt="2024-03-12T18:13:31.304" v="56"/>
+        <pc:sldMkLst>
+          <pc:docMk/>
+          <pc:sldMk cId="3286554954" sldId="257"/>
+        </pc:sldMkLst>
+        <pc:spChg chg="mod">
+          <ac:chgData name="Kohiladevi Bethanasamy" userId="06b136623eebb7f2" providerId="LiveId" clId="{5ECDD8A9-AB7C-4829-BEDF-38C2A3E55362}" dt="2024-03-12T18:13:31.304" v="56"/>
+          <ac:spMkLst>
+            <pc:docMk/>
+            <pc:sldMk cId="3286554954" sldId="257"/>
+            <ac:spMk id="2" creationId="{CBE197FE-0326-EB3B-827A-29526596C3C5}"/>
+          </ac:spMkLst>
+        </pc:spChg>
+        <pc:spChg chg="mod">
+          <ac:chgData name="Kohiladevi Bethanasamy" userId="06b136623eebb7f2" providerId="LiveId" clId="{5ECDD8A9-AB7C-4829-BEDF-38C2A3E55362}" dt="2024-03-12T18:13:31.304" v="56"/>
+          <ac:spMkLst>
+            <pc:docMk/>
+            <pc:sldMk cId="3286554954" sldId="257"/>
+            <ac:spMk id="3" creationId="{7C0A432C-FDC7-E194-AFDC-7BA766187172}"/>
+          </ac:spMkLst>
+        </pc:spChg>
+        <pc:spChg chg="add">
+          <ac:chgData name="Kohiladevi Bethanasamy" userId="06b136623eebb7f2" providerId="LiveId" clId="{5ECDD8A9-AB7C-4829-BEDF-38C2A3E55362}" dt="2024-03-12T18:12:17.076" v="45"/>
+          <ac:spMkLst>
+            <pc:docMk/>
+            <pc:sldMk cId="3286554954" sldId="257"/>
+            <ac:spMk id="4" creationId="{678A653E-1600-EA3E-9061-BEA1441DAD60}"/>
+          </ac:spMkLst>
+        </pc:spChg>
+        <pc:picChg chg="add del mod">
+          <ac:chgData name="Kohiladevi Bethanasamy" userId="06b136623eebb7f2" providerId="LiveId" clId="{5ECDD8A9-AB7C-4829-BEDF-38C2A3E55362}" dt="2024-03-12T18:12:30.753" v="49" actId="478"/>
+          <ac:picMkLst>
+            <pc:docMk/>
+            <pc:sldMk cId="3286554954" sldId="257"/>
+            <ac:picMk id="5" creationId="{A3B92B31-EA2C-8789-00E9-47F9C6717192}"/>
+          </ac:picMkLst>
+        </pc:picChg>
+      </pc:sldChg>
+      <pc:sldChg chg="modSp">
+        <pc:chgData name="Kohiladevi Bethanasamy" userId="06b136623eebb7f2" providerId="LiveId" clId="{5ECDD8A9-AB7C-4829-BEDF-38C2A3E55362}" dt="2024-03-12T18:13:31.304" v="56"/>
+        <pc:sldMkLst>
+          <pc:docMk/>
+          <pc:sldMk cId="3394801994" sldId="258"/>
+        </pc:sldMkLst>
+        <pc:spChg chg="mod">
+          <ac:chgData name="Kohiladevi Bethanasamy" userId="06b136623eebb7f2" providerId="LiveId" clId="{5ECDD8A9-AB7C-4829-BEDF-38C2A3E55362}" dt="2024-03-12T18:13:31.304" v="56"/>
+          <ac:spMkLst>
+            <pc:docMk/>
+            <pc:sldMk cId="3394801994" sldId="258"/>
+            <ac:spMk id="2" creationId="{DF5529EC-F747-0361-0E04-15EF2D868908}"/>
+          </ac:spMkLst>
+        </pc:spChg>
+        <pc:spChg chg="mod">
+          <ac:chgData name="Kohiladevi Bethanasamy" userId="06b136623eebb7f2" providerId="LiveId" clId="{5ECDD8A9-AB7C-4829-BEDF-38C2A3E55362}" dt="2024-03-12T18:13:31.304" v="56"/>
+          <ac:spMkLst>
+            <pc:docMk/>
+            <pc:sldMk cId="3394801994" sldId="258"/>
+            <ac:spMk id="3" creationId="{B7F1388D-01EA-8DE6-72B0-C70E463C1097}"/>
+          </ac:spMkLst>
+        </pc:spChg>
+      </pc:sldChg>
+      <pc:sldChg chg="modSp">
+        <pc:chgData name="Kohiladevi Bethanasamy" userId="06b136623eebb7f2" providerId="LiveId" clId="{5ECDD8A9-AB7C-4829-BEDF-38C2A3E55362}" dt="2024-03-12T18:13:31.304" v="56"/>
+        <pc:sldMkLst>
+          <pc:docMk/>
+          <pc:sldMk cId="410882973" sldId="259"/>
+        </pc:sldMkLst>
+        <pc:spChg chg="mod">
+          <ac:chgData name="Kohiladevi Bethanasamy" userId="06b136623eebb7f2" providerId="LiveId" clId="{5ECDD8A9-AB7C-4829-BEDF-38C2A3E55362}" dt="2024-03-12T18:13:31.304" v="56"/>
+          <ac:spMkLst>
+            <pc:docMk/>
+            <pc:sldMk cId="410882973" sldId="259"/>
+            <ac:spMk id="2" creationId="{A159F901-0888-0A56-7FB0-A8610F9D05E8}"/>
+          </ac:spMkLst>
+        </pc:spChg>
+      </pc:sldChg>
+      <pc:sldChg chg="modSp">
+        <pc:chgData name="Kohiladevi Bethanasamy" userId="06b136623eebb7f2" providerId="LiveId" clId="{5ECDD8A9-AB7C-4829-BEDF-38C2A3E55362}" dt="2024-03-12T18:13:31.304" v="56"/>
+        <pc:sldMkLst>
+          <pc:docMk/>
+          <pc:sldMk cId="1528370184" sldId="260"/>
+        </pc:sldMkLst>
+        <pc:spChg chg="mod">
+          <ac:chgData name="Kohiladevi Bethanasamy" userId="06b136623eebb7f2" providerId="LiveId" clId="{5ECDD8A9-AB7C-4829-BEDF-38C2A3E55362}" dt="2024-03-12T18:13:31.304" v="56"/>
+          <ac:spMkLst>
+            <pc:docMk/>
+            <pc:sldMk cId="1528370184" sldId="260"/>
+            <ac:spMk id="2" creationId="{11DE3FFA-09D5-A408-BB96-C215231414AC}"/>
+          </ac:spMkLst>
+        </pc:spChg>
+      </pc:sldChg>
+      <pc:sldChg chg="modSp">
+        <pc:chgData name="Kohiladevi Bethanasamy" userId="06b136623eebb7f2" providerId="LiveId" clId="{5ECDD8A9-AB7C-4829-BEDF-38C2A3E55362}" dt="2024-03-12T18:13:31.304" v="56"/>
+        <pc:sldMkLst>
+          <pc:docMk/>
+          <pc:sldMk cId="193261120" sldId="261"/>
+        </pc:sldMkLst>
+        <pc:spChg chg="mod">
+          <ac:chgData name="Kohiladevi Bethanasamy" userId="06b136623eebb7f2" providerId="LiveId" clId="{5ECDD8A9-AB7C-4829-BEDF-38C2A3E55362}" dt="2024-03-12T18:13:31.304" v="56"/>
+          <ac:spMkLst>
+            <pc:docMk/>
+            <pc:sldMk cId="193261120" sldId="261"/>
+            <ac:spMk id="2" creationId="{349D47E2-D3BE-1F9B-D2BA-7734E1DDF8CA}"/>
+          </ac:spMkLst>
+        </pc:spChg>
+        <pc:spChg chg="mod">
+          <ac:chgData name="Kohiladevi Bethanasamy" userId="06b136623eebb7f2" providerId="LiveId" clId="{5ECDD8A9-AB7C-4829-BEDF-38C2A3E55362}" dt="2024-03-12T18:13:31.304" v="56"/>
+          <ac:spMkLst>
+            <pc:docMk/>
+            <pc:sldMk cId="193261120" sldId="261"/>
+            <ac:spMk id="3" creationId="{E8F90FE7-9C0D-B56E-B302-065A60753C45}"/>
+          </ac:spMkLst>
+        </pc:spChg>
+      </pc:sldChg>
+      <pc:sldChg chg="modSp">
+        <pc:chgData name="Kohiladevi Bethanasamy" userId="06b136623eebb7f2" providerId="LiveId" clId="{5ECDD8A9-AB7C-4829-BEDF-38C2A3E55362}" dt="2024-03-12T18:13:31.304" v="56"/>
+        <pc:sldMkLst>
+          <pc:docMk/>
+          <pc:sldMk cId="1828173309" sldId="262"/>
+        </pc:sldMkLst>
+        <pc:spChg chg="mod">
+          <ac:chgData name="Kohiladevi Bethanasamy" userId="06b136623eebb7f2" providerId="LiveId" clId="{5ECDD8A9-AB7C-4829-BEDF-38C2A3E55362}" dt="2024-03-12T18:13:31.304" v="56"/>
+          <ac:spMkLst>
+            <pc:docMk/>
+            <pc:sldMk cId="1828173309" sldId="262"/>
+            <ac:spMk id="2" creationId="{37064C91-53BF-D321-61FD-5798BD683C40}"/>
+          </ac:spMkLst>
+        </pc:spChg>
+        <pc:spChg chg="mod">
+          <ac:chgData name="Kohiladevi Bethanasamy" userId="06b136623eebb7f2" providerId="LiveId" clId="{5ECDD8A9-AB7C-4829-BEDF-38C2A3E55362}" dt="2024-03-12T18:13:31.304" v="56"/>
+          <ac:spMkLst>
+            <pc:docMk/>
+            <pc:sldMk cId="1828173309" sldId="262"/>
+            <ac:spMk id="3" creationId="{9C4692B3-8896-D79C-5F5E-DD167331A89C}"/>
+          </ac:spMkLst>
+        </pc:spChg>
+      </pc:sldChg>
+      <pc:sldChg chg="modSp">
+        <pc:chgData name="Kohiladevi Bethanasamy" userId="06b136623eebb7f2" providerId="LiveId" clId="{5ECDD8A9-AB7C-4829-BEDF-38C2A3E55362}" dt="2024-03-12T18:13:31.304" v="56"/>
+        <pc:sldMkLst>
+          <pc:docMk/>
+          <pc:sldMk cId="2395027338" sldId="263"/>
+        </pc:sldMkLst>
+        <pc:spChg chg="mod">
+          <ac:chgData name="Kohiladevi Bethanasamy" userId="06b136623eebb7f2" providerId="LiveId" clId="{5ECDD8A9-AB7C-4829-BEDF-38C2A3E55362}" dt="2024-03-12T18:13:31.304" v="56"/>
+          <ac:spMkLst>
+            <pc:docMk/>
+            <pc:sldMk cId="2395027338" sldId="263"/>
+            <ac:spMk id="2" creationId="{8A138E2E-CE40-6C8C-AE66-7009CB31DCF8}"/>
+          </ac:spMkLst>
+        </pc:spChg>
+        <pc:spChg chg="mod">
+          <ac:chgData name="Kohiladevi Bethanasamy" userId="06b136623eebb7f2" providerId="LiveId" clId="{5ECDD8A9-AB7C-4829-BEDF-38C2A3E55362}" dt="2024-03-12T18:13:31.304" v="56"/>
+          <ac:spMkLst>
+            <pc:docMk/>
+            <pc:sldMk cId="2395027338" sldId="263"/>
+            <ac:spMk id="3" creationId="{8B69B56D-0CC2-1C4F-B972-DF60E8BC0BA1}"/>
+          </ac:spMkLst>
+        </pc:spChg>
+      </pc:sldChg>
+      <pc:sldChg chg="modSp">
+        <pc:chgData name="Kohiladevi Bethanasamy" userId="06b136623eebb7f2" providerId="LiveId" clId="{5ECDD8A9-AB7C-4829-BEDF-38C2A3E55362}" dt="2024-03-12T18:13:31.304" v="56"/>
+        <pc:sldMkLst>
+          <pc:docMk/>
+          <pc:sldMk cId="1757330866" sldId="264"/>
+        </pc:sldMkLst>
+        <pc:spChg chg="mod">
+          <ac:chgData name="Kohiladevi Bethanasamy" userId="06b136623eebb7f2" providerId="LiveId" clId="{5ECDD8A9-AB7C-4829-BEDF-38C2A3E55362}" dt="2024-03-12T18:13:31.304" v="56"/>
+          <ac:spMkLst>
+            <pc:docMk/>
+            <pc:sldMk cId="1757330866" sldId="264"/>
+            <ac:spMk id="2" creationId="{41C66FF8-BC72-E399-0830-BBCECEAC4005}"/>
+          </ac:spMkLst>
+        </pc:spChg>
+        <pc:spChg chg="mod">
+          <ac:chgData name="Kohiladevi Bethanasamy" userId="06b136623eebb7f2" providerId="LiveId" clId="{5ECDD8A9-AB7C-4829-BEDF-38C2A3E55362}" dt="2024-03-12T18:13:31.304" v="56"/>
+          <ac:spMkLst>
+            <pc:docMk/>
+            <pc:sldMk cId="1757330866" sldId="264"/>
+            <ac:spMk id="3" creationId="{E191ECF8-7A35-B10B-6839-E31728C93A31}"/>
+          </ac:spMkLst>
+        </pc:spChg>
+      </pc:sldChg>
+      <pc:sldChg chg="modSp">
+        <pc:chgData name="Kohiladevi Bethanasamy" userId="06b136623eebb7f2" providerId="LiveId" clId="{5ECDD8A9-AB7C-4829-BEDF-38C2A3E55362}" dt="2024-03-12T18:13:31.304" v="56"/>
+        <pc:sldMkLst>
+          <pc:docMk/>
+          <pc:sldMk cId="1441354485" sldId="265"/>
+        </pc:sldMkLst>
+        <pc:spChg chg="mod">
+          <ac:chgData name="Kohiladevi Bethanasamy" userId="06b136623eebb7f2" providerId="LiveId" clId="{5ECDD8A9-AB7C-4829-BEDF-38C2A3E55362}" dt="2024-03-12T18:13:31.304" v="56"/>
+          <ac:spMkLst>
+            <pc:docMk/>
+            <pc:sldMk cId="1441354485" sldId="265"/>
+            <ac:spMk id="2" creationId="{86801D2D-9706-006C-E3BC-658230981F80}"/>
+          </ac:spMkLst>
+        </pc:spChg>
+        <pc:spChg chg="mod">
+          <ac:chgData name="Kohiladevi Bethanasamy" userId="06b136623eebb7f2" providerId="LiveId" clId="{5ECDD8A9-AB7C-4829-BEDF-38C2A3E55362}" dt="2024-03-12T18:13:31.304" v="56"/>
+          <ac:spMkLst>
+            <pc:docMk/>
+            <pc:sldMk cId="1441354485" sldId="265"/>
+            <ac:spMk id="3" creationId="{69BD15DB-CF22-7AA9-43F3-BE7E81D9E0FB}"/>
+          </ac:spMkLst>
+        </pc:spChg>
+      </pc:sldChg>
+      <pc:sldChg chg="modSp">
+        <pc:chgData name="Kohiladevi Bethanasamy" userId="06b136623eebb7f2" providerId="LiveId" clId="{5ECDD8A9-AB7C-4829-BEDF-38C2A3E55362}" dt="2024-03-12T18:13:31.304" v="56"/>
+        <pc:sldMkLst>
+          <pc:docMk/>
+          <pc:sldMk cId="416754762" sldId="266"/>
+        </pc:sldMkLst>
+        <pc:spChg chg="mod">
+          <ac:chgData name="Kohiladevi Bethanasamy" userId="06b136623eebb7f2" providerId="LiveId" clId="{5ECDD8A9-AB7C-4829-BEDF-38C2A3E55362}" dt="2024-03-12T18:13:31.304" v="56"/>
+          <ac:spMkLst>
+            <pc:docMk/>
+            <pc:sldMk cId="416754762" sldId="266"/>
+            <ac:spMk id="2" creationId="{B8F55679-0638-3AA4-0439-D29279329B21}"/>
+          </ac:spMkLst>
+        </pc:spChg>
+      </pc:sldChg>
+      <pc:sldChg chg="modSp">
+        <pc:chgData name="Kohiladevi Bethanasamy" userId="06b136623eebb7f2" providerId="LiveId" clId="{5ECDD8A9-AB7C-4829-BEDF-38C2A3E55362}" dt="2024-03-12T18:13:31.304" v="56"/>
+        <pc:sldMkLst>
+          <pc:docMk/>
+          <pc:sldMk cId="2744834581" sldId="267"/>
+        </pc:sldMkLst>
+        <pc:spChg chg="mod">
+          <ac:chgData name="Kohiladevi Bethanasamy" userId="06b136623eebb7f2" providerId="LiveId" clId="{5ECDD8A9-AB7C-4829-BEDF-38C2A3E55362}" dt="2024-03-12T18:13:31.304" v="56"/>
+          <ac:spMkLst>
+            <pc:docMk/>
+            <pc:sldMk cId="2744834581" sldId="267"/>
+            <ac:spMk id="2" creationId="{F549A42D-BDDC-16EC-87C7-35CA2E9CD35B}"/>
+          </ac:spMkLst>
+        </pc:spChg>
+        <pc:spChg chg="mod">
+          <ac:chgData name="Kohiladevi Bethanasamy" userId="06b136623eebb7f2" providerId="LiveId" clId="{5ECDD8A9-AB7C-4829-BEDF-38C2A3E55362}" dt="2024-03-12T18:13:31.304" v="56"/>
+          <ac:spMkLst>
+            <pc:docMk/>
+            <pc:sldMk cId="2744834581" sldId="267"/>
+            <ac:spMk id="3" creationId="{16DA6F3A-0E49-B750-1C37-DA8EB0A86C92}"/>
+          </ac:spMkLst>
+        </pc:spChg>
+      </pc:sldChg>
+      <pc:sldChg chg="del">
+        <pc:chgData name="Kohiladevi Bethanasamy" userId="06b136623eebb7f2" providerId="LiveId" clId="{5ECDD8A9-AB7C-4829-BEDF-38C2A3E55362}" dt="2024-03-12T17:29:08.988" v="20" actId="47"/>
+        <pc:sldMkLst>
+          <pc:docMk/>
+          <pc:sldMk cId="3187916917" sldId="268"/>
+        </pc:sldMkLst>
+      </pc:sldChg>
+    </pc:docChg>
+  </pc:docChgLst>
+</pc:chgInfo>
 </file>
 
 <file path=ppt/ink/ink1.xml><?xml version="1.0" encoding="utf-8"?>
@@ -322,7 +786,7 @@
 </file>
 
 <file path=ppt/slideLayouts/slideLayout1.xml><?xml version="1.0" encoding="utf-8"?>
-<p:sldLayout xmlns:a="http://schemas.openxmlformats.org/drawingml/2006/main" xmlns:r="http://schemas.openxmlformats.org/officeDocument/2006/relationships" xmlns:p="http://schemas.openxmlformats.org/presentationml/2006/main" type="title" preserve="1">
+<p:sldLayout xmlns:a="http://schemas.openxmlformats.org/drawingml/2006/main" xmlns:r="http://schemas.openxmlformats.org/officeDocument/2006/relationships" xmlns:p="http://schemas.openxmlformats.org/presentationml/2006/main" showMasterSp="0" type="title" preserve="1">
   <p:cSld name="Title Slide">
     <p:spTree>
       <p:nvGrpSpPr>
@@ -338,15 +802,562 @@
           <a:chExt cx="0" cy="0"/>
         </a:xfrm>
       </p:grpSpPr>
-      <p:sp>
-        <p:nvSpPr>
-          <p:cNvPr id="2" name="Title 1">
-            <a:extLst>
-              <a:ext uri="{FF2B5EF4-FFF2-40B4-BE49-F238E27FC236}">
-                <a16:creationId xmlns:a16="http://schemas.microsoft.com/office/drawing/2014/main" id="{4C0C050C-A652-AE8A-3FAD-B4E81655DF94}"/>
-              </a:ext>
-            </a:extLst>
-          </p:cNvPr>
+      <p:grpSp>
+        <p:nvGrpSpPr>
+          <p:cNvPr id="16" name="Group 15"/>
+          <p:cNvGrpSpPr/>
+          <p:nvPr/>
+        </p:nvGrpSpPr>
+        <p:grpSpPr>
+          <a:xfrm>
+            <a:off x="0" y="-8467"/>
+            <a:ext cx="12192000" cy="6866467"/>
+            <a:chOff x="0" y="-8467"/>
+            <a:chExt cx="12192000" cy="6866467"/>
+          </a:xfrm>
+        </p:grpSpPr>
+        <p:sp>
+          <p:nvSpPr>
+            <p:cNvPr id="15" name="Freeform 14"/>
+            <p:cNvSpPr/>
+            <p:nvPr/>
+          </p:nvSpPr>
+          <p:spPr>
+            <a:xfrm>
+              <a:off x="0" y="-7862"/>
+              <a:ext cx="863600" cy="5698067"/>
+            </a:xfrm>
+            <a:custGeom>
+              <a:avLst/>
+              <a:gdLst/>
+              <a:ahLst/>
+              <a:cxnLst/>
+              <a:rect l="l" t="t" r="r" b="b"/>
+              <a:pathLst>
+                <a:path w="863600" h="5698067">
+                  <a:moveTo>
+                    <a:pt x="0" y="8467"/>
+                  </a:moveTo>
+                  <a:lnTo>
+                    <a:pt x="863600" y="0"/>
+                  </a:lnTo>
+                  <a:lnTo>
+                    <a:pt x="863600" y="16934"/>
+                  </a:lnTo>
+                  <a:lnTo>
+                    <a:pt x="0" y="5698067"/>
+                  </a:lnTo>
+                  <a:lnTo>
+                    <a:pt x="0" y="8467"/>
+                  </a:lnTo>
+                  <a:close/>
+                </a:path>
+              </a:pathLst>
+            </a:custGeom>
+            <a:solidFill>
+              <a:schemeClr val="accent1">
+                <a:alpha val="70000"/>
+              </a:schemeClr>
+            </a:solidFill>
+            <a:ln>
+              <a:noFill/>
+            </a:ln>
+            <a:effectLst/>
+          </p:spPr>
+          <p:style>
+            <a:lnRef idx="1">
+              <a:schemeClr val="accent1"/>
+            </a:lnRef>
+            <a:fillRef idx="3">
+              <a:schemeClr val="accent1"/>
+            </a:fillRef>
+            <a:effectRef idx="2">
+              <a:schemeClr val="accent1"/>
+            </a:effectRef>
+            <a:fontRef idx="minor">
+              <a:schemeClr val="lt1"/>
+            </a:fontRef>
+          </p:style>
+        </p:sp>
+        <p:cxnSp>
+          <p:nvCxnSpPr>
+            <p:cNvPr id="19" name="Straight Connector 18"/>
+            <p:cNvCxnSpPr/>
+            <p:nvPr/>
+          </p:nvCxnSpPr>
+          <p:spPr>
+            <a:xfrm>
+              <a:off x="9371012" y="0"/>
+              <a:ext cx="1219200" cy="6858000"/>
+            </a:xfrm>
+            <a:prstGeom prst="line">
+              <a:avLst/>
+            </a:prstGeom>
+            <a:ln w="9525">
+              <a:solidFill>
+                <a:schemeClr val="accent1">
+                  <a:alpha val="70000"/>
+                </a:schemeClr>
+              </a:solidFill>
+            </a:ln>
+          </p:spPr>
+          <p:style>
+            <a:lnRef idx="2">
+              <a:schemeClr val="accent1"/>
+            </a:lnRef>
+            <a:fillRef idx="0">
+              <a:schemeClr val="accent1"/>
+            </a:fillRef>
+            <a:effectRef idx="1">
+              <a:schemeClr val="accent1"/>
+            </a:effectRef>
+            <a:fontRef idx="minor">
+              <a:schemeClr val="tx1"/>
+            </a:fontRef>
+          </p:style>
+        </p:cxnSp>
+        <p:cxnSp>
+          <p:nvCxnSpPr>
+            <p:cNvPr id="20" name="Straight Connector 19"/>
+            <p:cNvCxnSpPr/>
+            <p:nvPr/>
+          </p:nvCxnSpPr>
+          <p:spPr>
+            <a:xfrm flipH="1">
+              <a:off x="7425267" y="3681413"/>
+              <a:ext cx="4763558" cy="3176587"/>
+            </a:xfrm>
+            <a:prstGeom prst="line">
+              <a:avLst/>
+            </a:prstGeom>
+            <a:ln w="9525">
+              <a:solidFill>
+                <a:schemeClr val="accent1">
+                  <a:alpha val="70000"/>
+                </a:schemeClr>
+              </a:solidFill>
+            </a:ln>
+          </p:spPr>
+          <p:style>
+            <a:lnRef idx="2">
+              <a:schemeClr val="accent1"/>
+            </a:lnRef>
+            <a:fillRef idx="0">
+              <a:schemeClr val="accent1"/>
+            </a:fillRef>
+            <a:effectRef idx="1">
+              <a:schemeClr val="accent1"/>
+            </a:effectRef>
+            <a:fontRef idx="minor">
+              <a:schemeClr val="tx1"/>
+            </a:fontRef>
+          </p:style>
+        </p:cxnSp>
+        <p:sp>
+          <p:nvSpPr>
+            <p:cNvPr id="21" name="Rectangle 23"/>
+            <p:cNvSpPr/>
+            <p:nvPr/>
+          </p:nvSpPr>
+          <p:spPr>
+            <a:xfrm>
+              <a:off x="9181476" y="-8467"/>
+              <a:ext cx="3007349" cy="6866467"/>
+            </a:xfrm>
+            <a:custGeom>
+              <a:avLst/>
+              <a:gdLst/>
+              <a:ahLst/>
+              <a:cxnLst/>
+              <a:rect l="l" t="t" r="r" b="b"/>
+              <a:pathLst>
+                <a:path w="3007349" h="6866467">
+                  <a:moveTo>
+                    <a:pt x="2045532" y="0"/>
+                  </a:moveTo>
+                  <a:lnTo>
+                    <a:pt x="3007349" y="0"/>
+                  </a:lnTo>
+                  <a:lnTo>
+                    <a:pt x="3007349" y="6866467"/>
+                  </a:lnTo>
+                  <a:lnTo>
+                    <a:pt x="0" y="6866467"/>
+                  </a:lnTo>
+                  <a:lnTo>
+                    <a:pt x="2045532" y="0"/>
+                  </a:lnTo>
+                  <a:close/>
+                </a:path>
+              </a:pathLst>
+            </a:custGeom>
+            <a:solidFill>
+              <a:schemeClr val="accent1">
+                <a:alpha val="36000"/>
+              </a:schemeClr>
+            </a:solidFill>
+            <a:ln>
+              <a:noFill/>
+            </a:ln>
+            <a:effectLst/>
+          </p:spPr>
+          <p:style>
+            <a:lnRef idx="1">
+              <a:schemeClr val="accent1"/>
+            </a:lnRef>
+            <a:fillRef idx="3">
+              <a:schemeClr val="accent1"/>
+            </a:fillRef>
+            <a:effectRef idx="2">
+              <a:schemeClr val="accent1"/>
+            </a:effectRef>
+            <a:fontRef idx="minor">
+              <a:schemeClr val="lt1"/>
+            </a:fontRef>
+          </p:style>
+        </p:sp>
+        <p:sp>
+          <p:nvSpPr>
+            <p:cNvPr id="22" name="Rectangle 25"/>
+            <p:cNvSpPr/>
+            <p:nvPr/>
+          </p:nvSpPr>
+          <p:spPr>
+            <a:xfrm>
+              <a:off x="9603442" y="-8467"/>
+              <a:ext cx="2588558" cy="6866467"/>
+            </a:xfrm>
+            <a:custGeom>
+              <a:avLst/>
+              <a:gdLst/>
+              <a:ahLst/>
+              <a:cxnLst/>
+              <a:rect l="l" t="t" r="r" b="b"/>
+              <a:pathLst>
+                <a:path w="2573311" h="6866467">
+                  <a:moveTo>
+                    <a:pt x="0" y="0"/>
+                  </a:moveTo>
+                  <a:lnTo>
+                    <a:pt x="2573311" y="0"/>
+                  </a:lnTo>
+                  <a:lnTo>
+                    <a:pt x="2573311" y="6866467"/>
+                  </a:lnTo>
+                  <a:lnTo>
+                    <a:pt x="1202336" y="6866467"/>
+                  </a:lnTo>
+                  <a:lnTo>
+                    <a:pt x="0" y="0"/>
+                  </a:lnTo>
+                  <a:close/>
+                </a:path>
+              </a:pathLst>
+            </a:custGeom>
+            <a:solidFill>
+              <a:schemeClr val="accent1">
+                <a:alpha val="20000"/>
+              </a:schemeClr>
+            </a:solidFill>
+            <a:ln>
+              <a:noFill/>
+            </a:ln>
+            <a:effectLst/>
+          </p:spPr>
+          <p:style>
+            <a:lnRef idx="1">
+              <a:schemeClr val="accent1"/>
+            </a:lnRef>
+            <a:fillRef idx="3">
+              <a:schemeClr val="accent1"/>
+            </a:fillRef>
+            <a:effectRef idx="2">
+              <a:schemeClr val="accent1"/>
+            </a:effectRef>
+            <a:fontRef idx="minor">
+              <a:schemeClr val="lt1"/>
+            </a:fontRef>
+          </p:style>
+        </p:sp>
+        <p:sp>
+          <p:nvSpPr>
+            <p:cNvPr id="23" name="Isosceles Triangle 22"/>
+            <p:cNvSpPr/>
+            <p:nvPr/>
+          </p:nvSpPr>
+          <p:spPr>
+            <a:xfrm>
+              <a:off x="8932333" y="3048000"/>
+              <a:ext cx="3259667" cy="3810000"/>
+            </a:xfrm>
+            <a:prstGeom prst="triangle">
+              <a:avLst>
+                <a:gd name="adj" fmla="val 100000"/>
+              </a:avLst>
+            </a:prstGeom>
+            <a:solidFill>
+              <a:schemeClr val="accent1">
+                <a:lumMod val="75000"/>
+                <a:alpha val="66000"/>
+              </a:schemeClr>
+            </a:solidFill>
+            <a:ln>
+              <a:noFill/>
+            </a:ln>
+            <a:effectLst/>
+          </p:spPr>
+          <p:style>
+            <a:lnRef idx="1">
+              <a:schemeClr val="accent1"/>
+            </a:lnRef>
+            <a:fillRef idx="3">
+              <a:schemeClr val="accent1"/>
+            </a:fillRef>
+            <a:effectRef idx="2">
+              <a:schemeClr val="accent1"/>
+            </a:effectRef>
+            <a:fontRef idx="minor">
+              <a:schemeClr val="lt1"/>
+            </a:fontRef>
+          </p:style>
+        </p:sp>
+        <p:sp>
+          <p:nvSpPr>
+            <p:cNvPr id="24" name="Rectangle 27"/>
+            <p:cNvSpPr/>
+            <p:nvPr/>
+          </p:nvSpPr>
+          <p:spPr>
+            <a:xfrm>
+              <a:off x="9334500" y="-8467"/>
+              <a:ext cx="2854326" cy="6866467"/>
+            </a:xfrm>
+            <a:custGeom>
+              <a:avLst/>
+              <a:gdLst/>
+              <a:ahLst/>
+              <a:cxnLst/>
+              <a:rect l="l" t="t" r="r" b="b"/>
+              <a:pathLst>
+                <a:path w="2858013" h="6866467">
+                  <a:moveTo>
+                    <a:pt x="0" y="0"/>
+                  </a:moveTo>
+                  <a:lnTo>
+                    <a:pt x="2858013" y="0"/>
+                  </a:lnTo>
+                  <a:lnTo>
+                    <a:pt x="2858013" y="6866467"/>
+                  </a:lnTo>
+                  <a:lnTo>
+                    <a:pt x="2473942" y="6866467"/>
+                  </a:lnTo>
+                  <a:lnTo>
+                    <a:pt x="0" y="0"/>
+                  </a:lnTo>
+                  <a:close/>
+                </a:path>
+              </a:pathLst>
+            </a:custGeom>
+            <a:solidFill>
+              <a:schemeClr val="accent1">
+                <a:lumMod val="75000"/>
+                <a:alpha val="50000"/>
+              </a:schemeClr>
+            </a:solidFill>
+            <a:ln>
+              <a:noFill/>
+            </a:ln>
+            <a:effectLst/>
+          </p:spPr>
+          <p:style>
+            <a:lnRef idx="1">
+              <a:schemeClr val="accent1"/>
+            </a:lnRef>
+            <a:fillRef idx="3">
+              <a:schemeClr val="accent1"/>
+            </a:fillRef>
+            <a:effectRef idx="2">
+              <a:schemeClr val="accent1"/>
+            </a:effectRef>
+            <a:fontRef idx="minor">
+              <a:schemeClr val="lt1"/>
+            </a:fontRef>
+          </p:style>
+        </p:sp>
+        <p:sp>
+          <p:nvSpPr>
+            <p:cNvPr id="25" name="Rectangle 28"/>
+            <p:cNvSpPr/>
+            <p:nvPr/>
+          </p:nvSpPr>
+          <p:spPr>
+            <a:xfrm>
+              <a:off x="10898730" y="-8467"/>
+              <a:ext cx="1290094" cy="6866467"/>
+            </a:xfrm>
+            <a:custGeom>
+              <a:avLst/>
+              <a:gdLst/>
+              <a:ahLst/>
+              <a:cxnLst/>
+              <a:rect l="l" t="t" r="r" b="b"/>
+              <a:pathLst>
+                <a:path w="1290094" h="6858000">
+                  <a:moveTo>
+                    <a:pt x="1019735" y="0"/>
+                  </a:moveTo>
+                  <a:lnTo>
+                    <a:pt x="1290094" y="0"/>
+                  </a:lnTo>
+                  <a:lnTo>
+                    <a:pt x="1290094" y="6858000"/>
+                  </a:lnTo>
+                  <a:lnTo>
+                    <a:pt x="0" y="6858000"/>
+                  </a:lnTo>
+                  <a:lnTo>
+                    <a:pt x="1019735" y="0"/>
+                  </a:lnTo>
+                  <a:close/>
+                </a:path>
+              </a:pathLst>
+            </a:custGeom>
+            <a:solidFill>
+              <a:schemeClr val="accent2">
+                <a:alpha val="70000"/>
+              </a:schemeClr>
+            </a:solidFill>
+            <a:ln>
+              <a:noFill/>
+            </a:ln>
+            <a:effectLst/>
+          </p:spPr>
+          <p:style>
+            <a:lnRef idx="1">
+              <a:schemeClr val="accent1"/>
+            </a:lnRef>
+            <a:fillRef idx="3">
+              <a:schemeClr val="accent1"/>
+            </a:fillRef>
+            <a:effectRef idx="2">
+              <a:schemeClr val="accent1"/>
+            </a:effectRef>
+            <a:fontRef idx="minor">
+              <a:schemeClr val="lt1"/>
+            </a:fontRef>
+          </p:style>
+        </p:sp>
+        <p:sp>
+          <p:nvSpPr>
+            <p:cNvPr id="26" name="Rectangle 29"/>
+            <p:cNvSpPr/>
+            <p:nvPr/>
+          </p:nvSpPr>
+          <p:spPr>
+            <a:xfrm>
+              <a:off x="10938999" y="-8467"/>
+              <a:ext cx="1249825" cy="6866467"/>
+            </a:xfrm>
+            <a:custGeom>
+              <a:avLst/>
+              <a:gdLst/>
+              <a:ahLst/>
+              <a:cxnLst/>
+              <a:rect l="l" t="t" r="r" b="b"/>
+              <a:pathLst>
+                <a:path w="1249825" h="6858000">
+                  <a:moveTo>
+                    <a:pt x="0" y="0"/>
+                  </a:moveTo>
+                  <a:lnTo>
+                    <a:pt x="1249825" y="0"/>
+                  </a:lnTo>
+                  <a:lnTo>
+                    <a:pt x="1249825" y="6858000"/>
+                  </a:lnTo>
+                  <a:lnTo>
+                    <a:pt x="1109382" y="6858000"/>
+                  </a:lnTo>
+                  <a:lnTo>
+                    <a:pt x="0" y="0"/>
+                  </a:lnTo>
+                  <a:close/>
+                </a:path>
+              </a:pathLst>
+            </a:custGeom>
+            <a:solidFill>
+              <a:schemeClr val="accent2">
+                <a:lumMod val="75000"/>
+                <a:alpha val="80000"/>
+              </a:schemeClr>
+            </a:solidFill>
+            <a:ln>
+              <a:noFill/>
+            </a:ln>
+            <a:effectLst/>
+          </p:spPr>
+          <p:style>
+            <a:lnRef idx="1">
+              <a:schemeClr val="accent1"/>
+            </a:lnRef>
+            <a:fillRef idx="3">
+              <a:schemeClr val="accent1"/>
+            </a:fillRef>
+            <a:effectRef idx="2">
+              <a:schemeClr val="accent1"/>
+            </a:effectRef>
+            <a:fontRef idx="minor">
+              <a:schemeClr val="lt1"/>
+            </a:fontRef>
+          </p:style>
+        </p:sp>
+        <p:sp>
+          <p:nvSpPr>
+            <p:cNvPr id="27" name="Isosceles Triangle 26"/>
+            <p:cNvSpPr/>
+            <p:nvPr/>
+          </p:nvSpPr>
+          <p:spPr>
+            <a:xfrm>
+              <a:off x="10371666" y="3589867"/>
+              <a:ext cx="1817159" cy="3268133"/>
+            </a:xfrm>
+            <a:prstGeom prst="triangle">
+              <a:avLst>
+                <a:gd name="adj" fmla="val 100000"/>
+              </a:avLst>
+            </a:prstGeom>
+            <a:solidFill>
+              <a:schemeClr val="accent1">
+                <a:lumMod val="75000"/>
+                <a:alpha val="66000"/>
+              </a:schemeClr>
+            </a:solidFill>
+            <a:ln>
+              <a:noFill/>
+            </a:ln>
+            <a:effectLst/>
+          </p:spPr>
+          <p:style>
+            <a:lnRef idx="1">
+              <a:schemeClr val="accent1"/>
+            </a:lnRef>
+            <a:fillRef idx="3">
+              <a:schemeClr val="accent1"/>
+            </a:fillRef>
+            <a:effectRef idx="2">
+              <a:schemeClr val="accent1"/>
+            </a:effectRef>
+            <a:fontRef idx="minor">
+              <a:schemeClr val="lt1"/>
+            </a:fontRef>
+          </p:style>
+        </p:sp>
+      </p:grpSp>
+      <p:sp>
+        <p:nvSpPr>
+          <p:cNvPr id="2" name="Title 1"/>
           <p:cNvSpPr>
             <a:spLocks noGrp="1"/>
           </p:cNvSpPr>
@@ -356,15 +1367,21 @@
         </p:nvSpPr>
         <p:spPr>
           <a:xfrm>
-            <a:off x="1524000" y="1122363"/>
-            <a:ext cx="9144000" cy="2387600"/>
+            <a:off x="1507067" y="2404534"/>
+            <a:ext cx="7766936" cy="1646302"/>
           </a:xfrm>
         </p:spPr>
         <p:txBody>
-          <a:bodyPr anchor="b"/>
+          <a:bodyPr anchor="b">
+            <a:noAutofit/>
+          </a:bodyPr>
           <a:lstStyle>
-            <a:lvl1pPr algn="ctr">
-              <a:defRPr sz="6000"/>
+            <a:lvl1pPr algn="r">
+              <a:defRPr sz="5400">
+                <a:solidFill>
+                  <a:schemeClr val="accent1"/>
+                </a:solidFill>
+              </a:defRPr>
             </a:lvl1pPr>
           </a:lstStyle>
           <a:p>
@@ -372,19 +1389,13 @@
               <a:rPr lang="en-US"/>
               <a:t>Click to edit Master title style</a:t>
             </a:r>
-            <a:endParaRPr lang="en-IN"/>
-          </a:p>
-        </p:txBody>
-      </p:sp>
-      <p:sp>
-        <p:nvSpPr>
-          <p:cNvPr id="3" name="Subtitle 2">
-            <a:extLst>
-              <a:ext uri="{FF2B5EF4-FFF2-40B4-BE49-F238E27FC236}">
-                <a16:creationId xmlns:a16="http://schemas.microsoft.com/office/drawing/2014/main" id="{B62D0F02-D0B8-5876-1336-C83593855487}"/>
-              </a:ext>
-            </a:extLst>
-          </p:cNvPr>
+            <a:endParaRPr lang="en-US" dirty="0"/>
+          </a:p>
+        </p:txBody>
+      </p:sp>
+      <p:sp>
+        <p:nvSpPr>
+          <p:cNvPr id="3" name="Subtitle 2"/>
           <p:cNvSpPr>
             <a:spLocks noGrp="1"/>
           </p:cNvSpPr>
@@ -394,48 +1405,103 @@
         </p:nvSpPr>
         <p:spPr>
           <a:xfrm>
-            <a:off x="1524000" y="3602038"/>
-            <a:ext cx="9144000" cy="1655762"/>
+            <a:off x="1507067" y="4050833"/>
+            <a:ext cx="7766936" cy="1096899"/>
           </a:xfrm>
         </p:spPr>
         <p:txBody>
-          <a:bodyPr/>
+          <a:bodyPr anchor="t"/>
           <a:lstStyle>
-            <a:lvl1pPr marL="0" indent="0" algn="ctr">
-              <a:buNone/>
-              <a:defRPr sz="2400"/>
+            <a:lvl1pPr marL="0" indent="0" algn="r">
+              <a:buNone/>
+              <a:defRPr>
+                <a:solidFill>
+                  <a:schemeClr val="tx1">
+                    <a:lumMod val="50000"/>
+                    <a:lumOff val="50000"/>
+                  </a:schemeClr>
+                </a:solidFill>
+              </a:defRPr>
             </a:lvl1pPr>
             <a:lvl2pPr marL="457200" indent="0" algn="ctr">
               <a:buNone/>
-              <a:defRPr sz="2000"/>
+              <a:defRPr>
+                <a:solidFill>
+                  <a:schemeClr val="tx1">
+                    <a:tint val="75000"/>
+                  </a:schemeClr>
+                </a:solidFill>
+              </a:defRPr>
             </a:lvl2pPr>
             <a:lvl3pPr marL="914400" indent="0" algn="ctr">
               <a:buNone/>
-              <a:defRPr sz="1800"/>
+              <a:defRPr>
+                <a:solidFill>
+                  <a:schemeClr val="tx1">
+                    <a:tint val="75000"/>
+                  </a:schemeClr>
+                </a:solidFill>
+              </a:defRPr>
             </a:lvl3pPr>
             <a:lvl4pPr marL="1371600" indent="0" algn="ctr">
               <a:buNone/>
-              <a:defRPr sz="1600"/>
+              <a:defRPr>
+                <a:solidFill>
+                  <a:schemeClr val="tx1">
+                    <a:tint val="75000"/>
+                  </a:schemeClr>
+                </a:solidFill>
+              </a:defRPr>
             </a:lvl4pPr>
             <a:lvl5pPr marL="1828800" indent="0" algn="ctr">
               <a:buNone/>
-              <a:defRPr sz="1600"/>
+              <a:defRPr>
+                <a:solidFill>
+                  <a:schemeClr val="tx1">
+                    <a:tint val="75000"/>
+                  </a:schemeClr>
+                </a:solidFill>
+              </a:defRPr>
             </a:lvl5pPr>
             <a:lvl6pPr marL="2286000" indent="0" algn="ctr">
               <a:buNone/>
-              <a:defRPr sz="1600"/>
+              <a:defRPr>
+                <a:solidFill>
+                  <a:schemeClr val="tx1">
+                    <a:tint val="75000"/>
+                  </a:schemeClr>
+                </a:solidFill>
+              </a:defRPr>
             </a:lvl6pPr>
             <a:lvl7pPr marL="2743200" indent="0" algn="ctr">
               <a:buNone/>
-              <a:defRPr sz="1600"/>
+              <a:defRPr>
+                <a:solidFill>
+                  <a:schemeClr val="tx1">
+                    <a:tint val="75000"/>
+                  </a:schemeClr>
+                </a:solidFill>
+              </a:defRPr>
             </a:lvl7pPr>
             <a:lvl8pPr marL="3200400" indent="0" algn="ctr">
               <a:buNone/>
-              <a:defRPr sz="1600"/>
+              <a:defRPr>
+                <a:solidFill>
+                  <a:schemeClr val="tx1">
+                    <a:tint val="75000"/>
+                  </a:schemeClr>
+                </a:solidFill>
+              </a:defRPr>
             </a:lvl8pPr>
             <a:lvl9pPr marL="3657600" indent="0" algn="ctr">
               <a:buNone/>
-              <a:defRPr sz="1600"/>
+              <a:defRPr>
+                <a:solidFill>
+                  <a:schemeClr val="tx1">
+                    <a:tint val="75000"/>
+                  </a:schemeClr>
+                </a:solidFill>
+              </a:defRPr>
             </a:lvl9pPr>
           </a:lstStyle>
           <a:p>
@@ -443,19 +1509,13 @@
               <a:rPr lang="en-US"/>
               <a:t>Click to edit Master subtitle style</a:t>
             </a:r>
-            <a:endParaRPr lang="en-IN"/>
-          </a:p>
-        </p:txBody>
-      </p:sp>
-      <p:sp>
-        <p:nvSpPr>
-          <p:cNvPr id="4" name="Date Placeholder 3">
-            <a:extLst>
-              <a:ext uri="{FF2B5EF4-FFF2-40B4-BE49-F238E27FC236}">
-                <a16:creationId xmlns:a16="http://schemas.microsoft.com/office/drawing/2014/main" id="{9CA2B8C2-EA68-2200-0EBA-7810551BB976}"/>
-              </a:ext>
-            </a:extLst>
-          </p:cNvPr>
+            <a:endParaRPr lang="en-US" dirty="0"/>
+          </a:p>
+        </p:txBody>
+      </p:sp>
+      <p:sp>
+        <p:nvSpPr>
+          <p:cNvPr id="4" name="Date Placeholder 3"/>
           <p:cNvSpPr>
             <a:spLocks noGrp="1"/>
           </p:cNvSpPr>
@@ -470,7 +1530,7 @@
           <a:p>
             <a:fld id="{EFC2801D-8936-4A22-A189-8766B934E949}" type="datetimeFigureOut">
               <a:rPr lang="en-IN" smtClean="0"/>
-              <a:t>06-07-2023</a:t>
+              <a:t>12-03-2024</a:t>
             </a:fld>
             <a:endParaRPr lang="en-IN"/>
           </a:p>
@@ -478,13 +1538,7 @@
       </p:sp>
       <p:sp>
         <p:nvSpPr>
-          <p:cNvPr id="5" name="Footer Placeholder 4">
-            <a:extLst>
-              <a:ext uri="{FF2B5EF4-FFF2-40B4-BE49-F238E27FC236}">
-                <a16:creationId xmlns:a16="http://schemas.microsoft.com/office/drawing/2014/main" id="{710E9A61-EA3A-2C13-A219-3FA59AED496B}"/>
-              </a:ext>
-            </a:extLst>
-          </p:cNvPr>
+          <p:cNvPr id="5" name="Footer Placeholder 4"/>
           <p:cNvSpPr>
             <a:spLocks noGrp="1"/>
           </p:cNvSpPr>
@@ -503,13 +1557,7 @@
       </p:sp>
       <p:sp>
         <p:nvSpPr>
-          <p:cNvPr id="6" name="Slide Number Placeholder 5">
-            <a:extLst>
-              <a:ext uri="{FF2B5EF4-FFF2-40B4-BE49-F238E27FC236}">
-                <a16:creationId xmlns:a16="http://schemas.microsoft.com/office/drawing/2014/main" id="{1C0A8C84-92C9-0A1B-432E-CF4F54CCE4FC}"/>
-              </a:ext>
-            </a:extLst>
-          </p:cNvPr>
+          <p:cNvPr id="6" name="Slide Number Placeholder 5"/>
           <p:cNvSpPr>
             <a:spLocks noGrp="1"/>
           </p:cNvSpPr>
@@ -533,7 +1581,7 @@
     </p:spTree>
     <p:extLst>
       <p:ext uri="{BB962C8B-B14F-4D97-AF65-F5344CB8AC3E}">
-        <p14:creationId xmlns:p14="http://schemas.microsoft.com/office/powerpoint/2010/main" val="3104325672"/>
+        <p14:creationId xmlns:p14="http://schemas.microsoft.com/office/powerpoint/2010/main" val="3867504696"/>
       </p:ext>
     </p:extLst>
   </p:cSld>
@@ -544,6 +1592,1611 @@
 </file>
 
 <file path=ppt/slideLayouts/slideLayout10.xml><?xml version="1.0" encoding="utf-8"?>
+<p:sldLayout xmlns:a="http://schemas.openxmlformats.org/drawingml/2006/main" xmlns:r="http://schemas.openxmlformats.org/officeDocument/2006/relationships" xmlns:p="http://schemas.openxmlformats.org/presentationml/2006/main" preserve="1">
+  <p:cSld name="Title and Caption">
+    <p:spTree>
+      <p:nvGrpSpPr>
+        <p:cNvPr id="1" name=""/>
+        <p:cNvGrpSpPr/>
+        <p:nvPr/>
+      </p:nvGrpSpPr>
+      <p:grpSpPr>
+        <a:xfrm>
+          <a:off x="0" y="0"/>
+          <a:ext cx="0" cy="0"/>
+          <a:chOff x="0" y="0"/>
+          <a:chExt cx="0" cy="0"/>
+        </a:xfrm>
+      </p:grpSpPr>
+      <p:sp>
+        <p:nvSpPr>
+          <p:cNvPr id="2" name="Title 1"/>
+          <p:cNvSpPr>
+            <a:spLocks noGrp="1"/>
+          </p:cNvSpPr>
+          <p:nvPr>
+            <p:ph type="title"/>
+          </p:nvPr>
+        </p:nvSpPr>
+        <p:spPr>
+          <a:xfrm>
+            <a:off x="677335" y="609600"/>
+            <a:ext cx="8596668" cy="3403600"/>
+          </a:xfrm>
+        </p:spPr>
+        <p:txBody>
+          <a:bodyPr anchor="ctr">
+            <a:normAutofit/>
+          </a:bodyPr>
+          <a:lstStyle>
+            <a:lvl1pPr algn="l">
+              <a:defRPr sz="4400" b="0" cap="none"/>
+            </a:lvl1pPr>
+          </a:lstStyle>
+          <a:p>
+            <a:r>
+              <a:rPr lang="en-US"/>
+              <a:t>Click to edit Master title style</a:t>
+            </a:r>
+            <a:endParaRPr lang="en-US" dirty="0"/>
+          </a:p>
+        </p:txBody>
+      </p:sp>
+      <p:sp>
+        <p:nvSpPr>
+          <p:cNvPr id="3" name="Text Placeholder 2"/>
+          <p:cNvSpPr>
+            <a:spLocks noGrp="1"/>
+          </p:cNvSpPr>
+          <p:nvPr>
+            <p:ph type="body" idx="1"/>
+          </p:nvPr>
+        </p:nvSpPr>
+        <p:spPr>
+          <a:xfrm>
+            <a:off x="677335" y="4470400"/>
+            <a:ext cx="8596668" cy="1570962"/>
+          </a:xfrm>
+        </p:spPr>
+        <p:txBody>
+          <a:bodyPr anchor="ctr">
+            <a:normAutofit/>
+          </a:bodyPr>
+          <a:lstStyle>
+            <a:lvl1pPr marL="0" indent="0" algn="l">
+              <a:buNone/>
+              <a:defRPr sz="1800">
+                <a:solidFill>
+                  <a:schemeClr val="tx1">
+                    <a:lumMod val="75000"/>
+                    <a:lumOff val="25000"/>
+                  </a:schemeClr>
+                </a:solidFill>
+              </a:defRPr>
+            </a:lvl1pPr>
+            <a:lvl2pPr marL="457200" indent="0">
+              <a:buNone/>
+              <a:defRPr sz="1800">
+                <a:solidFill>
+                  <a:schemeClr val="tx1">
+                    <a:tint val="75000"/>
+                  </a:schemeClr>
+                </a:solidFill>
+              </a:defRPr>
+            </a:lvl2pPr>
+            <a:lvl3pPr marL="914400" indent="0">
+              <a:buNone/>
+              <a:defRPr sz="1600">
+                <a:solidFill>
+                  <a:schemeClr val="tx1">
+                    <a:tint val="75000"/>
+                  </a:schemeClr>
+                </a:solidFill>
+              </a:defRPr>
+            </a:lvl3pPr>
+            <a:lvl4pPr marL="1371600" indent="0">
+              <a:buNone/>
+              <a:defRPr sz="1400">
+                <a:solidFill>
+                  <a:schemeClr val="tx1">
+                    <a:tint val="75000"/>
+                  </a:schemeClr>
+                </a:solidFill>
+              </a:defRPr>
+            </a:lvl4pPr>
+            <a:lvl5pPr marL="1828800" indent="0">
+              <a:buNone/>
+              <a:defRPr sz="1400">
+                <a:solidFill>
+                  <a:schemeClr val="tx1">
+                    <a:tint val="75000"/>
+                  </a:schemeClr>
+                </a:solidFill>
+              </a:defRPr>
+            </a:lvl5pPr>
+            <a:lvl6pPr marL="2286000" indent="0">
+              <a:buNone/>
+              <a:defRPr sz="1400">
+                <a:solidFill>
+                  <a:schemeClr val="tx1">
+                    <a:tint val="75000"/>
+                  </a:schemeClr>
+                </a:solidFill>
+              </a:defRPr>
+            </a:lvl6pPr>
+            <a:lvl7pPr marL="2743200" indent="0">
+              <a:buNone/>
+              <a:defRPr sz="1400">
+                <a:solidFill>
+                  <a:schemeClr val="tx1">
+                    <a:tint val="75000"/>
+                  </a:schemeClr>
+                </a:solidFill>
+              </a:defRPr>
+            </a:lvl7pPr>
+            <a:lvl8pPr marL="3200400" indent="0">
+              <a:buNone/>
+              <a:defRPr sz="1400">
+                <a:solidFill>
+                  <a:schemeClr val="tx1">
+                    <a:tint val="75000"/>
+                  </a:schemeClr>
+                </a:solidFill>
+              </a:defRPr>
+            </a:lvl8pPr>
+            <a:lvl9pPr marL="3657600" indent="0">
+              <a:buNone/>
+              <a:defRPr sz="1400">
+                <a:solidFill>
+                  <a:schemeClr val="tx1">
+                    <a:tint val="75000"/>
+                  </a:schemeClr>
+                </a:solidFill>
+              </a:defRPr>
+            </a:lvl9pPr>
+          </a:lstStyle>
+          <a:p>
+            <a:pPr lvl="0"/>
+            <a:r>
+              <a:rPr lang="en-US"/>
+              <a:t>Click to edit Master text styles</a:t>
+            </a:r>
+          </a:p>
+        </p:txBody>
+      </p:sp>
+      <p:sp>
+        <p:nvSpPr>
+          <p:cNvPr id="4" name="Date Placeholder 3"/>
+          <p:cNvSpPr>
+            <a:spLocks noGrp="1"/>
+          </p:cNvSpPr>
+          <p:nvPr>
+            <p:ph type="dt" sz="half" idx="10"/>
+          </p:nvPr>
+        </p:nvSpPr>
+        <p:spPr/>
+        <p:txBody>
+          <a:bodyPr/>
+          <a:lstStyle/>
+          <a:p>
+            <a:fld id="{EFC2801D-8936-4A22-A189-8766B934E949}" type="datetimeFigureOut">
+              <a:rPr lang="en-IN" smtClean="0"/>
+              <a:t>12-03-2024</a:t>
+            </a:fld>
+            <a:endParaRPr lang="en-IN"/>
+          </a:p>
+        </p:txBody>
+      </p:sp>
+      <p:sp>
+        <p:nvSpPr>
+          <p:cNvPr id="5" name="Footer Placeholder 4"/>
+          <p:cNvSpPr>
+            <a:spLocks noGrp="1"/>
+          </p:cNvSpPr>
+          <p:nvPr>
+            <p:ph type="ftr" sz="quarter" idx="11"/>
+          </p:nvPr>
+        </p:nvSpPr>
+        <p:spPr/>
+        <p:txBody>
+          <a:bodyPr/>
+          <a:lstStyle/>
+          <a:p>
+            <a:endParaRPr lang="en-IN"/>
+          </a:p>
+        </p:txBody>
+      </p:sp>
+      <p:sp>
+        <p:nvSpPr>
+          <p:cNvPr id="6" name="Slide Number Placeholder 5"/>
+          <p:cNvSpPr>
+            <a:spLocks noGrp="1"/>
+          </p:cNvSpPr>
+          <p:nvPr>
+            <p:ph type="sldNum" sz="quarter" idx="12"/>
+          </p:nvPr>
+        </p:nvSpPr>
+        <p:spPr/>
+        <p:txBody>
+          <a:bodyPr/>
+          <a:lstStyle/>
+          <a:p>
+            <a:fld id="{437439CD-0BA9-4F80-A2CB-C24FA71B0C32}" type="slidenum">
+              <a:rPr lang="en-IN" smtClean="0"/>
+              <a:t>‹#›</a:t>
+            </a:fld>
+            <a:endParaRPr lang="en-IN"/>
+          </a:p>
+        </p:txBody>
+      </p:sp>
+    </p:spTree>
+    <p:extLst>
+      <p:ext uri="{BB962C8B-B14F-4D97-AF65-F5344CB8AC3E}">
+        <p14:creationId xmlns:p14="http://schemas.microsoft.com/office/powerpoint/2010/main" val="1032900539"/>
+      </p:ext>
+    </p:extLst>
+  </p:cSld>
+  <p:clrMapOvr>
+    <a:masterClrMapping/>
+  </p:clrMapOvr>
+</p:sldLayout>
+</file>
+
+<file path=ppt/slideLayouts/slideLayout11.xml><?xml version="1.0" encoding="utf-8"?>
+<p:sldLayout xmlns:a="http://schemas.openxmlformats.org/drawingml/2006/main" xmlns:r="http://schemas.openxmlformats.org/officeDocument/2006/relationships" xmlns:p="http://schemas.openxmlformats.org/presentationml/2006/main" preserve="1">
+  <p:cSld name="Quote with Caption">
+    <p:spTree>
+      <p:nvGrpSpPr>
+        <p:cNvPr id="1" name=""/>
+        <p:cNvGrpSpPr/>
+        <p:nvPr/>
+      </p:nvGrpSpPr>
+      <p:grpSpPr>
+        <a:xfrm>
+          <a:off x="0" y="0"/>
+          <a:ext cx="0" cy="0"/>
+          <a:chOff x="0" y="0"/>
+          <a:chExt cx="0" cy="0"/>
+        </a:xfrm>
+      </p:grpSpPr>
+      <p:sp>
+        <p:nvSpPr>
+          <p:cNvPr id="2" name="Title 1"/>
+          <p:cNvSpPr>
+            <a:spLocks noGrp="1"/>
+          </p:cNvSpPr>
+          <p:nvPr>
+            <p:ph type="title"/>
+          </p:nvPr>
+        </p:nvSpPr>
+        <p:spPr>
+          <a:xfrm>
+            <a:off x="931334" y="609600"/>
+            <a:ext cx="8094134" cy="3022600"/>
+          </a:xfrm>
+        </p:spPr>
+        <p:txBody>
+          <a:bodyPr anchor="ctr">
+            <a:normAutofit/>
+          </a:bodyPr>
+          <a:lstStyle>
+            <a:lvl1pPr algn="l">
+              <a:defRPr sz="4400" b="0" cap="none"/>
+            </a:lvl1pPr>
+          </a:lstStyle>
+          <a:p>
+            <a:r>
+              <a:rPr lang="en-US"/>
+              <a:t>Click to edit Master title style</a:t>
+            </a:r>
+            <a:endParaRPr lang="en-US" dirty="0"/>
+          </a:p>
+        </p:txBody>
+      </p:sp>
+      <p:sp>
+        <p:nvSpPr>
+          <p:cNvPr id="23" name="Text Placeholder 9"/>
+          <p:cNvSpPr>
+            <a:spLocks noGrp="1"/>
+          </p:cNvSpPr>
+          <p:nvPr>
+            <p:ph type="body" sz="quarter" idx="13"/>
+          </p:nvPr>
+        </p:nvSpPr>
+        <p:spPr>
+          <a:xfrm>
+            <a:off x="1366139" y="3632200"/>
+            <a:ext cx="7224524" cy="381000"/>
+          </a:xfrm>
+        </p:spPr>
+        <p:txBody>
+          <a:bodyPr anchor="ctr">
+            <a:noAutofit/>
+          </a:bodyPr>
+          <a:lstStyle>
+            <a:lvl1pPr marL="0" indent="0">
+              <a:buFontTx/>
+              <a:buNone/>
+              <a:defRPr sz="1600">
+                <a:solidFill>
+                  <a:schemeClr val="tx1">
+                    <a:lumMod val="50000"/>
+                    <a:lumOff val="50000"/>
+                  </a:schemeClr>
+                </a:solidFill>
+              </a:defRPr>
+            </a:lvl1pPr>
+            <a:lvl2pPr marL="457200" indent="0">
+              <a:buFontTx/>
+              <a:buNone/>
+              <a:defRPr/>
+            </a:lvl2pPr>
+            <a:lvl3pPr marL="914400" indent="0">
+              <a:buFontTx/>
+              <a:buNone/>
+              <a:defRPr/>
+            </a:lvl3pPr>
+            <a:lvl4pPr marL="1371600" indent="0">
+              <a:buFontTx/>
+              <a:buNone/>
+              <a:defRPr/>
+            </a:lvl4pPr>
+            <a:lvl5pPr marL="1828800" indent="0">
+              <a:buFontTx/>
+              <a:buNone/>
+              <a:defRPr/>
+            </a:lvl5pPr>
+          </a:lstStyle>
+          <a:p>
+            <a:pPr lvl="0"/>
+            <a:r>
+              <a:rPr lang="en-US"/>
+              <a:t>Click to edit Master text styles</a:t>
+            </a:r>
+          </a:p>
+        </p:txBody>
+      </p:sp>
+      <p:sp>
+        <p:nvSpPr>
+          <p:cNvPr id="3" name="Text Placeholder 2"/>
+          <p:cNvSpPr>
+            <a:spLocks noGrp="1"/>
+          </p:cNvSpPr>
+          <p:nvPr>
+            <p:ph type="body" idx="1"/>
+          </p:nvPr>
+        </p:nvSpPr>
+        <p:spPr>
+          <a:xfrm>
+            <a:off x="677335" y="4470400"/>
+            <a:ext cx="8596668" cy="1570962"/>
+          </a:xfrm>
+        </p:spPr>
+        <p:txBody>
+          <a:bodyPr anchor="ctr">
+            <a:normAutofit/>
+          </a:bodyPr>
+          <a:lstStyle>
+            <a:lvl1pPr marL="0" indent="0" algn="l">
+              <a:buNone/>
+              <a:defRPr sz="1800">
+                <a:solidFill>
+                  <a:schemeClr val="tx1">
+                    <a:lumMod val="75000"/>
+                    <a:lumOff val="25000"/>
+                  </a:schemeClr>
+                </a:solidFill>
+              </a:defRPr>
+            </a:lvl1pPr>
+            <a:lvl2pPr marL="457200" indent="0">
+              <a:buNone/>
+              <a:defRPr sz="1800">
+                <a:solidFill>
+                  <a:schemeClr val="tx1">
+                    <a:tint val="75000"/>
+                  </a:schemeClr>
+                </a:solidFill>
+              </a:defRPr>
+            </a:lvl2pPr>
+            <a:lvl3pPr marL="914400" indent="0">
+              <a:buNone/>
+              <a:defRPr sz="1600">
+                <a:solidFill>
+                  <a:schemeClr val="tx1">
+                    <a:tint val="75000"/>
+                  </a:schemeClr>
+                </a:solidFill>
+              </a:defRPr>
+            </a:lvl3pPr>
+            <a:lvl4pPr marL="1371600" indent="0">
+              <a:buNone/>
+              <a:defRPr sz="1400">
+                <a:solidFill>
+                  <a:schemeClr val="tx1">
+                    <a:tint val="75000"/>
+                  </a:schemeClr>
+                </a:solidFill>
+              </a:defRPr>
+            </a:lvl4pPr>
+            <a:lvl5pPr marL="1828800" indent="0">
+              <a:buNone/>
+              <a:defRPr sz="1400">
+                <a:solidFill>
+                  <a:schemeClr val="tx1">
+                    <a:tint val="75000"/>
+                  </a:schemeClr>
+                </a:solidFill>
+              </a:defRPr>
+            </a:lvl5pPr>
+            <a:lvl6pPr marL="2286000" indent="0">
+              <a:buNone/>
+              <a:defRPr sz="1400">
+                <a:solidFill>
+                  <a:schemeClr val="tx1">
+                    <a:tint val="75000"/>
+                  </a:schemeClr>
+                </a:solidFill>
+              </a:defRPr>
+            </a:lvl6pPr>
+            <a:lvl7pPr marL="2743200" indent="0">
+              <a:buNone/>
+              <a:defRPr sz="1400">
+                <a:solidFill>
+                  <a:schemeClr val="tx1">
+                    <a:tint val="75000"/>
+                  </a:schemeClr>
+                </a:solidFill>
+              </a:defRPr>
+            </a:lvl7pPr>
+            <a:lvl8pPr marL="3200400" indent="0">
+              <a:buNone/>
+              <a:defRPr sz="1400">
+                <a:solidFill>
+                  <a:schemeClr val="tx1">
+                    <a:tint val="75000"/>
+                  </a:schemeClr>
+                </a:solidFill>
+              </a:defRPr>
+            </a:lvl8pPr>
+            <a:lvl9pPr marL="3657600" indent="0">
+              <a:buNone/>
+              <a:defRPr sz="1400">
+                <a:solidFill>
+                  <a:schemeClr val="tx1">
+                    <a:tint val="75000"/>
+                  </a:schemeClr>
+                </a:solidFill>
+              </a:defRPr>
+            </a:lvl9pPr>
+          </a:lstStyle>
+          <a:p>
+            <a:pPr lvl="0"/>
+            <a:r>
+              <a:rPr lang="en-US"/>
+              <a:t>Click to edit Master text styles</a:t>
+            </a:r>
+          </a:p>
+        </p:txBody>
+      </p:sp>
+      <p:sp>
+        <p:nvSpPr>
+          <p:cNvPr id="4" name="Date Placeholder 3"/>
+          <p:cNvSpPr>
+            <a:spLocks noGrp="1"/>
+          </p:cNvSpPr>
+          <p:nvPr>
+            <p:ph type="dt" sz="half" idx="10"/>
+          </p:nvPr>
+        </p:nvSpPr>
+        <p:spPr/>
+        <p:txBody>
+          <a:bodyPr/>
+          <a:lstStyle/>
+          <a:p>
+            <a:fld id="{EFC2801D-8936-4A22-A189-8766B934E949}" type="datetimeFigureOut">
+              <a:rPr lang="en-IN" smtClean="0"/>
+              <a:t>12-03-2024</a:t>
+            </a:fld>
+            <a:endParaRPr lang="en-IN"/>
+          </a:p>
+        </p:txBody>
+      </p:sp>
+      <p:sp>
+        <p:nvSpPr>
+          <p:cNvPr id="5" name="Footer Placeholder 4"/>
+          <p:cNvSpPr>
+            <a:spLocks noGrp="1"/>
+          </p:cNvSpPr>
+          <p:nvPr>
+            <p:ph type="ftr" sz="quarter" idx="11"/>
+          </p:nvPr>
+        </p:nvSpPr>
+        <p:spPr/>
+        <p:txBody>
+          <a:bodyPr/>
+          <a:lstStyle/>
+          <a:p>
+            <a:endParaRPr lang="en-IN"/>
+          </a:p>
+        </p:txBody>
+      </p:sp>
+      <p:sp>
+        <p:nvSpPr>
+          <p:cNvPr id="6" name="Slide Number Placeholder 5"/>
+          <p:cNvSpPr>
+            <a:spLocks noGrp="1"/>
+          </p:cNvSpPr>
+          <p:nvPr>
+            <p:ph type="sldNum" sz="quarter" idx="12"/>
+          </p:nvPr>
+        </p:nvSpPr>
+        <p:spPr/>
+        <p:txBody>
+          <a:bodyPr/>
+          <a:lstStyle/>
+          <a:p>
+            <a:fld id="{437439CD-0BA9-4F80-A2CB-C24FA71B0C32}" type="slidenum">
+              <a:rPr lang="en-IN" smtClean="0"/>
+              <a:t>‹#›</a:t>
+            </a:fld>
+            <a:endParaRPr lang="en-IN"/>
+          </a:p>
+        </p:txBody>
+      </p:sp>
+      <p:sp>
+        <p:nvSpPr>
+          <p:cNvPr id="24" name="TextBox 23"/>
+          <p:cNvSpPr txBox="1"/>
+          <p:nvPr/>
+        </p:nvSpPr>
+        <p:spPr>
+          <a:xfrm>
+            <a:off x="541870" y="790378"/>
+            <a:ext cx="609600" cy="584776"/>
+          </a:xfrm>
+          <a:prstGeom prst="rect">
+            <a:avLst/>
+          </a:prstGeom>
+        </p:spPr>
+        <p:txBody>
+          <a:bodyPr vert="horz" lIns="91440" tIns="45720" rIns="91440" bIns="45720" rtlCol="0" anchor="ctr">
+            <a:noAutofit/>
+          </a:bodyPr>
+          <a:lstStyle/>
+          <a:p>
+            <a:pPr lvl="0"/>
+            <a:r>
+              <a:rPr lang="en-US" sz="8000" baseline="0" dirty="0">
+                <a:ln w="3175" cmpd="sng">
+                  <a:noFill/>
+                </a:ln>
+                <a:solidFill>
+                  <a:schemeClr val="accent1">
+                    <a:lumMod val="60000"/>
+                    <a:lumOff val="40000"/>
+                  </a:schemeClr>
+                </a:solidFill>
+                <a:effectLst/>
+                <a:latin typeface="Arial"/>
+              </a:rPr>
+              <a:t>“</a:t>
+            </a:r>
+          </a:p>
+        </p:txBody>
+      </p:sp>
+      <p:sp>
+        <p:nvSpPr>
+          <p:cNvPr id="25" name="TextBox 24"/>
+          <p:cNvSpPr txBox="1"/>
+          <p:nvPr/>
+        </p:nvSpPr>
+        <p:spPr>
+          <a:xfrm>
+            <a:off x="8893011" y="2886556"/>
+            <a:ext cx="609600" cy="584776"/>
+          </a:xfrm>
+          <a:prstGeom prst="rect">
+            <a:avLst/>
+          </a:prstGeom>
+        </p:spPr>
+        <p:txBody>
+          <a:bodyPr vert="horz" lIns="91440" tIns="45720" rIns="91440" bIns="45720" rtlCol="0" anchor="ctr">
+            <a:noAutofit/>
+          </a:bodyPr>
+          <a:lstStyle/>
+          <a:p>
+            <a:pPr lvl="0"/>
+            <a:r>
+              <a:rPr lang="en-US" sz="8000" baseline="0" dirty="0">
+                <a:ln w="3175" cmpd="sng">
+                  <a:noFill/>
+                </a:ln>
+                <a:solidFill>
+                  <a:schemeClr val="accent1">
+                    <a:lumMod val="60000"/>
+                    <a:lumOff val="40000"/>
+                  </a:schemeClr>
+                </a:solidFill>
+                <a:effectLst/>
+                <a:latin typeface="Arial"/>
+              </a:rPr>
+              <a:t>”</a:t>
+            </a:r>
+          </a:p>
+        </p:txBody>
+      </p:sp>
+    </p:spTree>
+    <p:extLst>
+      <p:ext uri="{BB962C8B-B14F-4D97-AF65-F5344CB8AC3E}">
+        <p14:creationId xmlns:p14="http://schemas.microsoft.com/office/powerpoint/2010/main" val="401339270"/>
+      </p:ext>
+    </p:extLst>
+  </p:cSld>
+  <p:clrMapOvr>
+    <a:masterClrMapping/>
+  </p:clrMapOvr>
+</p:sldLayout>
+</file>
+
+<file path=ppt/slideLayouts/slideLayout12.xml><?xml version="1.0" encoding="utf-8"?>
+<p:sldLayout xmlns:a="http://schemas.openxmlformats.org/drawingml/2006/main" xmlns:r="http://schemas.openxmlformats.org/officeDocument/2006/relationships" xmlns:p="http://schemas.openxmlformats.org/presentationml/2006/main" preserve="1">
+  <p:cSld name="Name Card">
+    <p:spTree>
+      <p:nvGrpSpPr>
+        <p:cNvPr id="1" name=""/>
+        <p:cNvGrpSpPr/>
+        <p:nvPr/>
+      </p:nvGrpSpPr>
+      <p:grpSpPr>
+        <a:xfrm>
+          <a:off x="0" y="0"/>
+          <a:ext cx="0" cy="0"/>
+          <a:chOff x="0" y="0"/>
+          <a:chExt cx="0" cy="0"/>
+        </a:xfrm>
+      </p:grpSpPr>
+      <p:sp>
+        <p:nvSpPr>
+          <p:cNvPr id="2" name="Title 1"/>
+          <p:cNvSpPr>
+            <a:spLocks noGrp="1"/>
+          </p:cNvSpPr>
+          <p:nvPr>
+            <p:ph type="title"/>
+          </p:nvPr>
+        </p:nvSpPr>
+        <p:spPr>
+          <a:xfrm>
+            <a:off x="677335" y="1931988"/>
+            <a:ext cx="8596668" cy="2595460"/>
+          </a:xfrm>
+        </p:spPr>
+        <p:txBody>
+          <a:bodyPr anchor="b">
+            <a:normAutofit/>
+          </a:bodyPr>
+          <a:lstStyle>
+            <a:lvl1pPr algn="l">
+              <a:defRPr sz="4400" b="0" cap="none"/>
+            </a:lvl1pPr>
+          </a:lstStyle>
+          <a:p>
+            <a:r>
+              <a:rPr lang="en-US"/>
+              <a:t>Click to edit Master title style</a:t>
+            </a:r>
+            <a:endParaRPr lang="en-US" dirty="0"/>
+          </a:p>
+        </p:txBody>
+      </p:sp>
+      <p:sp>
+        <p:nvSpPr>
+          <p:cNvPr id="3" name="Text Placeholder 2"/>
+          <p:cNvSpPr>
+            <a:spLocks noGrp="1"/>
+          </p:cNvSpPr>
+          <p:nvPr>
+            <p:ph type="body" idx="1"/>
+          </p:nvPr>
+        </p:nvSpPr>
+        <p:spPr>
+          <a:xfrm>
+            <a:off x="677335" y="4527448"/>
+            <a:ext cx="8596668" cy="1513914"/>
+          </a:xfrm>
+        </p:spPr>
+        <p:txBody>
+          <a:bodyPr anchor="t">
+            <a:normAutofit/>
+          </a:bodyPr>
+          <a:lstStyle>
+            <a:lvl1pPr marL="0" indent="0" algn="l">
+              <a:buNone/>
+              <a:defRPr sz="1800">
+                <a:solidFill>
+                  <a:schemeClr val="tx1">
+                    <a:lumMod val="75000"/>
+                    <a:lumOff val="25000"/>
+                  </a:schemeClr>
+                </a:solidFill>
+              </a:defRPr>
+            </a:lvl1pPr>
+            <a:lvl2pPr marL="457200" indent="0">
+              <a:buNone/>
+              <a:defRPr sz="1800">
+                <a:solidFill>
+                  <a:schemeClr val="tx1">
+                    <a:tint val="75000"/>
+                  </a:schemeClr>
+                </a:solidFill>
+              </a:defRPr>
+            </a:lvl2pPr>
+            <a:lvl3pPr marL="914400" indent="0">
+              <a:buNone/>
+              <a:defRPr sz="1600">
+                <a:solidFill>
+                  <a:schemeClr val="tx1">
+                    <a:tint val="75000"/>
+                  </a:schemeClr>
+                </a:solidFill>
+              </a:defRPr>
+            </a:lvl3pPr>
+            <a:lvl4pPr marL="1371600" indent="0">
+              <a:buNone/>
+              <a:defRPr sz="1400">
+                <a:solidFill>
+                  <a:schemeClr val="tx1">
+                    <a:tint val="75000"/>
+                  </a:schemeClr>
+                </a:solidFill>
+              </a:defRPr>
+            </a:lvl4pPr>
+            <a:lvl5pPr marL="1828800" indent="0">
+              <a:buNone/>
+              <a:defRPr sz="1400">
+                <a:solidFill>
+                  <a:schemeClr val="tx1">
+                    <a:tint val="75000"/>
+                  </a:schemeClr>
+                </a:solidFill>
+              </a:defRPr>
+            </a:lvl5pPr>
+            <a:lvl6pPr marL="2286000" indent="0">
+              <a:buNone/>
+              <a:defRPr sz="1400">
+                <a:solidFill>
+                  <a:schemeClr val="tx1">
+                    <a:tint val="75000"/>
+                  </a:schemeClr>
+                </a:solidFill>
+              </a:defRPr>
+            </a:lvl6pPr>
+            <a:lvl7pPr marL="2743200" indent="0">
+              <a:buNone/>
+              <a:defRPr sz="1400">
+                <a:solidFill>
+                  <a:schemeClr val="tx1">
+                    <a:tint val="75000"/>
+                  </a:schemeClr>
+                </a:solidFill>
+              </a:defRPr>
+            </a:lvl7pPr>
+            <a:lvl8pPr marL="3200400" indent="0">
+              <a:buNone/>
+              <a:defRPr sz="1400">
+                <a:solidFill>
+                  <a:schemeClr val="tx1">
+                    <a:tint val="75000"/>
+                  </a:schemeClr>
+                </a:solidFill>
+              </a:defRPr>
+            </a:lvl8pPr>
+            <a:lvl9pPr marL="3657600" indent="0">
+              <a:buNone/>
+              <a:defRPr sz="1400">
+                <a:solidFill>
+                  <a:schemeClr val="tx1">
+                    <a:tint val="75000"/>
+                  </a:schemeClr>
+                </a:solidFill>
+              </a:defRPr>
+            </a:lvl9pPr>
+          </a:lstStyle>
+          <a:p>
+            <a:pPr lvl="0"/>
+            <a:r>
+              <a:rPr lang="en-US"/>
+              <a:t>Click to edit Master text styles</a:t>
+            </a:r>
+          </a:p>
+        </p:txBody>
+      </p:sp>
+      <p:sp>
+        <p:nvSpPr>
+          <p:cNvPr id="4" name="Date Placeholder 3"/>
+          <p:cNvSpPr>
+            <a:spLocks noGrp="1"/>
+          </p:cNvSpPr>
+          <p:nvPr>
+            <p:ph type="dt" sz="half" idx="10"/>
+          </p:nvPr>
+        </p:nvSpPr>
+        <p:spPr/>
+        <p:txBody>
+          <a:bodyPr/>
+          <a:lstStyle/>
+          <a:p>
+            <a:fld id="{EFC2801D-8936-4A22-A189-8766B934E949}" type="datetimeFigureOut">
+              <a:rPr lang="en-IN" smtClean="0"/>
+              <a:t>12-03-2024</a:t>
+            </a:fld>
+            <a:endParaRPr lang="en-IN"/>
+          </a:p>
+        </p:txBody>
+      </p:sp>
+      <p:sp>
+        <p:nvSpPr>
+          <p:cNvPr id="5" name="Footer Placeholder 4"/>
+          <p:cNvSpPr>
+            <a:spLocks noGrp="1"/>
+          </p:cNvSpPr>
+          <p:nvPr>
+            <p:ph type="ftr" sz="quarter" idx="11"/>
+          </p:nvPr>
+        </p:nvSpPr>
+        <p:spPr/>
+        <p:txBody>
+          <a:bodyPr/>
+          <a:lstStyle/>
+          <a:p>
+            <a:endParaRPr lang="en-IN"/>
+          </a:p>
+        </p:txBody>
+      </p:sp>
+      <p:sp>
+        <p:nvSpPr>
+          <p:cNvPr id="6" name="Slide Number Placeholder 5"/>
+          <p:cNvSpPr>
+            <a:spLocks noGrp="1"/>
+          </p:cNvSpPr>
+          <p:nvPr>
+            <p:ph type="sldNum" sz="quarter" idx="12"/>
+          </p:nvPr>
+        </p:nvSpPr>
+        <p:spPr/>
+        <p:txBody>
+          <a:bodyPr/>
+          <a:lstStyle/>
+          <a:p>
+            <a:fld id="{437439CD-0BA9-4F80-A2CB-C24FA71B0C32}" type="slidenum">
+              <a:rPr lang="en-IN" smtClean="0"/>
+              <a:t>‹#›</a:t>
+            </a:fld>
+            <a:endParaRPr lang="en-IN"/>
+          </a:p>
+        </p:txBody>
+      </p:sp>
+    </p:spTree>
+    <p:extLst>
+      <p:ext uri="{BB962C8B-B14F-4D97-AF65-F5344CB8AC3E}">
+        <p14:creationId xmlns:p14="http://schemas.microsoft.com/office/powerpoint/2010/main" val="607612504"/>
+      </p:ext>
+    </p:extLst>
+  </p:cSld>
+  <p:clrMapOvr>
+    <a:masterClrMapping/>
+  </p:clrMapOvr>
+</p:sldLayout>
+</file>
+
+<file path=ppt/slideLayouts/slideLayout13.xml><?xml version="1.0" encoding="utf-8"?>
+<p:sldLayout xmlns:a="http://schemas.openxmlformats.org/drawingml/2006/main" xmlns:r="http://schemas.openxmlformats.org/officeDocument/2006/relationships" xmlns:p="http://schemas.openxmlformats.org/presentationml/2006/main" preserve="1">
+  <p:cSld name="Quote Name Card">
+    <p:spTree>
+      <p:nvGrpSpPr>
+        <p:cNvPr id="1" name=""/>
+        <p:cNvGrpSpPr/>
+        <p:nvPr/>
+      </p:nvGrpSpPr>
+      <p:grpSpPr>
+        <a:xfrm>
+          <a:off x="0" y="0"/>
+          <a:ext cx="0" cy="0"/>
+          <a:chOff x="0" y="0"/>
+          <a:chExt cx="0" cy="0"/>
+        </a:xfrm>
+      </p:grpSpPr>
+      <p:sp>
+        <p:nvSpPr>
+          <p:cNvPr id="2" name="Title 1"/>
+          <p:cNvSpPr>
+            <a:spLocks noGrp="1"/>
+          </p:cNvSpPr>
+          <p:nvPr>
+            <p:ph type="title"/>
+          </p:nvPr>
+        </p:nvSpPr>
+        <p:spPr>
+          <a:xfrm>
+            <a:off x="931334" y="609600"/>
+            <a:ext cx="8094134" cy="3022600"/>
+          </a:xfrm>
+        </p:spPr>
+        <p:txBody>
+          <a:bodyPr anchor="ctr">
+            <a:normAutofit/>
+          </a:bodyPr>
+          <a:lstStyle>
+            <a:lvl1pPr algn="l">
+              <a:defRPr sz="4400" b="0" cap="none"/>
+            </a:lvl1pPr>
+          </a:lstStyle>
+          <a:p>
+            <a:r>
+              <a:rPr lang="en-US"/>
+              <a:t>Click to edit Master title style</a:t>
+            </a:r>
+            <a:endParaRPr lang="en-US" dirty="0"/>
+          </a:p>
+        </p:txBody>
+      </p:sp>
+      <p:sp>
+        <p:nvSpPr>
+          <p:cNvPr id="23" name="Text Placeholder 9"/>
+          <p:cNvSpPr>
+            <a:spLocks noGrp="1"/>
+          </p:cNvSpPr>
+          <p:nvPr>
+            <p:ph type="body" sz="quarter" idx="13"/>
+          </p:nvPr>
+        </p:nvSpPr>
+        <p:spPr>
+          <a:xfrm>
+            <a:off x="677332" y="4013200"/>
+            <a:ext cx="8596669" cy="514248"/>
+          </a:xfrm>
+        </p:spPr>
+        <p:txBody>
+          <a:bodyPr anchor="b">
+            <a:noAutofit/>
+          </a:bodyPr>
+          <a:lstStyle>
+            <a:lvl1pPr marL="0" indent="0">
+              <a:buFontTx/>
+              <a:buNone/>
+              <a:defRPr sz="2400">
+                <a:solidFill>
+                  <a:schemeClr val="tx1">
+                    <a:lumMod val="75000"/>
+                    <a:lumOff val="25000"/>
+                  </a:schemeClr>
+                </a:solidFill>
+              </a:defRPr>
+            </a:lvl1pPr>
+            <a:lvl2pPr marL="457200" indent="0">
+              <a:buFontTx/>
+              <a:buNone/>
+              <a:defRPr/>
+            </a:lvl2pPr>
+            <a:lvl3pPr marL="914400" indent="0">
+              <a:buFontTx/>
+              <a:buNone/>
+              <a:defRPr/>
+            </a:lvl3pPr>
+            <a:lvl4pPr marL="1371600" indent="0">
+              <a:buFontTx/>
+              <a:buNone/>
+              <a:defRPr/>
+            </a:lvl4pPr>
+            <a:lvl5pPr marL="1828800" indent="0">
+              <a:buFontTx/>
+              <a:buNone/>
+              <a:defRPr/>
+            </a:lvl5pPr>
+          </a:lstStyle>
+          <a:p>
+            <a:pPr lvl="0"/>
+            <a:r>
+              <a:rPr lang="en-US"/>
+              <a:t>Click to edit Master text styles</a:t>
+            </a:r>
+          </a:p>
+        </p:txBody>
+      </p:sp>
+      <p:sp>
+        <p:nvSpPr>
+          <p:cNvPr id="3" name="Text Placeholder 2"/>
+          <p:cNvSpPr>
+            <a:spLocks noGrp="1"/>
+          </p:cNvSpPr>
+          <p:nvPr>
+            <p:ph type="body" idx="1"/>
+          </p:nvPr>
+        </p:nvSpPr>
+        <p:spPr>
+          <a:xfrm>
+            <a:off x="677335" y="4527448"/>
+            <a:ext cx="8596668" cy="1513914"/>
+          </a:xfrm>
+        </p:spPr>
+        <p:txBody>
+          <a:bodyPr anchor="t">
+            <a:normAutofit/>
+          </a:bodyPr>
+          <a:lstStyle>
+            <a:lvl1pPr marL="0" indent="0" algn="l">
+              <a:buNone/>
+              <a:defRPr sz="1800">
+                <a:solidFill>
+                  <a:schemeClr val="tx1">
+                    <a:lumMod val="50000"/>
+                    <a:lumOff val="50000"/>
+                  </a:schemeClr>
+                </a:solidFill>
+              </a:defRPr>
+            </a:lvl1pPr>
+            <a:lvl2pPr marL="457200" indent="0">
+              <a:buNone/>
+              <a:defRPr sz="1800">
+                <a:solidFill>
+                  <a:schemeClr val="tx1">
+                    <a:tint val="75000"/>
+                  </a:schemeClr>
+                </a:solidFill>
+              </a:defRPr>
+            </a:lvl2pPr>
+            <a:lvl3pPr marL="914400" indent="0">
+              <a:buNone/>
+              <a:defRPr sz="1600">
+                <a:solidFill>
+                  <a:schemeClr val="tx1">
+                    <a:tint val="75000"/>
+                  </a:schemeClr>
+                </a:solidFill>
+              </a:defRPr>
+            </a:lvl3pPr>
+            <a:lvl4pPr marL="1371600" indent="0">
+              <a:buNone/>
+              <a:defRPr sz="1400">
+                <a:solidFill>
+                  <a:schemeClr val="tx1">
+                    <a:tint val="75000"/>
+                  </a:schemeClr>
+                </a:solidFill>
+              </a:defRPr>
+            </a:lvl4pPr>
+            <a:lvl5pPr marL="1828800" indent="0">
+              <a:buNone/>
+              <a:defRPr sz="1400">
+                <a:solidFill>
+                  <a:schemeClr val="tx1">
+                    <a:tint val="75000"/>
+                  </a:schemeClr>
+                </a:solidFill>
+              </a:defRPr>
+            </a:lvl5pPr>
+            <a:lvl6pPr marL="2286000" indent="0">
+              <a:buNone/>
+              <a:defRPr sz="1400">
+                <a:solidFill>
+                  <a:schemeClr val="tx1">
+                    <a:tint val="75000"/>
+                  </a:schemeClr>
+                </a:solidFill>
+              </a:defRPr>
+            </a:lvl6pPr>
+            <a:lvl7pPr marL="2743200" indent="0">
+              <a:buNone/>
+              <a:defRPr sz="1400">
+                <a:solidFill>
+                  <a:schemeClr val="tx1">
+                    <a:tint val="75000"/>
+                  </a:schemeClr>
+                </a:solidFill>
+              </a:defRPr>
+            </a:lvl7pPr>
+            <a:lvl8pPr marL="3200400" indent="0">
+              <a:buNone/>
+              <a:defRPr sz="1400">
+                <a:solidFill>
+                  <a:schemeClr val="tx1">
+                    <a:tint val="75000"/>
+                  </a:schemeClr>
+                </a:solidFill>
+              </a:defRPr>
+            </a:lvl8pPr>
+            <a:lvl9pPr marL="3657600" indent="0">
+              <a:buNone/>
+              <a:defRPr sz="1400">
+                <a:solidFill>
+                  <a:schemeClr val="tx1">
+                    <a:tint val="75000"/>
+                  </a:schemeClr>
+                </a:solidFill>
+              </a:defRPr>
+            </a:lvl9pPr>
+          </a:lstStyle>
+          <a:p>
+            <a:pPr lvl="0"/>
+            <a:r>
+              <a:rPr lang="en-US"/>
+              <a:t>Click to edit Master text styles</a:t>
+            </a:r>
+          </a:p>
+        </p:txBody>
+      </p:sp>
+      <p:sp>
+        <p:nvSpPr>
+          <p:cNvPr id="4" name="Date Placeholder 3"/>
+          <p:cNvSpPr>
+            <a:spLocks noGrp="1"/>
+          </p:cNvSpPr>
+          <p:nvPr>
+            <p:ph type="dt" sz="half" idx="10"/>
+          </p:nvPr>
+        </p:nvSpPr>
+        <p:spPr/>
+        <p:txBody>
+          <a:bodyPr/>
+          <a:lstStyle/>
+          <a:p>
+            <a:fld id="{EFC2801D-8936-4A22-A189-8766B934E949}" type="datetimeFigureOut">
+              <a:rPr lang="en-IN" smtClean="0"/>
+              <a:t>12-03-2024</a:t>
+            </a:fld>
+            <a:endParaRPr lang="en-IN"/>
+          </a:p>
+        </p:txBody>
+      </p:sp>
+      <p:sp>
+        <p:nvSpPr>
+          <p:cNvPr id="5" name="Footer Placeholder 4"/>
+          <p:cNvSpPr>
+            <a:spLocks noGrp="1"/>
+          </p:cNvSpPr>
+          <p:nvPr>
+            <p:ph type="ftr" sz="quarter" idx="11"/>
+          </p:nvPr>
+        </p:nvSpPr>
+        <p:spPr/>
+        <p:txBody>
+          <a:bodyPr/>
+          <a:lstStyle/>
+          <a:p>
+            <a:endParaRPr lang="en-IN"/>
+          </a:p>
+        </p:txBody>
+      </p:sp>
+      <p:sp>
+        <p:nvSpPr>
+          <p:cNvPr id="6" name="Slide Number Placeholder 5"/>
+          <p:cNvSpPr>
+            <a:spLocks noGrp="1"/>
+          </p:cNvSpPr>
+          <p:nvPr>
+            <p:ph type="sldNum" sz="quarter" idx="12"/>
+          </p:nvPr>
+        </p:nvSpPr>
+        <p:spPr/>
+        <p:txBody>
+          <a:bodyPr/>
+          <a:lstStyle/>
+          <a:p>
+            <a:fld id="{437439CD-0BA9-4F80-A2CB-C24FA71B0C32}" type="slidenum">
+              <a:rPr lang="en-IN" smtClean="0"/>
+              <a:t>‹#›</a:t>
+            </a:fld>
+            <a:endParaRPr lang="en-IN"/>
+          </a:p>
+        </p:txBody>
+      </p:sp>
+      <p:sp>
+        <p:nvSpPr>
+          <p:cNvPr id="24" name="TextBox 23"/>
+          <p:cNvSpPr txBox="1"/>
+          <p:nvPr/>
+        </p:nvSpPr>
+        <p:spPr>
+          <a:xfrm>
+            <a:off x="541870" y="790378"/>
+            <a:ext cx="609600" cy="584776"/>
+          </a:xfrm>
+          <a:prstGeom prst="rect">
+            <a:avLst/>
+          </a:prstGeom>
+        </p:spPr>
+        <p:txBody>
+          <a:bodyPr vert="horz" lIns="91440" tIns="45720" rIns="91440" bIns="45720" rtlCol="0" anchor="ctr">
+            <a:noAutofit/>
+          </a:bodyPr>
+          <a:lstStyle/>
+          <a:p>
+            <a:pPr lvl="0"/>
+            <a:r>
+              <a:rPr lang="en-US" sz="8000" baseline="0" dirty="0">
+                <a:ln w="3175" cmpd="sng">
+                  <a:noFill/>
+                </a:ln>
+                <a:solidFill>
+                  <a:schemeClr val="accent1">
+                    <a:lumMod val="60000"/>
+                    <a:lumOff val="40000"/>
+                  </a:schemeClr>
+                </a:solidFill>
+                <a:effectLst/>
+                <a:latin typeface="Arial"/>
+              </a:rPr>
+              <a:t>“</a:t>
+            </a:r>
+          </a:p>
+        </p:txBody>
+      </p:sp>
+      <p:sp>
+        <p:nvSpPr>
+          <p:cNvPr id="25" name="TextBox 24"/>
+          <p:cNvSpPr txBox="1"/>
+          <p:nvPr/>
+        </p:nvSpPr>
+        <p:spPr>
+          <a:xfrm>
+            <a:off x="8893011" y="2886556"/>
+            <a:ext cx="609600" cy="584776"/>
+          </a:xfrm>
+          <a:prstGeom prst="rect">
+            <a:avLst/>
+          </a:prstGeom>
+        </p:spPr>
+        <p:txBody>
+          <a:bodyPr vert="horz" lIns="91440" tIns="45720" rIns="91440" bIns="45720" rtlCol="0" anchor="ctr">
+            <a:noAutofit/>
+          </a:bodyPr>
+          <a:lstStyle/>
+          <a:p>
+            <a:pPr lvl="0"/>
+            <a:r>
+              <a:rPr lang="en-US" sz="8000" baseline="0" dirty="0">
+                <a:ln w="3175" cmpd="sng">
+                  <a:noFill/>
+                </a:ln>
+                <a:solidFill>
+                  <a:schemeClr val="accent1">
+                    <a:lumMod val="60000"/>
+                    <a:lumOff val="40000"/>
+                  </a:schemeClr>
+                </a:solidFill>
+                <a:effectLst/>
+                <a:latin typeface="Arial"/>
+              </a:rPr>
+              <a:t>”</a:t>
+            </a:r>
+          </a:p>
+        </p:txBody>
+      </p:sp>
+    </p:spTree>
+    <p:extLst>
+      <p:ext uri="{BB962C8B-B14F-4D97-AF65-F5344CB8AC3E}">
+        <p14:creationId xmlns:p14="http://schemas.microsoft.com/office/powerpoint/2010/main" val="847561050"/>
+      </p:ext>
+    </p:extLst>
+  </p:cSld>
+  <p:clrMapOvr>
+    <a:masterClrMapping/>
+  </p:clrMapOvr>
+</p:sldLayout>
+</file>
+
+<file path=ppt/slideLayouts/slideLayout14.xml><?xml version="1.0" encoding="utf-8"?>
+<p:sldLayout xmlns:a="http://schemas.openxmlformats.org/drawingml/2006/main" xmlns:r="http://schemas.openxmlformats.org/officeDocument/2006/relationships" xmlns:p="http://schemas.openxmlformats.org/presentationml/2006/main" preserve="1">
+  <p:cSld name="True or False">
+    <p:spTree>
+      <p:nvGrpSpPr>
+        <p:cNvPr id="1" name=""/>
+        <p:cNvGrpSpPr/>
+        <p:nvPr/>
+      </p:nvGrpSpPr>
+      <p:grpSpPr>
+        <a:xfrm>
+          <a:off x="0" y="0"/>
+          <a:ext cx="0" cy="0"/>
+          <a:chOff x="0" y="0"/>
+          <a:chExt cx="0" cy="0"/>
+        </a:xfrm>
+      </p:grpSpPr>
+      <p:sp>
+        <p:nvSpPr>
+          <p:cNvPr id="2" name="Title 1"/>
+          <p:cNvSpPr>
+            <a:spLocks noGrp="1"/>
+          </p:cNvSpPr>
+          <p:nvPr>
+            <p:ph type="title"/>
+          </p:nvPr>
+        </p:nvSpPr>
+        <p:spPr>
+          <a:xfrm>
+            <a:off x="685799" y="609600"/>
+            <a:ext cx="8588203" cy="3022600"/>
+          </a:xfrm>
+        </p:spPr>
+        <p:txBody>
+          <a:bodyPr anchor="ctr">
+            <a:normAutofit/>
+          </a:bodyPr>
+          <a:lstStyle>
+            <a:lvl1pPr algn="l">
+              <a:defRPr sz="4400" b="0" cap="none"/>
+            </a:lvl1pPr>
+          </a:lstStyle>
+          <a:p>
+            <a:r>
+              <a:rPr lang="en-US"/>
+              <a:t>Click to edit Master title style</a:t>
+            </a:r>
+            <a:endParaRPr lang="en-US" dirty="0"/>
+          </a:p>
+        </p:txBody>
+      </p:sp>
+      <p:sp>
+        <p:nvSpPr>
+          <p:cNvPr id="23" name="Text Placeholder 9"/>
+          <p:cNvSpPr>
+            <a:spLocks noGrp="1"/>
+          </p:cNvSpPr>
+          <p:nvPr>
+            <p:ph type="body" sz="quarter" idx="13"/>
+          </p:nvPr>
+        </p:nvSpPr>
+        <p:spPr>
+          <a:xfrm>
+            <a:off x="677332" y="4013200"/>
+            <a:ext cx="8596669" cy="514248"/>
+          </a:xfrm>
+        </p:spPr>
+        <p:txBody>
+          <a:bodyPr anchor="b">
+            <a:noAutofit/>
+          </a:bodyPr>
+          <a:lstStyle>
+            <a:lvl1pPr marL="0" indent="0">
+              <a:buFontTx/>
+              <a:buNone/>
+              <a:defRPr sz="2400">
+                <a:solidFill>
+                  <a:schemeClr val="accent1"/>
+                </a:solidFill>
+              </a:defRPr>
+            </a:lvl1pPr>
+            <a:lvl2pPr marL="457200" indent="0">
+              <a:buFontTx/>
+              <a:buNone/>
+              <a:defRPr/>
+            </a:lvl2pPr>
+            <a:lvl3pPr marL="914400" indent="0">
+              <a:buFontTx/>
+              <a:buNone/>
+              <a:defRPr/>
+            </a:lvl3pPr>
+            <a:lvl4pPr marL="1371600" indent="0">
+              <a:buFontTx/>
+              <a:buNone/>
+              <a:defRPr/>
+            </a:lvl4pPr>
+            <a:lvl5pPr marL="1828800" indent="0">
+              <a:buFontTx/>
+              <a:buNone/>
+              <a:defRPr/>
+            </a:lvl5pPr>
+          </a:lstStyle>
+          <a:p>
+            <a:pPr lvl="0"/>
+            <a:r>
+              <a:rPr lang="en-US"/>
+              <a:t>Click to edit Master text styles</a:t>
+            </a:r>
+          </a:p>
+        </p:txBody>
+      </p:sp>
+      <p:sp>
+        <p:nvSpPr>
+          <p:cNvPr id="3" name="Text Placeholder 2"/>
+          <p:cNvSpPr>
+            <a:spLocks noGrp="1"/>
+          </p:cNvSpPr>
+          <p:nvPr>
+            <p:ph type="body" idx="1"/>
+          </p:nvPr>
+        </p:nvSpPr>
+        <p:spPr>
+          <a:xfrm>
+            <a:off x="677335" y="4527448"/>
+            <a:ext cx="8596668" cy="1513914"/>
+          </a:xfrm>
+        </p:spPr>
+        <p:txBody>
+          <a:bodyPr anchor="t">
+            <a:normAutofit/>
+          </a:bodyPr>
+          <a:lstStyle>
+            <a:lvl1pPr marL="0" indent="0" algn="l">
+              <a:buNone/>
+              <a:defRPr sz="1800">
+                <a:solidFill>
+                  <a:schemeClr val="tx1">
+                    <a:lumMod val="50000"/>
+                    <a:lumOff val="50000"/>
+                  </a:schemeClr>
+                </a:solidFill>
+              </a:defRPr>
+            </a:lvl1pPr>
+            <a:lvl2pPr marL="457200" indent="0">
+              <a:buNone/>
+              <a:defRPr sz="1800">
+                <a:solidFill>
+                  <a:schemeClr val="tx1">
+                    <a:tint val="75000"/>
+                  </a:schemeClr>
+                </a:solidFill>
+              </a:defRPr>
+            </a:lvl2pPr>
+            <a:lvl3pPr marL="914400" indent="0">
+              <a:buNone/>
+              <a:defRPr sz="1600">
+                <a:solidFill>
+                  <a:schemeClr val="tx1">
+                    <a:tint val="75000"/>
+                  </a:schemeClr>
+                </a:solidFill>
+              </a:defRPr>
+            </a:lvl3pPr>
+            <a:lvl4pPr marL="1371600" indent="0">
+              <a:buNone/>
+              <a:defRPr sz="1400">
+                <a:solidFill>
+                  <a:schemeClr val="tx1">
+                    <a:tint val="75000"/>
+                  </a:schemeClr>
+                </a:solidFill>
+              </a:defRPr>
+            </a:lvl4pPr>
+            <a:lvl5pPr marL="1828800" indent="0">
+              <a:buNone/>
+              <a:defRPr sz="1400">
+                <a:solidFill>
+                  <a:schemeClr val="tx1">
+                    <a:tint val="75000"/>
+                  </a:schemeClr>
+                </a:solidFill>
+              </a:defRPr>
+            </a:lvl5pPr>
+            <a:lvl6pPr marL="2286000" indent="0">
+              <a:buNone/>
+              <a:defRPr sz="1400">
+                <a:solidFill>
+                  <a:schemeClr val="tx1">
+                    <a:tint val="75000"/>
+                  </a:schemeClr>
+                </a:solidFill>
+              </a:defRPr>
+            </a:lvl6pPr>
+            <a:lvl7pPr marL="2743200" indent="0">
+              <a:buNone/>
+              <a:defRPr sz="1400">
+                <a:solidFill>
+                  <a:schemeClr val="tx1">
+                    <a:tint val="75000"/>
+                  </a:schemeClr>
+                </a:solidFill>
+              </a:defRPr>
+            </a:lvl7pPr>
+            <a:lvl8pPr marL="3200400" indent="0">
+              <a:buNone/>
+              <a:defRPr sz="1400">
+                <a:solidFill>
+                  <a:schemeClr val="tx1">
+                    <a:tint val="75000"/>
+                  </a:schemeClr>
+                </a:solidFill>
+              </a:defRPr>
+            </a:lvl8pPr>
+            <a:lvl9pPr marL="3657600" indent="0">
+              <a:buNone/>
+              <a:defRPr sz="1400">
+                <a:solidFill>
+                  <a:schemeClr val="tx1">
+                    <a:tint val="75000"/>
+                  </a:schemeClr>
+                </a:solidFill>
+              </a:defRPr>
+            </a:lvl9pPr>
+          </a:lstStyle>
+          <a:p>
+            <a:pPr lvl="0"/>
+            <a:r>
+              <a:rPr lang="en-US"/>
+              <a:t>Click to edit Master text styles</a:t>
+            </a:r>
+          </a:p>
+        </p:txBody>
+      </p:sp>
+      <p:sp>
+        <p:nvSpPr>
+          <p:cNvPr id="4" name="Date Placeholder 3"/>
+          <p:cNvSpPr>
+            <a:spLocks noGrp="1"/>
+          </p:cNvSpPr>
+          <p:nvPr>
+            <p:ph type="dt" sz="half" idx="10"/>
+          </p:nvPr>
+        </p:nvSpPr>
+        <p:spPr/>
+        <p:txBody>
+          <a:bodyPr/>
+          <a:lstStyle/>
+          <a:p>
+            <a:fld id="{EFC2801D-8936-4A22-A189-8766B934E949}" type="datetimeFigureOut">
+              <a:rPr lang="en-IN" smtClean="0"/>
+              <a:t>12-03-2024</a:t>
+            </a:fld>
+            <a:endParaRPr lang="en-IN"/>
+          </a:p>
+        </p:txBody>
+      </p:sp>
+      <p:sp>
+        <p:nvSpPr>
+          <p:cNvPr id="5" name="Footer Placeholder 4"/>
+          <p:cNvSpPr>
+            <a:spLocks noGrp="1"/>
+          </p:cNvSpPr>
+          <p:nvPr>
+            <p:ph type="ftr" sz="quarter" idx="11"/>
+          </p:nvPr>
+        </p:nvSpPr>
+        <p:spPr/>
+        <p:txBody>
+          <a:bodyPr/>
+          <a:lstStyle/>
+          <a:p>
+            <a:endParaRPr lang="en-IN"/>
+          </a:p>
+        </p:txBody>
+      </p:sp>
+      <p:sp>
+        <p:nvSpPr>
+          <p:cNvPr id="6" name="Slide Number Placeholder 5"/>
+          <p:cNvSpPr>
+            <a:spLocks noGrp="1"/>
+          </p:cNvSpPr>
+          <p:nvPr>
+            <p:ph type="sldNum" sz="quarter" idx="12"/>
+          </p:nvPr>
+        </p:nvSpPr>
+        <p:spPr/>
+        <p:txBody>
+          <a:bodyPr/>
+          <a:lstStyle/>
+          <a:p>
+            <a:fld id="{437439CD-0BA9-4F80-A2CB-C24FA71B0C32}" type="slidenum">
+              <a:rPr lang="en-IN" smtClean="0"/>
+              <a:t>‹#›</a:t>
+            </a:fld>
+            <a:endParaRPr lang="en-IN"/>
+          </a:p>
+        </p:txBody>
+      </p:sp>
+    </p:spTree>
+    <p:extLst>
+      <p:ext uri="{BB962C8B-B14F-4D97-AF65-F5344CB8AC3E}">
+        <p14:creationId xmlns:p14="http://schemas.microsoft.com/office/powerpoint/2010/main" val="1833751890"/>
+      </p:ext>
+    </p:extLst>
+  </p:cSld>
+  <p:clrMapOvr>
+    <a:masterClrMapping/>
+  </p:clrMapOvr>
+</p:sldLayout>
+</file>
+
+<file path=ppt/slideLayouts/slideLayout15.xml><?xml version="1.0" encoding="utf-8"?>
 <p:sldLayout xmlns:a="http://schemas.openxmlformats.org/drawingml/2006/main" xmlns:r="http://schemas.openxmlformats.org/officeDocument/2006/relationships" xmlns:p="http://schemas.openxmlformats.org/presentationml/2006/main" type="vertTx" preserve="1">
   <p:cSld name="Title and Vertical Text">
     <p:spTree>
@@ -562,13 +3215,7 @@
       </p:grpSpPr>
       <p:sp>
         <p:nvSpPr>
-          <p:cNvPr id="2" name="Title 1">
-            <a:extLst>
-              <a:ext uri="{FF2B5EF4-FFF2-40B4-BE49-F238E27FC236}">
-                <a16:creationId xmlns:a16="http://schemas.microsoft.com/office/drawing/2014/main" id="{D165B13A-7823-CF24-766B-E2A03882DB89}"/>
-              </a:ext>
-            </a:extLst>
-          </p:cNvPr>
+          <p:cNvPr id="2" name="Title 1"/>
           <p:cNvSpPr>
             <a:spLocks noGrp="1"/>
           </p:cNvSpPr>
@@ -585,19 +3232,13 @@
               <a:rPr lang="en-US"/>
               <a:t>Click to edit Master title style</a:t>
             </a:r>
-            <a:endParaRPr lang="en-IN"/>
-          </a:p>
-        </p:txBody>
-      </p:sp>
-      <p:sp>
-        <p:nvSpPr>
-          <p:cNvPr id="3" name="Vertical Text Placeholder 2">
-            <a:extLst>
-              <a:ext uri="{FF2B5EF4-FFF2-40B4-BE49-F238E27FC236}">
-                <a16:creationId xmlns:a16="http://schemas.microsoft.com/office/drawing/2014/main" id="{B8781997-B32F-3DFB-EE3C-50105984F4DD}"/>
-              </a:ext>
-            </a:extLst>
-          </p:cNvPr>
+            <a:endParaRPr lang="en-US" dirty="0"/>
+          </a:p>
+        </p:txBody>
+      </p:sp>
+      <p:sp>
+        <p:nvSpPr>
+          <p:cNvPr id="3" name="Vertical Text Placeholder 2"/>
           <p:cNvSpPr>
             <a:spLocks noGrp="1"/>
           </p:cNvSpPr>
@@ -643,19 +3284,13 @@
               <a:rPr lang="en-US"/>
               <a:t>Fifth level</a:t>
             </a:r>
-            <a:endParaRPr lang="en-IN"/>
-          </a:p>
-        </p:txBody>
-      </p:sp>
-      <p:sp>
-        <p:nvSpPr>
-          <p:cNvPr id="4" name="Date Placeholder 3">
-            <a:extLst>
-              <a:ext uri="{FF2B5EF4-FFF2-40B4-BE49-F238E27FC236}">
-                <a16:creationId xmlns:a16="http://schemas.microsoft.com/office/drawing/2014/main" id="{401E50A4-FF58-3824-7854-1C5524000C7C}"/>
-              </a:ext>
-            </a:extLst>
-          </p:cNvPr>
+            <a:endParaRPr lang="en-US" dirty="0"/>
+          </a:p>
+        </p:txBody>
+      </p:sp>
+      <p:sp>
+        <p:nvSpPr>
+          <p:cNvPr id="4" name="Date Placeholder 3"/>
           <p:cNvSpPr>
             <a:spLocks noGrp="1"/>
           </p:cNvSpPr>
@@ -670,7 +3305,7 @@
           <a:p>
             <a:fld id="{EFC2801D-8936-4A22-A189-8766B934E949}" type="datetimeFigureOut">
               <a:rPr lang="en-IN" smtClean="0"/>
-              <a:t>06-07-2023</a:t>
+              <a:t>12-03-2024</a:t>
             </a:fld>
             <a:endParaRPr lang="en-IN"/>
           </a:p>
@@ -678,13 +3313,7 @@
       </p:sp>
       <p:sp>
         <p:nvSpPr>
-          <p:cNvPr id="5" name="Footer Placeholder 4">
-            <a:extLst>
-              <a:ext uri="{FF2B5EF4-FFF2-40B4-BE49-F238E27FC236}">
-                <a16:creationId xmlns:a16="http://schemas.microsoft.com/office/drawing/2014/main" id="{6A00C06B-E8B8-2BA2-D65D-D7AC3CE7D6BF}"/>
-              </a:ext>
-            </a:extLst>
-          </p:cNvPr>
+          <p:cNvPr id="5" name="Footer Placeholder 4"/>
           <p:cNvSpPr>
             <a:spLocks noGrp="1"/>
           </p:cNvSpPr>
@@ -703,13 +3332,7 @@
       </p:sp>
       <p:sp>
         <p:nvSpPr>
-          <p:cNvPr id="6" name="Slide Number Placeholder 5">
-            <a:extLst>
-              <a:ext uri="{FF2B5EF4-FFF2-40B4-BE49-F238E27FC236}">
-                <a16:creationId xmlns:a16="http://schemas.microsoft.com/office/drawing/2014/main" id="{F3F6FBA1-437B-FE24-FAB2-CEBCA01235B9}"/>
-              </a:ext>
-            </a:extLst>
-          </p:cNvPr>
+          <p:cNvPr id="6" name="Slide Number Placeholder 5"/>
           <p:cNvSpPr>
             <a:spLocks noGrp="1"/>
           </p:cNvSpPr>
@@ -733,7 +3356,7 @@
     </p:spTree>
     <p:extLst>
       <p:ext uri="{BB962C8B-B14F-4D97-AF65-F5344CB8AC3E}">
-        <p14:creationId xmlns:p14="http://schemas.microsoft.com/office/powerpoint/2010/main" val="190780293"/>
+        <p14:creationId xmlns:p14="http://schemas.microsoft.com/office/powerpoint/2010/main" val="2755675013"/>
       </p:ext>
     </p:extLst>
   </p:cSld>
@@ -743,7 +3366,7 @@
 </p:sldLayout>
 </file>
 
-<file path=ppt/slideLayouts/slideLayout11.xml><?xml version="1.0" encoding="utf-8"?>
+<file path=ppt/slideLayouts/slideLayout16.xml><?xml version="1.0" encoding="utf-8"?>
 <p:sldLayout xmlns:a="http://schemas.openxmlformats.org/drawingml/2006/main" xmlns:r="http://schemas.openxmlformats.org/officeDocument/2006/relationships" xmlns:p="http://schemas.openxmlformats.org/presentationml/2006/main" type="vertTitleAndTx" preserve="1">
   <p:cSld name="Vertical Title and Text">
     <p:spTree>
@@ -762,13 +3385,7 @@
       </p:grpSpPr>
       <p:sp>
         <p:nvSpPr>
-          <p:cNvPr id="2" name="Vertical Title 1">
-            <a:extLst>
-              <a:ext uri="{FF2B5EF4-FFF2-40B4-BE49-F238E27FC236}">
-                <a16:creationId xmlns:a16="http://schemas.microsoft.com/office/drawing/2014/main" id="{D3E5E124-2185-1513-F9C5-788D962025EB}"/>
-              </a:ext>
-            </a:extLst>
-          </p:cNvPr>
+          <p:cNvPr id="2" name="Vertical Title 1"/>
           <p:cNvSpPr>
             <a:spLocks noGrp="1"/>
           </p:cNvSpPr>
@@ -778,48 +3395,42 @@
         </p:nvSpPr>
         <p:spPr>
           <a:xfrm>
-            <a:off x="8724900" y="365125"/>
-            <a:ext cx="2628900" cy="5811838"/>
+            <a:off x="7967673" y="609599"/>
+            <a:ext cx="1304743" cy="5251451"/>
           </a:xfrm>
         </p:spPr>
         <p:txBody>
+          <a:bodyPr vert="eaVert" anchor="ctr"/>
+          <a:lstStyle/>
+          <a:p>
+            <a:r>
+              <a:rPr lang="en-US"/>
+              <a:t>Click to edit Master title style</a:t>
+            </a:r>
+            <a:endParaRPr lang="en-US" dirty="0"/>
+          </a:p>
+        </p:txBody>
+      </p:sp>
+      <p:sp>
+        <p:nvSpPr>
+          <p:cNvPr id="3" name="Vertical Text Placeholder 2"/>
+          <p:cNvSpPr>
+            <a:spLocks noGrp="1"/>
+          </p:cNvSpPr>
+          <p:nvPr>
+            <p:ph type="body" orient="vert" idx="1"/>
+          </p:nvPr>
+        </p:nvSpPr>
+        <p:spPr>
+          <a:xfrm>
+            <a:off x="677335" y="609600"/>
+            <a:ext cx="7060150" cy="5251450"/>
+          </a:xfrm>
+        </p:spPr>
+        <p:txBody>
           <a:bodyPr vert="eaVert"/>
           <a:lstStyle/>
           <a:p>
-            <a:r>
-              <a:rPr lang="en-US"/>
-              <a:t>Click to edit Master title style</a:t>
-            </a:r>
-            <a:endParaRPr lang="en-IN"/>
-          </a:p>
-        </p:txBody>
-      </p:sp>
-      <p:sp>
-        <p:nvSpPr>
-          <p:cNvPr id="3" name="Vertical Text Placeholder 2">
-            <a:extLst>
-              <a:ext uri="{FF2B5EF4-FFF2-40B4-BE49-F238E27FC236}">
-                <a16:creationId xmlns:a16="http://schemas.microsoft.com/office/drawing/2014/main" id="{09851A9F-E00B-7773-AA88-92296FC5E005}"/>
-              </a:ext>
-            </a:extLst>
-          </p:cNvPr>
-          <p:cNvSpPr>
-            <a:spLocks noGrp="1"/>
-          </p:cNvSpPr>
-          <p:nvPr>
-            <p:ph type="body" orient="vert" idx="1"/>
-          </p:nvPr>
-        </p:nvSpPr>
-        <p:spPr>
-          <a:xfrm>
-            <a:off x="838200" y="365125"/>
-            <a:ext cx="7734300" cy="5811838"/>
-          </a:xfrm>
-        </p:spPr>
-        <p:txBody>
-          <a:bodyPr vert="eaVert"/>
-          <a:lstStyle/>
-          <a:p>
             <a:pPr lvl="0"/>
             <a:r>
               <a:rPr lang="en-US"/>
@@ -853,19 +3464,13 @@
               <a:rPr lang="en-US"/>
               <a:t>Fifth level</a:t>
             </a:r>
-            <a:endParaRPr lang="en-IN"/>
-          </a:p>
-        </p:txBody>
-      </p:sp>
-      <p:sp>
-        <p:nvSpPr>
-          <p:cNvPr id="4" name="Date Placeholder 3">
-            <a:extLst>
-              <a:ext uri="{FF2B5EF4-FFF2-40B4-BE49-F238E27FC236}">
-                <a16:creationId xmlns:a16="http://schemas.microsoft.com/office/drawing/2014/main" id="{25C036C6-8AA1-9346-847D-4599FFEA546D}"/>
-              </a:ext>
-            </a:extLst>
-          </p:cNvPr>
+            <a:endParaRPr lang="en-US" dirty="0"/>
+          </a:p>
+        </p:txBody>
+      </p:sp>
+      <p:sp>
+        <p:nvSpPr>
+          <p:cNvPr id="4" name="Date Placeholder 3"/>
           <p:cNvSpPr>
             <a:spLocks noGrp="1"/>
           </p:cNvSpPr>
@@ -880,7 +3485,7 @@
           <a:p>
             <a:fld id="{EFC2801D-8936-4A22-A189-8766B934E949}" type="datetimeFigureOut">
               <a:rPr lang="en-IN" smtClean="0"/>
-              <a:t>06-07-2023</a:t>
+              <a:t>12-03-2024</a:t>
             </a:fld>
             <a:endParaRPr lang="en-IN"/>
           </a:p>
@@ -888,13 +3493,7 @@
       </p:sp>
       <p:sp>
         <p:nvSpPr>
-          <p:cNvPr id="5" name="Footer Placeholder 4">
-            <a:extLst>
-              <a:ext uri="{FF2B5EF4-FFF2-40B4-BE49-F238E27FC236}">
-                <a16:creationId xmlns:a16="http://schemas.microsoft.com/office/drawing/2014/main" id="{43840ABB-93E5-C554-6E23-151193DE729A}"/>
-              </a:ext>
-            </a:extLst>
-          </p:cNvPr>
+          <p:cNvPr id="5" name="Footer Placeholder 4"/>
           <p:cNvSpPr>
             <a:spLocks noGrp="1"/>
           </p:cNvSpPr>
@@ -913,13 +3512,7 @@
       </p:sp>
       <p:sp>
         <p:nvSpPr>
-          <p:cNvPr id="6" name="Slide Number Placeholder 5">
-            <a:extLst>
-              <a:ext uri="{FF2B5EF4-FFF2-40B4-BE49-F238E27FC236}">
-                <a16:creationId xmlns:a16="http://schemas.microsoft.com/office/drawing/2014/main" id="{FB59047A-B3A0-6407-7A7C-6912B477EF95}"/>
-              </a:ext>
-            </a:extLst>
-          </p:cNvPr>
+          <p:cNvPr id="6" name="Slide Number Placeholder 5"/>
           <p:cNvSpPr>
             <a:spLocks noGrp="1"/>
           </p:cNvSpPr>
@@ -943,7 +3536,7 @@
     </p:spTree>
     <p:extLst>
       <p:ext uri="{BB962C8B-B14F-4D97-AF65-F5344CB8AC3E}">
-        <p14:creationId xmlns:p14="http://schemas.microsoft.com/office/powerpoint/2010/main" val="2564100055"/>
+        <p14:creationId xmlns:p14="http://schemas.microsoft.com/office/powerpoint/2010/main" val="694794274"/>
       </p:ext>
     </p:extLst>
   </p:cSld>
@@ -972,13 +3565,7 @@
       </p:grpSpPr>
       <p:sp>
         <p:nvSpPr>
-          <p:cNvPr id="2" name="Title 1">
-            <a:extLst>
-              <a:ext uri="{FF2B5EF4-FFF2-40B4-BE49-F238E27FC236}">
-                <a16:creationId xmlns:a16="http://schemas.microsoft.com/office/drawing/2014/main" id="{559F9E23-7D70-B3B9-FA11-5B4140DD5484}"/>
-              </a:ext>
-            </a:extLst>
-          </p:cNvPr>
+          <p:cNvPr id="2" name="Title 1"/>
           <p:cNvSpPr>
             <a:spLocks noGrp="1"/>
           </p:cNvSpPr>
@@ -995,19 +3582,13 @@
               <a:rPr lang="en-US"/>
               <a:t>Click to edit Master title style</a:t>
             </a:r>
-            <a:endParaRPr lang="en-IN"/>
-          </a:p>
-        </p:txBody>
-      </p:sp>
-      <p:sp>
-        <p:nvSpPr>
-          <p:cNvPr id="3" name="Content Placeholder 2">
-            <a:extLst>
-              <a:ext uri="{FF2B5EF4-FFF2-40B4-BE49-F238E27FC236}">
-                <a16:creationId xmlns:a16="http://schemas.microsoft.com/office/drawing/2014/main" id="{FA401DC9-D4B9-7752-128D-B56240498898}"/>
-              </a:ext>
-            </a:extLst>
-          </p:cNvPr>
+            <a:endParaRPr lang="en-US" dirty="0"/>
+          </a:p>
+        </p:txBody>
+      </p:sp>
+      <p:sp>
+        <p:nvSpPr>
+          <p:cNvPr id="3" name="Content Placeholder 2"/>
           <p:cNvSpPr>
             <a:spLocks noGrp="1"/>
           </p:cNvSpPr>
@@ -1053,19 +3634,13 @@
               <a:rPr lang="en-US"/>
               <a:t>Fifth level</a:t>
             </a:r>
-            <a:endParaRPr lang="en-IN"/>
-          </a:p>
-        </p:txBody>
-      </p:sp>
-      <p:sp>
-        <p:nvSpPr>
-          <p:cNvPr id="4" name="Date Placeholder 3">
-            <a:extLst>
-              <a:ext uri="{FF2B5EF4-FFF2-40B4-BE49-F238E27FC236}">
-                <a16:creationId xmlns:a16="http://schemas.microsoft.com/office/drawing/2014/main" id="{47245E5C-C578-2521-D9A3-AA6917EC9DF8}"/>
-              </a:ext>
-            </a:extLst>
-          </p:cNvPr>
+            <a:endParaRPr lang="en-US" dirty="0"/>
+          </a:p>
+        </p:txBody>
+      </p:sp>
+      <p:sp>
+        <p:nvSpPr>
+          <p:cNvPr id="4" name="Date Placeholder 3"/>
           <p:cNvSpPr>
             <a:spLocks noGrp="1"/>
           </p:cNvSpPr>
@@ -1080,7 +3655,7 @@
           <a:p>
             <a:fld id="{EFC2801D-8936-4A22-A189-8766B934E949}" type="datetimeFigureOut">
               <a:rPr lang="en-IN" smtClean="0"/>
-              <a:t>06-07-2023</a:t>
+              <a:t>12-03-2024</a:t>
             </a:fld>
             <a:endParaRPr lang="en-IN"/>
           </a:p>
@@ -1088,13 +3663,7 @@
       </p:sp>
       <p:sp>
         <p:nvSpPr>
-          <p:cNvPr id="5" name="Footer Placeholder 4">
-            <a:extLst>
-              <a:ext uri="{FF2B5EF4-FFF2-40B4-BE49-F238E27FC236}">
-                <a16:creationId xmlns:a16="http://schemas.microsoft.com/office/drawing/2014/main" id="{76B3D428-39CA-6509-0832-1F3FFAD7FF68}"/>
-              </a:ext>
-            </a:extLst>
-          </p:cNvPr>
+          <p:cNvPr id="5" name="Footer Placeholder 4"/>
           <p:cNvSpPr>
             <a:spLocks noGrp="1"/>
           </p:cNvSpPr>
@@ -1113,13 +3682,7 @@
       </p:sp>
       <p:sp>
         <p:nvSpPr>
-          <p:cNvPr id="6" name="Slide Number Placeholder 5">
-            <a:extLst>
-              <a:ext uri="{FF2B5EF4-FFF2-40B4-BE49-F238E27FC236}">
-                <a16:creationId xmlns:a16="http://schemas.microsoft.com/office/drawing/2014/main" id="{225B99B1-E5D3-106C-308D-600148D8DE68}"/>
-              </a:ext>
-            </a:extLst>
-          </p:cNvPr>
+          <p:cNvPr id="6" name="Slide Number Placeholder 5"/>
           <p:cNvSpPr>
             <a:spLocks noGrp="1"/>
           </p:cNvSpPr>
@@ -1143,7 +3706,7 @@
     </p:spTree>
     <p:extLst>
       <p:ext uri="{BB962C8B-B14F-4D97-AF65-F5344CB8AC3E}">
-        <p14:creationId xmlns:p14="http://schemas.microsoft.com/office/powerpoint/2010/main" val="3430260250"/>
+        <p14:creationId xmlns:p14="http://schemas.microsoft.com/office/powerpoint/2010/main" val="3156909813"/>
       </p:ext>
     </p:extLst>
   </p:cSld>
@@ -1172,13 +3735,7 @@
       </p:grpSpPr>
       <p:sp>
         <p:nvSpPr>
-          <p:cNvPr id="2" name="Title 1">
-            <a:extLst>
-              <a:ext uri="{FF2B5EF4-FFF2-40B4-BE49-F238E27FC236}">
-                <a16:creationId xmlns:a16="http://schemas.microsoft.com/office/drawing/2014/main" id="{11EB9002-0638-79B5-2FA9-14E69A2625C6}"/>
-              </a:ext>
-            </a:extLst>
-          </p:cNvPr>
+          <p:cNvPr id="2" name="Title 1"/>
           <p:cNvSpPr>
             <a:spLocks noGrp="1"/>
           </p:cNvSpPr>
@@ -1188,15 +3745,15 @@
         </p:nvSpPr>
         <p:spPr>
           <a:xfrm>
-            <a:off x="831850" y="1709738"/>
-            <a:ext cx="10515600" cy="2852737"/>
+            <a:off x="677335" y="2700867"/>
+            <a:ext cx="8596668" cy="1826581"/>
           </a:xfrm>
         </p:spPr>
         <p:txBody>
           <a:bodyPr anchor="b"/>
           <a:lstStyle>
-            <a:lvl1pPr>
-              <a:defRPr sz="6000"/>
+            <a:lvl1pPr algn="l">
+              <a:defRPr sz="4000" b="0" cap="none"/>
             </a:lvl1pPr>
           </a:lstStyle>
           <a:p>
@@ -1204,19 +3761,13 @@
               <a:rPr lang="en-US"/>
               <a:t>Click to edit Master title style</a:t>
             </a:r>
-            <a:endParaRPr lang="en-IN"/>
-          </a:p>
-        </p:txBody>
-      </p:sp>
-      <p:sp>
-        <p:nvSpPr>
-          <p:cNvPr id="3" name="Text Placeholder 2">
-            <a:extLst>
-              <a:ext uri="{FF2B5EF4-FFF2-40B4-BE49-F238E27FC236}">
-                <a16:creationId xmlns:a16="http://schemas.microsoft.com/office/drawing/2014/main" id="{E5208776-DA06-7562-1A95-BD32B5875EF6}"/>
-              </a:ext>
-            </a:extLst>
-          </p:cNvPr>
+            <a:endParaRPr lang="en-US" dirty="0"/>
+          </a:p>
+        </p:txBody>
+      </p:sp>
+      <p:sp>
+        <p:nvSpPr>
+          <p:cNvPr id="3" name="Text Placeholder 2"/>
           <p:cNvSpPr>
             <a:spLocks noGrp="1"/>
           </p:cNvSpPr>
@@ -1226,26 +3777,27 @@
         </p:nvSpPr>
         <p:spPr>
           <a:xfrm>
-            <a:off x="831850" y="4589463"/>
-            <a:ext cx="10515600" cy="1500187"/>
+            <a:off x="677335" y="4527448"/>
+            <a:ext cx="8596668" cy="860400"/>
           </a:xfrm>
         </p:spPr>
         <p:txBody>
-          <a:bodyPr/>
+          <a:bodyPr anchor="t"/>
           <a:lstStyle>
-            <a:lvl1pPr marL="0" indent="0">
-              <a:buNone/>
-              <a:defRPr sz="2400">
+            <a:lvl1pPr marL="0" indent="0" algn="l">
+              <a:buNone/>
+              <a:defRPr sz="2000">
                 <a:solidFill>
                   <a:schemeClr val="tx1">
-                    <a:tint val="75000"/>
+                    <a:lumMod val="50000"/>
+                    <a:lumOff val="50000"/>
                   </a:schemeClr>
                 </a:solidFill>
               </a:defRPr>
             </a:lvl1pPr>
             <a:lvl2pPr marL="457200" indent="0">
               <a:buNone/>
-              <a:defRPr sz="2000">
+              <a:defRPr sz="1800">
                 <a:solidFill>
                   <a:schemeClr val="tx1">
                     <a:tint val="75000"/>
@@ -1255,7 +3807,7 @@
             </a:lvl2pPr>
             <a:lvl3pPr marL="914400" indent="0">
               <a:buNone/>
-              <a:defRPr sz="1800">
+              <a:defRPr sz="1600">
                 <a:solidFill>
                   <a:schemeClr val="tx1">
                     <a:tint val="75000"/>
@@ -1265,7 +3817,7 @@
             </a:lvl3pPr>
             <a:lvl4pPr marL="1371600" indent="0">
               <a:buNone/>
-              <a:defRPr sz="1600">
+              <a:defRPr sz="1400">
                 <a:solidFill>
                   <a:schemeClr val="tx1">
                     <a:tint val="75000"/>
@@ -1275,7 +3827,7 @@
             </a:lvl4pPr>
             <a:lvl5pPr marL="1828800" indent="0">
               <a:buNone/>
-              <a:defRPr sz="1600">
+              <a:defRPr sz="1400">
                 <a:solidFill>
                   <a:schemeClr val="tx1">
                     <a:tint val="75000"/>
@@ -1285,7 +3837,7 @@
             </a:lvl5pPr>
             <a:lvl6pPr marL="2286000" indent="0">
               <a:buNone/>
-              <a:defRPr sz="1600">
+              <a:defRPr sz="1400">
                 <a:solidFill>
                   <a:schemeClr val="tx1">
                     <a:tint val="75000"/>
@@ -1295,7 +3847,7 @@
             </a:lvl6pPr>
             <a:lvl7pPr marL="2743200" indent="0">
               <a:buNone/>
-              <a:defRPr sz="1600">
+              <a:defRPr sz="1400">
                 <a:solidFill>
                   <a:schemeClr val="tx1">
                     <a:tint val="75000"/>
@@ -1305,7 +3857,7 @@
             </a:lvl7pPr>
             <a:lvl8pPr marL="3200400" indent="0">
               <a:buNone/>
-              <a:defRPr sz="1600">
+              <a:defRPr sz="1400">
                 <a:solidFill>
                   <a:schemeClr val="tx1">
                     <a:tint val="75000"/>
@@ -1315,7 +3867,7 @@
             </a:lvl8pPr>
             <a:lvl9pPr marL="3657600" indent="0">
               <a:buNone/>
-              <a:defRPr sz="1600">
+              <a:defRPr sz="1400">
                 <a:solidFill>
                   <a:schemeClr val="tx1">
                     <a:tint val="75000"/>
@@ -1335,13 +3887,7 @@
       </p:sp>
       <p:sp>
         <p:nvSpPr>
-          <p:cNvPr id="4" name="Date Placeholder 3">
-            <a:extLst>
-              <a:ext uri="{FF2B5EF4-FFF2-40B4-BE49-F238E27FC236}">
-                <a16:creationId xmlns:a16="http://schemas.microsoft.com/office/drawing/2014/main" id="{64992F9B-F147-B0C9-C6F2-10591A6BB7B7}"/>
-              </a:ext>
-            </a:extLst>
-          </p:cNvPr>
+          <p:cNvPr id="4" name="Date Placeholder 3"/>
           <p:cNvSpPr>
             <a:spLocks noGrp="1"/>
           </p:cNvSpPr>
@@ -1356,7 +3902,7 @@
           <a:p>
             <a:fld id="{EFC2801D-8936-4A22-A189-8766B934E949}" type="datetimeFigureOut">
               <a:rPr lang="en-IN" smtClean="0"/>
-              <a:t>06-07-2023</a:t>
+              <a:t>12-03-2024</a:t>
             </a:fld>
             <a:endParaRPr lang="en-IN"/>
           </a:p>
@@ -1364,13 +3910,7 @@
       </p:sp>
       <p:sp>
         <p:nvSpPr>
-          <p:cNvPr id="5" name="Footer Placeholder 4">
-            <a:extLst>
-              <a:ext uri="{FF2B5EF4-FFF2-40B4-BE49-F238E27FC236}">
-                <a16:creationId xmlns:a16="http://schemas.microsoft.com/office/drawing/2014/main" id="{55D3BE18-7587-69FC-56C8-5B4B518C4214}"/>
-              </a:ext>
-            </a:extLst>
-          </p:cNvPr>
+          <p:cNvPr id="5" name="Footer Placeholder 4"/>
           <p:cNvSpPr>
             <a:spLocks noGrp="1"/>
           </p:cNvSpPr>
@@ -1389,13 +3929,7 @@
       </p:sp>
       <p:sp>
         <p:nvSpPr>
-          <p:cNvPr id="6" name="Slide Number Placeholder 5">
-            <a:extLst>
-              <a:ext uri="{FF2B5EF4-FFF2-40B4-BE49-F238E27FC236}">
-                <a16:creationId xmlns:a16="http://schemas.microsoft.com/office/drawing/2014/main" id="{CE66FEAD-7F1E-06AC-622F-8E803AB53379}"/>
-              </a:ext>
-            </a:extLst>
-          </p:cNvPr>
+          <p:cNvPr id="6" name="Slide Number Placeholder 5"/>
           <p:cNvSpPr>
             <a:spLocks noGrp="1"/>
           </p:cNvSpPr>
@@ -1419,7 +3953,7 @@
     </p:spTree>
     <p:extLst>
       <p:ext uri="{BB962C8B-B14F-4D97-AF65-F5344CB8AC3E}">
-        <p14:creationId xmlns:p14="http://schemas.microsoft.com/office/powerpoint/2010/main" val="290434993"/>
+        <p14:creationId xmlns:p14="http://schemas.microsoft.com/office/powerpoint/2010/main" val="2957730853"/>
       </p:ext>
     </p:extLst>
   </p:cSld>
@@ -1448,13 +3982,7 @@
       </p:grpSpPr>
       <p:sp>
         <p:nvSpPr>
-          <p:cNvPr id="2" name="Title 1">
-            <a:extLst>
-              <a:ext uri="{FF2B5EF4-FFF2-40B4-BE49-F238E27FC236}">
-                <a16:creationId xmlns:a16="http://schemas.microsoft.com/office/drawing/2014/main" id="{00E38247-F584-5626-D0C3-205F47E41688}"/>
-              </a:ext>
-            </a:extLst>
-          </p:cNvPr>
+          <p:cNvPr id="2" name="Title 1"/>
           <p:cNvSpPr>
             <a:spLocks noGrp="1"/>
           </p:cNvSpPr>
@@ -1471,19 +3999,13 @@
               <a:rPr lang="en-US"/>
               <a:t>Click to edit Master title style</a:t>
             </a:r>
-            <a:endParaRPr lang="en-IN"/>
-          </a:p>
-        </p:txBody>
-      </p:sp>
-      <p:sp>
-        <p:nvSpPr>
-          <p:cNvPr id="3" name="Content Placeholder 2">
-            <a:extLst>
-              <a:ext uri="{FF2B5EF4-FFF2-40B4-BE49-F238E27FC236}">
-                <a16:creationId xmlns:a16="http://schemas.microsoft.com/office/drawing/2014/main" id="{BCEAFB1F-B0ED-8B7B-FCFE-6F0730847942}"/>
-              </a:ext>
-            </a:extLst>
-          </p:cNvPr>
+            <a:endParaRPr lang="en-US" dirty="0"/>
+          </a:p>
+        </p:txBody>
+      </p:sp>
+      <p:sp>
+        <p:nvSpPr>
+          <p:cNvPr id="3" name="Content Placeholder 2"/>
           <p:cNvSpPr>
             <a:spLocks noGrp="1"/>
           </p:cNvSpPr>
@@ -1493,8 +4015,8 @@
         </p:nvSpPr>
         <p:spPr>
           <a:xfrm>
-            <a:off x="838200" y="1825625"/>
-            <a:ext cx="5181600" cy="4351338"/>
+            <a:off x="677334" y="2160589"/>
+            <a:ext cx="4184035" cy="3880772"/>
           </a:xfrm>
         </p:spPr>
         <p:txBody>
@@ -1534,19 +4056,13 @@
               <a:rPr lang="en-US"/>
               <a:t>Fifth level</a:t>
             </a:r>
-            <a:endParaRPr lang="en-IN"/>
-          </a:p>
-        </p:txBody>
-      </p:sp>
-      <p:sp>
-        <p:nvSpPr>
-          <p:cNvPr id="4" name="Content Placeholder 3">
-            <a:extLst>
-              <a:ext uri="{FF2B5EF4-FFF2-40B4-BE49-F238E27FC236}">
-                <a16:creationId xmlns:a16="http://schemas.microsoft.com/office/drawing/2014/main" id="{DE3C8906-6B59-A530-885D-3B356C1C9722}"/>
-              </a:ext>
-            </a:extLst>
-          </p:cNvPr>
+            <a:endParaRPr lang="en-US" dirty="0"/>
+          </a:p>
+        </p:txBody>
+      </p:sp>
+      <p:sp>
+        <p:nvSpPr>
+          <p:cNvPr id="4" name="Content Placeholder 3"/>
           <p:cNvSpPr>
             <a:spLocks noGrp="1"/>
           </p:cNvSpPr>
@@ -1556,8 +4072,8 @@
         </p:nvSpPr>
         <p:spPr>
           <a:xfrm>
-            <a:off x="6172200" y="1825625"/>
-            <a:ext cx="5181600" cy="4351338"/>
+            <a:off x="5089970" y="2160589"/>
+            <a:ext cx="4184034" cy="3880773"/>
           </a:xfrm>
         </p:spPr>
         <p:txBody>
@@ -1597,19 +4113,13 @@
               <a:rPr lang="en-US"/>
               <a:t>Fifth level</a:t>
             </a:r>
-            <a:endParaRPr lang="en-IN"/>
-          </a:p>
-        </p:txBody>
-      </p:sp>
-      <p:sp>
-        <p:nvSpPr>
-          <p:cNvPr id="5" name="Date Placeholder 4">
-            <a:extLst>
-              <a:ext uri="{FF2B5EF4-FFF2-40B4-BE49-F238E27FC236}">
-                <a16:creationId xmlns:a16="http://schemas.microsoft.com/office/drawing/2014/main" id="{6CF045DD-2CCC-210F-05AD-9EB5AA1BE93E}"/>
-              </a:ext>
-            </a:extLst>
-          </p:cNvPr>
+            <a:endParaRPr lang="en-US" dirty="0"/>
+          </a:p>
+        </p:txBody>
+      </p:sp>
+      <p:sp>
+        <p:nvSpPr>
+          <p:cNvPr id="5" name="Date Placeholder 4"/>
           <p:cNvSpPr>
             <a:spLocks noGrp="1"/>
           </p:cNvSpPr>
@@ -1624,7 +4134,7 @@
           <a:p>
             <a:fld id="{EFC2801D-8936-4A22-A189-8766B934E949}" type="datetimeFigureOut">
               <a:rPr lang="en-IN" smtClean="0"/>
-              <a:t>06-07-2023</a:t>
+              <a:t>12-03-2024</a:t>
             </a:fld>
             <a:endParaRPr lang="en-IN"/>
           </a:p>
@@ -1632,13 +4142,7 @@
       </p:sp>
       <p:sp>
         <p:nvSpPr>
-          <p:cNvPr id="6" name="Footer Placeholder 5">
-            <a:extLst>
-              <a:ext uri="{FF2B5EF4-FFF2-40B4-BE49-F238E27FC236}">
-                <a16:creationId xmlns:a16="http://schemas.microsoft.com/office/drawing/2014/main" id="{1E86C018-B3A3-E0E2-1645-C52B9D97E4B0}"/>
-              </a:ext>
-            </a:extLst>
-          </p:cNvPr>
+          <p:cNvPr id="6" name="Footer Placeholder 5"/>
           <p:cNvSpPr>
             <a:spLocks noGrp="1"/>
           </p:cNvSpPr>
@@ -1657,13 +4161,7 @@
       </p:sp>
       <p:sp>
         <p:nvSpPr>
-          <p:cNvPr id="7" name="Slide Number Placeholder 6">
-            <a:extLst>
-              <a:ext uri="{FF2B5EF4-FFF2-40B4-BE49-F238E27FC236}">
-                <a16:creationId xmlns:a16="http://schemas.microsoft.com/office/drawing/2014/main" id="{45054AAF-18AB-8945-926F-0FE2BC28B300}"/>
-              </a:ext>
-            </a:extLst>
-          </p:cNvPr>
+          <p:cNvPr id="7" name="Slide Number Placeholder 6"/>
           <p:cNvSpPr>
             <a:spLocks noGrp="1"/>
           </p:cNvSpPr>
@@ -1687,7 +4185,7 @@
     </p:spTree>
     <p:extLst>
       <p:ext uri="{BB962C8B-B14F-4D97-AF65-F5344CB8AC3E}">
-        <p14:creationId xmlns:p14="http://schemas.microsoft.com/office/powerpoint/2010/main" val="2795138879"/>
+        <p14:creationId xmlns:p14="http://schemas.microsoft.com/office/powerpoint/2010/main" val="3146152788"/>
       </p:ext>
     </p:extLst>
   </p:cSld>
@@ -1716,66 +4214,55 @@
       </p:grpSpPr>
       <p:sp>
         <p:nvSpPr>
-          <p:cNvPr id="2" name="Title 1">
-            <a:extLst>
-              <a:ext uri="{FF2B5EF4-FFF2-40B4-BE49-F238E27FC236}">
-                <a16:creationId xmlns:a16="http://schemas.microsoft.com/office/drawing/2014/main" id="{026F6033-A0F0-0A8E-FA9C-6D66C14C4AD9}"/>
-              </a:ext>
-            </a:extLst>
-          </p:cNvPr>
+          <p:cNvPr id="2" name="Title 1"/>
           <p:cNvSpPr>
             <a:spLocks noGrp="1"/>
           </p:cNvSpPr>
           <p:nvPr>
             <p:ph type="title"/>
+          </p:nvPr>
+        </p:nvSpPr>
+        <p:spPr/>
+        <p:txBody>
+          <a:bodyPr/>
+          <a:lstStyle>
+            <a:lvl1pPr>
+              <a:defRPr/>
+            </a:lvl1pPr>
+          </a:lstStyle>
+          <a:p>
+            <a:r>
+              <a:rPr lang="en-US"/>
+              <a:t>Click to edit Master title style</a:t>
+            </a:r>
+            <a:endParaRPr lang="en-US" dirty="0"/>
+          </a:p>
+        </p:txBody>
+      </p:sp>
+      <p:sp>
+        <p:nvSpPr>
+          <p:cNvPr id="3" name="Text Placeholder 2"/>
+          <p:cNvSpPr>
+            <a:spLocks noGrp="1"/>
+          </p:cNvSpPr>
+          <p:nvPr>
+            <p:ph type="body" idx="1"/>
           </p:nvPr>
         </p:nvSpPr>
         <p:spPr>
           <a:xfrm>
-            <a:off x="839788" y="365125"/>
-            <a:ext cx="10515600" cy="1325563"/>
+            <a:off x="675745" y="2160983"/>
+            <a:ext cx="4185623" cy="576262"/>
           </a:xfrm>
         </p:spPr>
         <p:txBody>
-          <a:bodyPr/>
-          <a:lstStyle/>
-          <a:p>
-            <a:r>
-              <a:rPr lang="en-US"/>
-              <a:t>Click to edit Master title style</a:t>
-            </a:r>
-            <a:endParaRPr lang="en-IN"/>
-          </a:p>
-        </p:txBody>
-      </p:sp>
-      <p:sp>
-        <p:nvSpPr>
-          <p:cNvPr id="3" name="Text Placeholder 2">
-            <a:extLst>
-              <a:ext uri="{FF2B5EF4-FFF2-40B4-BE49-F238E27FC236}">
-                <a16:creationId xmlns:a16="http://schemas.microsoft.com/office/drawing/2014/main" id="{3E06A33C-603A-C5AF-E32D-2823E9ADF9EE}"/>
-              </a:ext>
-            </a:extLst>
-          </p:cNvPr>
-          <p:cNvSpPr>
-            <a:spLocks noGrp="1"/>
-          </p:cNvSpPr>
-          <p:nvPr>
-            <p:ph type="body" idx="1"/>
-          </p:nvPr>
-        </p:nvSpPr>
-        <p:spPr>
-          <a:xfrm>
-            <a:off x="839788" y="1681163"/>
-            <a:ext cx="5157787" cy="823912"/>
-          </a:xfrm>
-        </p:spPr>
-        <p:txBody>
-          <a:bodyPr anchor="b"/>
+          <a:bodyPr anchor="b">
+            <a:noAutofit/>
+          </a:bodyPr>
           <a:lstStyle>
             <a:lvl1pPr marL="0" indent="0">
               <a:buNone/>
-              <a:defRPr sz="2400" b="1"/>
+              <a:defRPr sz="2400" b="0"/>
             </a:lvl1pPr>
             <a:lvl2pPr marL="457200" indent="0">
               <a:buNone/>
@@ -1821,13 +4308,7 @@
       </p:sp>
       <p:sp>
         <p:nvSpPr>
-          <p:cNvPr id="4" name="Content Placeholder 3">
-            <a:extLst>
-              <a:ext uri="{FF2B5EF4-FFF2-40B4-BE49-F238E27FC236}">
-                <a16:creationId xmlns:a16="http://schemas.microsoft.com/office/drawing/2014/main" id="{1666F7B4-5BE6-51AF-19CC-5BB284C1F95E}"/>
-              </a:ext>
-            </a:extLst>
-          </p:cNvPr>
+          <p:cNvPr id="4" name="Content Placeholder 3"/>
           <p:cNvSpPr>
             <a:spLocks noGrp="1"/>
           </p:cNvSpPr>
@@ -1837,12 +4318,14 @@
         </p:nvSpPr>
         <p:spPr>
           <a:xfrm>
-            <a:off x="839788" y="2505075"/>
-            <a:ext cx="5157787" cy="3684588"/>
+            <a:off x="675745" y="2737245"/>
+            <a:ext cx="4185623" cy="3304117"/>
           </a:xfrm>
         </p:spPr>
         <p:txBody>
-          <a:bodyPr/>
+          <a:bodyPr>
+            <a:normAutofit/>
+          </a:bodyPr>
           <a:lstStyle/>
           <a:p>
             <a:pPr lvl="0"/>
@@ -1878,19 +4361,13 @@
               <a:rPr lang="en-US"/>
               <a:t>Fifth level</a:t>
             </a:r>
-            <a:endParaRPr lang="en-IN"/>
-          </a:p>
-        </p:txBody>
-      </p:sp>
-      <p:sp>
-        <p:nvSpPr>
-          <p:cNvPr id="5" name="Text Placeholder 4">
-            <a:extLst>
-              <a:ext uri="{FF2B5EF4-FFF2-40B4-BE49-F238E27FC236}">
-                <a16:creationId xmlns:a16="http://schemas.microsoft.com/office/drawing/2014/main" id="{2E77CE6F-693C-81DB-C579-07CE10494DD9}"/>
-              </a:ext>
-            </a:extLst>
-          </p:cNvPr>
+            <a:endParaRPr lang="en-US" dirty="0"/>
+          </a:p>
+        </p:txBody>
+      </p:sp>
+      <p:sp>
+        <p:nvSpPr>
+          <p:cNvPr id="5" name="Text Placeholder 4"/>
           <p:cNvSpPr>
             <a:spLocks noGrp="1"/>
           </p:cNvSpPr>
@@ -1900,16 +4377,18 @@
         </p:nvSpPr>
         <p:spPr>
           <a:xfrm>
-            <a:off x="6172200" y="1681163"/>
-            <a:ext cx="5183188" cy="823912"/>
+            <a:off x="5088383" y="2160983"/>
+            <a:ext cx="4185618" cy="576262"/>
           </a:xfrm>
         </p:spPr>
         <p:txBody>
-          <a:bodyPr anchor="b"/>
+          <a:bodyPr anchor="b">
+            <a:noAutofit/>
+          </a:bodyPr>
           <a:lstStyle>
             <a:lvl1pPr marL="0" indent="0">
               <a:buNone/>
-              <a:defRPr sz="2400" b="1"/>
+              <a:defRPr sz="2400" b="0"/>
             </a:lvl1pPr>
             <a:lvl2pPr marL="457200" indent="0">
               <a:buNone/>
@@ -1955,13 +4434,7 @@
       </p:sp>
       <p:sp>
         <p:nvSpPr>
-          <p:cNvPr id="6" name="Content Placeholder 5">
-            <a:extLst>
-              <a:ext uri="{FF2B5EF4-FFF2-40B4-BE49-F238E27FC236}">
-                <a16:creationId xmlns:a16="http://schemas.microsoft.com/office/drawing/2014/main" id="{C07EA76C-C906-C8EE-DD17-60E42803A24C}"/>
-              </a:ext>
-            </a:extLst>
-          </p:cNvPr>
+          <p:cNvPr id="6" name="Content Placeholder 5"/>
           <p:cNvSpPr>
             <a:spLocks noGrp="1"/>
           </p:cNvSpPr>
@@ -1971,65 +4444,84 @@
         </p:nvSpPr>
         <p:spPr>
           <a:xfrm>
-            <a:off x="6172200" y="2505075"/>
-            <a:ext cx="5183188" cy="3684588"/>
+            <a:off x="5088384" y="2737245"/>
+            <a:ext cx="4185617" cy="3304117"/>
           </a:xfrm>
         </p:spPr>
         <p:txBody>
+          <a:bodyPr>
+            <a:normAutofit/>
+          </a:bodyPr>
+          <a:lstStyle/>
+          <a:p>
+            <a:pPr lvl="0"/>
+            <a:r>
+              <a:rPr lang="en-US"/>
+              <a:t>Click to edit Master text styles</a:t>
+            </a:r>
+          </a:p>
+          <a:p>
+            <a:pPr lvl="1"/>
+            <a:r>
+              <a:rPr lang="en-US"/>
+              <a:t>Second level</a:t>
+            </a:r>
+          </a:p>
+          <a:p>
+            <a:pPr lvl="2"/>
+            <a:r>
+              <a:rPr lang="en-US"/>
+              <a:t>Third level</a:t>
+            </a:r>
+          </a:p>
+          <a:p>
+            <a:pPr lvl="3"/>
+            <a:r>
+              <a:rPr lang="en-US"/>
+              <a:t>Fourth level</a:t>
+            </a:r>
+          </a:p>
+          <a:p>
+            <a:pPr lvl="4"/>
+            <a:r>
+              <a:rPr lang="en-US"/>
+              <a:t>Fifth level</a:t>
+            </a:r>
+            <a:endParaRPr lang="en-US" dirty="0"/>
+          </a:p>
+        </p:txBody>
+      </p:sp>
+      <p:sp>
+        <p:nvSpPr>
+          <p:cNvPr id="7" name="Date Placeholder 6"/>
+          <p:cNvSpPr>
+            <a:spLocks noGrp="1"/>
+          </p:cNvSpPr>
+          <p:nvPr>
+            <p:ph type="dt" sz="half" idx="10"/>
+          </p:nvPr>
+        </p:nvSpPr>
+        <p:spPr/>
+        <p:txBody>
           <a:bodyPr/>
           <a:lstStyle/>
           <a:p>
-            <a:pPr lvl="0"/>
-            <a:r>
-              <a:rPr lang="en-US"/>
-              <a:t>Click to edit Master text styles</a:t>
-            </a:r>
-          </a:p>
-          <a:p>
-            <a:pPr lvl="1"/>
-            <a:r>
-              <a:rPr lang="en-US"/>
-              <a:t>Second level</a:t>
-            </a:r>
-          </a:p>
-          <a:p>
-            <a:pPr lvl="2"/>
-            <a:r>
-              <a:rPr lang="en-US"/>
-              <a:t>Third level</a:t>
-            </a:r>
-          </a:p>
-          <a:p>
-            <a:pPr lvl="3"/>
-            <a:r>
-              <a:rPr lang="en-US"/>
-              <a:t>Fourth level</a:t>
-            </a:r>
-          </a:p>
-          <a:p>
-            <a:pPr lvl="4"/>
-            <a:r>
-              <a:rPr lang="en-US"/>
-              <a:t>Fifth level</a:t>
-            </a:r>
+            <a:fld id="{EFC2801D-8936-4A22-A189-8766B934E949}" type="datetimeFigureOut">
+              <a:rPr lang="en-IN" smtClean="0"/>
+              <a:t>12-03-2024</a:t>
+            </a:fld>
             <a:endParaRPr lang="en-IN"/>
           </a:p>
         </p:txBody>
       </p:sp>
       <p:sp>
         <p:nvSpPr>
-          <p:cNvPr id="7" name="Date Placeholder 6">
-            <a:extLst>
-              <a:ext uri="{FF2B5EF4-FFF2-40B4-BE49-F238E27FC236}">
-                <a16:creationId xmlns:a16="http://schemas.microsoft.com/office/drawing/2014/main" id="{E94A3DF8-4B47-D0B2-F476-073A3D11D518}"/>
-              </a:ext>
-            </a:extLst>
-          </p:cNvPr>
-          <p:cNvSpPr>
-            <a:spLocks noGrp="1"/>
-          </p:cNvSpPr>
-          <p:nvPr>
-            <p:ph type="dt" sz="half" idx="10"/>
+          <p:cNvPr id="8" name="Footer Placeholder 7"/>
+          <p:cNvSpPr>
+            <a:spLocks noGrp="1"/>
+          </p:cNvSpPr>
+          <p:nvPr>
+            <p:ph type="ftr" sz="quarter" idx="11"/>
           </p:nvPr>
         </p:nvSpPr>
         <p:spPr/>
@@ -2037,48 +4529,13 @@
           <a:bodyPr/>
           <a:lstStyle/>
           <a:p>
-            <a:fld id="{EFC2801D-8936-4A22-A189-8766B934E949}" type="datetimeFigureOut">
-              <a:rPr lang="en-IN" smtClean="0"/>
-              <a:t>06-07-2023</a:t>
-            </a:fld>
             <a:endParaRPr lang="en-IN"/>
           </a:p>
         </p:txBody>
       </p:sp>
       <p:sp>
         <p:nvSpPr>
-          <p:cNvPr id="8" name="Footer Placeholder 7">
-            <a:extLst>
-              <a:ext uri="{FF2B5EF4-FFF2-40B4-BE49-F238E27FC236}">
-                <a16:creationId xmlns:a16="http://schemas.microsoft.com/office/drawing/2014/main" id="{9038F492-26BC-0CB2-907D-0AE0DDE465E1}"/>
-              </a:ext>
-            </a:extLst>
-          </p:cNvPr>
-          <p:cNvSpPr>
-            <a:spLocks noGrp="1"/>
-          </p:cNvSpPr>
-          <p:nvPr>
-            <p:ph type="ftr" sz="quarter" idx="11"/>
-          </p:nvPr>
-        </p:nvSpPr>
-        <p:spPr/>
-        <p:txBody>
-          <a:bodyPr/>
-          <a:lstStyle/>
-          <a:p>
-            <a:endParaRPr lang="en-IN"/>
-          </a:p>
-        </p:txBody>
-      </p:sp>
-      <p:sp>
-        <p:nvSpPr>
-          <p:cNvPr id="9" name="Slide Number Placeholder 8">
-            <a:extLst>
-              <a:ext uri="{FF2B5EF4-FFF2-40B4-BE49-F238E27FC236}">
-                <a16:creationId xmlns:a16="http://schemas.microsoft.com/office/drawing/2014/main" id="{C4033A2E-07CF-C955-0D51-DF71B16D2EF4}"/>
-              </a:ext>
-            </a:extLst>
-          </p:cNvPr>
+          <p:cNvPr id="9" name="Slide Number Placeholder 8"/>
           <p:cNvSpPr>
             <a:spLocks noGrp="1"/>
           </p:cNvSpPr>
@@ -2102,7 +4559,7 @@
     </p:spTree>
     <p:extLst>
       <p:ext uri="{BB962C8B-B14F-4D97-AF65-F5344CB8AC3E}">
-        <p14:creationId xmlns:p14="http://schemas.microsoft.com/office/powerpoint/2010/main" val="1523589773"/>
+        <p14:creationId xmlns:p14="http://schemas.microsoft.com/office/powerpoint/2010/main" val="3758897303"/>
       </p:ext>
     </p:extLst>
   </p:cSld>
@@ -2131,13 +4588,7 @@
       </p:grpSpPr>
       <p:sp>
         <p:nvSpPr>
-          <p:cNvPr id="2" name="Title 1">
-            <a:extLst>
-              <a:ext uri="{FF2B5EF4-FFF2-40B4-BE49-F238E27FC236}">
-                <a16:creationId xmlns:a16="http://schemas.microsoft.com/office/drawing/2014/main" id="{0D99A3FC-BFEA-00A3-6DA2-0B1AFB6D3303}"/>
-              </a:ext>
-            </a:extLst>
-          </p:cNvPr>
+          <p:cNvPr id="2" name="Title 1"/>
           <p:cNvSpPr>
             <a:spLocks noGrp="1"/>
           </p:cNvSpPr>
@@ -2145,7 +4596,12 @@
             <p:ph type="title"/>
           </p:nvPr>
         </p:nvSpPr>
-        <p:spPr/>
+        <p:spPr>
+          <a:xfrm>
+            <a:off x="677334" y="609600"/>
+            <a:ext cx="8596668" cy="1320800"/>
+          </a:xfrm>
+        </p:spPr>
         <p:txBody>
           <a:bodyPr/>
           <a:lstStyle/>
@@ -2154,19 +4610,13 @@
               <a:rPr lang="en-US"/>
               <a:t>Click to edit Master title style</a:t>
             </a:r>
-            <a:endParaRPr lang="en-IN"/>
-          </a:p>
-        </p:txBody>
-      </p:sp>
-      <p:sp>
-        <p:nvSpPr>
-          <p:cNvPr id="3" name="Date Placeholder 2">
-            <a:extLst>
-              <a:ext uri="{FF2B5EF4-FFF2-40B4-BE49-F238E27FC236}">
-                <a16:creationId xmlns:a16="http://schemas.microsoft.com/office/drawing/2014/main" id="{F59E6741-E3B7-3912-D000-9323EC6B9541}"/>
-              </a:ext>
-            </a:extLst>
-          </p:cNvPr>
+            <a:endParaRPr lang="en-US" dirty="0"/>
+          </a:p>
+        </p:txBody>
+      </p:sp>
+      <p:sp>
+        <p:nvSpPr>
+          <p:cNvPr id="3" name="Date Placeholder 2"/>
           <p:cNvSpPr>
             <a:spLocks noGrp="1"/>
           </p:cNvSpPr>
@@ -2181,7 +4631,7 @@
           <a:p>
             <a:fld id="{EFC2801D-8936-4A22-A189-8766B934E949}" type="datetimeFigureOut">
               <a:rPr lang="en-IN" smtClean="0"/>
-              <a:t>06-07-2023</a:t>
+              <a:t>12-03-2024</a:t>
             </a:fld>
             <a:endParaRPr lang="en-IN"/>
           </a:p>
@@ -2189,13 +4639,7 @@
       </p:sp>
       <p:sp>
         <p:nvSpPr>
-          <p:cNvPr id="4" name="Footer Placeholder 3">
-            <a:extLst>
-              <a:ext uri="{FF2B5EF4-FFF2-40B4-BE49-F238E27FC236}">
-                <a16:creationId xmlns:a16="http://schemas.microsoft.com/office/drawing/2014/main" id="{CDEE8112-153C-AC80-897E-C3CB30152BCF}"/>
-              </a:ext>
-            </a:extLst>
-          </p:cNvPr>
+          <p:cNvPr id="4" name="Footer Placeholder 3"/>
           <p:cNvSpPr>
             <a:spLocks noGrp="1"/>
           </p:cNvSpPr>
@@ -2214,13 +4658,7 @@
       </p:sp>
       <p:sp>
         <p:nvSpPr>
-          <p:cNvPr id="5" name="Slide Number Placeholder 4">
-            <a:extLst>
-              <a:ext uri="{FF2B5EF4-FFF2-40B4-BE49-F238E27FC236}">
-                <a16:creationId xmlns:a16="http://schemas.microsoft.com/office/drawing/2014/main" id="{D6DF86F6-1238-81FD-8F07-CE5E2CA33083}"/>
-              </a:ext>
-            </a:extLst>
-          </p:cNvPr>
+          <p:cNvPr id="5" name="Slide Number Placeholder 4"/>
           <p:cNvSpPr>
             <a:spLocks noGrp="1"/>
           </p:cNvSpPr>
@@ -2244,7 +4682,7 @@
     </p:spTree>
     <p:extLst>
       <p:ext uri="{BB962C8B-B14F-4D97-AF65-F5344CB8AC3E}">
-        <p14:creationId xmlns:p14="http://schemas.microsoft.com/office/powerpoint/2010/main" val="3198270526"/>
+        <p14:creationId xmlns:p14="http://schemas.microsoft.com/office/powerpoint/2010/main" val="1879479364"/>
       </p:ext>
     </p:extLst>
   </p:cSld>
@@ -2273,13 +4711,7 @@
       </p:grpSpPr>
       <p:sp>
         <p:nvSpPr>
-          <p:cNvPr id="2" name="Date Placeholder 1">
-            <a:extLst>
-              <a:ext uri="{FF2B5EF4-FFF2-40B4-BE49-F238E27FC236}">
-                <a16:creationId xmlns:a16="http://schemas.microsoft.com/office/drawing/2014/main" id="{63AAF093-3913-56A8-7108-EB2BD34B923B}"/>
-              </a:ext>
-            </a:extLst>
-          </p:cNvPr>
+          <p:cNvPr id="2" name="Date Placeholder 1"/>
           <p:cNvSpPr>
             <a:spLocks noGrp="1"/>
           </p:cNvSpPr>
@@ -2294,7 +4726,7 @@
           <a:p>
             <a:fld id="{EFC2801D-8936-4A22-A189-8766B934E949}" type="datetimeFigureOut">
               <a:rPr lang="en-IN" smtClean="0"/>
-              <a:t>06-07-2023</a:t>
+              <a:t>12-03-2024</a:t>
             </a:fld>
             <a:endParaRPr lang="en-IN"/>
           </a:p>
@@ -2302,13 +4734,7 @@
       </p:sp>
       <p:sp>
         <p:nvSpPr>
-          <p:cNvPr id="3" name="Footer Placeholder 2">
-            <a:extLst>
-              <a:ext uri="{FF2B5EF4-FFF2-40B4-BE49-F238E27FC236}">
-                <a16:creationId xmlns:a16="http://schemas.microsoft.com/office/drawing/2014/main" id="{E8EBFE68-2E25-7E4C-712A-328B2F1E74E2}"/>
-              </a:ext>
-            </a:extLst>
-          </p:cNvPr>
+          <p:cNvPr id="3" name="Footer Placeholder 2"/>
           <p:cNvSpPr>
             <a:spLocks noGrp="1"/>
           </p:cNvSpPr>
@@ -2327,13 +4753,7 @@
       </p:sp>
       <p:sp>
         <p:nvSpPr>
-          <p:cNvPr id="4" name="Slide Number Placeholder 3">
-            <a:extLst>
-              <a:ext uri="{FF2B5EF4-FFF2-40B4-BE49-F238E27FC236}">
-                <a16:creationId xmlns:a16="http://schemas.microsoft.com/office/drawing/2014/main" id="{E517109F-6418-3981-21C5-F778BE301072}"/>
-              </a:ext>
-            </a:extLst>
-          </p:cNvPr>
+          <p:cNvPr id="4" name="Slide Number Placeholder 3"/>
           <p:cNvSpPr>
             <a:spLocks noGrp="1"/>
           </p:cNvSpPr>
@@ -2357,7 +4777,7 @@
     </p:spTree>
     <p:extLst>
       <p:ext uri="{BB962C8B-B14F-4D97-AF65-F5344CB8AC3E}">
-        <p14:creationId xmlns:p14="http://schemas.microsoft.com/office/powerpoint/2010/main" val="1499569432"/>
+        <p14:creationId xmlns:p14="http://schemas.microsoft.com/office/powerpoint/2010/main" val="3831830788"/>
       </p:ext>
     </p:extLst>
   </p:cSld>
@@ -2386,13 +4806,7 @@
       </p:grpSpPr>
       <p:sp>
         <p:nvSpPr>
-          <p:cNvPr id="2" name="Title 1">
-            <a:extLst>
-              <a:ext uri="{FF2B5EF4-FFF2-40B4-BE49-F238E27FC236}">
-                <a16:creationId xmlns:a16="http://schemas.microsoft.com/office/drawing/2014/main" id="{39717409-1B53-EFDB-7597-9E96EBC8564A}"/>
-              </a:ext>
-            </a:extLst>
-          </p:cNvPr>
+          <p:cNvPr id="2" name="Title 1"/>
           <p:cNvSpPr>
             <a:spLocks noGrp="1"/>
           </p:cNvSpPr>
@@ -2402,15 +4816,17 @@
         </p:nvSpPr>
         <p:spPr>
           <a:xfrm>
-            <a:off x="839788" y="457200"/>
-            <a:ext cx="3932237" cy="1600200"/>
+            <a:off x="677334" y="1498604"/>
+            <a:ext cx="3854528" cy="1278466"/>
           </a:xfrm>
         </p:spPr>
         <p:txBody>
-          <a:bodyPr anchor="b"/>
+          <a:bodyPr anchor="b">
+            <a:normAutofit/>
+          </a:bodyPr>
           <a:lstStyle>
             <a:lvl1pPr>
-              <a:defRPr sz="3200"/>
+              <a:defRPr sz="2000"/>
             </a:lvl1pPr>
           </a:lstStyle>
           <a:p>
@@ -2418,19 +4834,13 @@
               <a:rPr lang="en-US"/>
               <a:t>Click to edit Master title style</a:t>
             </a:r>
-            <a:endParaRPr lang="en-IN"/>
-          </a:p>
-        </p:txBody>
-      </p:sp>
-      <p:sp>
-        <p:nvSpPr>
-          <p:cNvPr id="3" name="Content Placeholder 2">
-            <a:extLst>
-              <a:ext uri="{FF2B5EF4-FFF2-40B4-BE49-F238E27FC236}">
-                <a16:creationId xmlns:a16="http://schemas.microsoft.com/office/drawing/2014/main" id="{AC15EE8C-4849-50E7-3AD1-C30115A693E0}"/>
-              </a:ext>
-            </a:extLst>
-          </p:cNvPr>
+            <a:endParaRPr lang="en-US" dirty="0"/>
+          </a:p>
+        </p:txBody>
+      </p:sp>
+      <p:sp>
+        <p:nvSpPr>
+          <p:cNvPr id="3" name="Content Placeholder 2"/>
           <p:cNvSpPr>
             <a:spLocks noGrp="1"/>
           </p:cNvSpPr>
@@ -2440,41 +4850,15 @@
         </p:nvSpPr>
         <p:spPr>
           <a:xfrm>
-            <a:off x="5183188" y="987425"/>
-            <a:ext cx="6172200" cy="4873625"/>
+            <a:off x="4760461" y="514924"/>
+            <a:ext cx="4513541" cy="5526437"/>
           </a:xfrm>
         </p:spPr>
         <p:txBody>
-          <a:bodyPr/>
-          <a:lstStyle>
-            <a:lvl1pPr>
-              <a:defRPr sz="3200"/>
-            </a:lvl1pPr>
-            <a:lvl2pPr>
-              <a:defRPr sz="2800"/>
-            </a:lvl2pPr>
-            <a:lvl3pPr>
-              <a:defRPr sz="2400"/>
-            </a:lvl3pPr>
-            <a:lvl4pPr>
-              <a:defRPr sz="2000"/>
-            </a:lvl4pPr>
-            <a:lvl5pPr>
-              <a:defRPr sz="2000"/>
-            </a:lvl5pPr>
-            <a:lvl6pPr>
-              <a:defRPr sz="2000"/>
-            </a:lvl6pPr>
-            <a:lvl7pPr>
-              <a:defRPr sz="2000"/>
-            </a:lvl7pPr>
-            <a:lvl8pPr>
-              <a:defRPr sz="2000"/>
-            </a:lvl8pPr>
-            <a:lvl9pPr>
-              <a:defRPr sz="2000"/>
-            </a:lvl9pPr>
-          </a:lstStyle>
+          <a:bodyPr>
+            <a:normAutofit/>
+          </a:bodyPr>
+          <a:lstStyle/>
           <a:p>
             <a:pPr lvl="0"/>
             <a:r>
@@ -2509,19 +4893,13 @@
               <a:rPr lang="en-US"/>
               <a:t>Fifth level</a:t>
             </a:r>
-            <a:endParaRPr lang="en-IN"/>
-          </a:p>
-        </p:txBody>
-      </p:sp>
-      <p:sp>
-        <p:nvSpPr>
-          <p:cNvPr id="4" name="Text Placeholder 3">
-            <a:extLst>
-              <a:ext uri="{FF2B5EF4-FFF2-40B4-BE49-F238E27FC236}">
-                <a16:creationId xmlns:a16="http://schemas.microsoft.com/office/drawing/2014/main" id="{10212B92-15EE-3C1F-00BC-614B5C6492A5}"/>
-              </a:ext>
-            </a:extLst>
-          </p:cNvPr>
+            <a:endParaRPr lang="en-US" dirty="0"/>
+          </a:p>
+        </p:txBody>
+      </p:sp>
+      <p:sp>
+        <p:nvSpPr>
+          <p:cNvPr id="4" name="Text Placeholder 3"/>
           <p:cNvSpPr>
             <a:spLocks noGrp="1"/>
           </p:cNvSpPr>
@@ -2531,46 +4909,48 @@
         </p:nvSpPr>
         <p:spPr>
           <a:xfrm>
-            <a:off x="839788" y="2057400"/>
-            <a:ext cx="3932237" cy="3811588"/>
+            <a:off x="677334" y="2777069"/>
+            <a:ext cx="3854528" cy="2584449"/>
           </a:xfrm>
         </p:spPr>
         <p:txBody>
-          <a:bodyPr/>
+          <a:bodyPr>
+            <a:normAutofit/>
+          </a:bodyPr>
           <a:lstStyle>
             <a:lvl1pPr marL="0" indent="0">
               <a:buNone/>
-              <a:defRPr sz="1600"/>
+              <a:defRPr sz="1400"/>
             </a:lvl1pPr>
-            <a:lvl2pPr marL="457200" indent="0">
+            <a:lvl2pPr marL="457063" indent="0">
               <a:buNone/>
               <a:defRPr sz="1400"/>
             </a:lvl2pPr>
-            <a:lvl3pPr marL="914400" indent="0">
+            <a:lvl3pPr marL="914126" indent="0">
               <a:buNone/>
               <a:defRPr sz="1200"/>
             </a:lvl3pPr>
-            <a:lvl4pPr marL="1371600" indent="0">
+            <a:lvl4pPr marL="1371189" indent="0">
               <a:buNone/>
               <a:defRPr sz="1000"/>
             </a:lvl4pPr>
-            <a:lvl5pPr marL="1828800" indent="0">
+            <a:lvl5pPr marL="1828251" indent="0">
               <a:buNone/>
               <a:defRPr sz="1000"/>
             </a:lvl5pPr>
-            <a:lvl6pPr marL="2286000" indent="0">
+            <a:lvl6pPr marL="2285314" indent="0">
               <a:buNone/>
               <a:defRPr sz="1000"/>
             </a:lvl6pPr>
-            <a:lvl7pPr marL="2743200" indent="0">
+            <a:lvl7pPr marL="2742377" indent="0">
               <a:buNone/>
               <a:defRPr sz="1000"/>
             </a:lvl7pPr>
-            <a:lvl8pPr marL="3200400" indent="0">
+            <a:lvl8pPr marL="3199440" indent="0">
               <a:buNone/>
               <a:defRPr sz="1000"/>
             </a:lvl8pPr>
-            <a:lvl9pPr marL="3657600" indent="0">
+            <a:lvl9pPr marL="3656503" indent="0">
               <a:buNone/>
               <a:defRPr sz="1000"/>
             </a:lvl9pPr>
@@ -2586,13 +4966,7 @@
       </p:sp>
       <p:sp>
         <p:nvSpPr>
-          <p:cNvPr id="5" name="Date Placeholder 4">
-            <a:extLst>
-              <a:ext uri="{FF2B5EF4-FFF2-40B4-BE49-F238E27FC236}">
-                <a16:creationId xmlns:a16="http://schemas.microsoft.com/office/drawing/2014/main" id="{C53C50B7-F24F-2983-77BD-065E32BC7FD1}"/>
-              </a:ext>
-            </a:extLst>
-          </p:cNvPr>
+          <p:cNvPr id="5" name="Date Placeholder 4"/>
           <p:cNvSpPr>
             <a:spLocks noGrp="1"/>
           </p:cNvSpPr>
@@ -2607,7 +4981,7 @@
           <a:p>
             <a:fld id="{EFC2801D-8936-4A22-A189-8766B934E949}" type="datetimeFigureOut">
               <a:rPr lang="en-IN" smtClean="0"/>
-              <a:t>06-07-2023</a:t>
+              <a:t>12-03-2024</a:t>
             </a:fld>
             <a:endParaRPr lang="en-IN"/>
           </a:p>
@@ -2615,13 +4989,7 @@
       </p:sp>
       <p:sp>
         <p:nvSpPr>
-          <p:cNvPr id="6" name="Footer Placeholder 5">
-            <a:extLst>
-              <a:ext uri="{FF2B5EF4-FFF2-40B4-BE49-F238E27FC236}">
-                <a16:creationId xmlns:a16="http://schemas.microsoft.com/office/drawing/2014/main" id="{F7AB2B0A-5BDE-E96E-E263-5C571EDFDE27}"/>
-              </a:ext>
-            </a:extLst>
-          </p:cNvPr>
+          <p:cNvPr id="6" name="Footer Placeholder 5"/>
           <p:cNvSpPr>
             <a:spLocks noGrp="1"/>
           </p:cNvSpPr>
@@ -2640,13 +5008,7 @@
       </p:sp>
       <p:sp>
         <p:nvSpPr>
-          <p:cNvPr id="7" name="Slide Number Placeholder 6">
-            <a:extLst>
-              <a:ext uri="{FF2B5EF4-FFF2-40B4-BE49-F238E27FC236}">
-                <a16:creationId xmlns:a16="http://schemas.microsoft.com/office/drawing/2014/main" id="{9568A2E7-572B-FC68-9902-20A53A7CFF2A}"/>
-              </a:ext>
-            </a:extLst>
-          </p:cNvPr>
+          <p:cNvPr id="7" name="Slide Number Placeholder 6"/>
           <p:cNvSpPr>
             <a:spLocks noGrp="1"/>
           </p:cNvSpPr>
@@ -2670,7 +5032,7 @@
     </p:spTree>
     <p:extLst>
       <p:ext uri="{BB962C8B-B14F-4D97-AF65-F5344CB8AC3E}">
-        <p14:creationId xmlns:p14="http://schemas.microsoft.com/office/powerpoint/2010/main" val="3041367181"/>
+        <p14:creationId xmlns:p14="http://schemas.microsoft.com/office/powerpoint/2010/main" val="3436910290"/>
       </p:ext>
     </p:extLst>
   </p:cSld>
@@ -2699,13 +5061,7 @@
       </p:grpSpPr>
       <p:sp>
         <p:nvSpPr>
-          <p:cNvPr id="2" name="Title 1">
-            <a:extLst>
-              <a:ext uri="{FF2B5EF4-FFF2-40B4-BE49-F238E27FC236}">
-                <a16:creationId xmlns:a16="http://schemas.microsoft.com/office/drawing/2014/main" id="{5D1C0DFF-0080-CA1E-815F-9657AA5C5B55}"/>
-              </a:ext>
-            </a:extLst>
-          </p:cNvPr>
+          <p:cNvPr id="2" name="Title 1"/>
           <p:cNvSpPr>
             <a:spLocks noGrp="1"/>
           </p:cNvSpPr>
@@ -2715,15 +5071,17 @@
         </p:nvSpPr>
         <p:spPr>
           <a:xfrm>
-            <a:off x="839788" y="457200"/>
-            <a:ext cx="3932237" cy="1600200"/>
+            <a:off x="677334" y="4800600"/>
+            <a:ext cx="8596667" cy="566738"/>
           </a:xfrm>
         </p:spPr>
         <p:txBody>
-          <a:bodyPr anchor="b"/>
+          <a:bodyPr anchor="b">
+            <a:normAutofit/>
+          </a:bodyPr>
           <a:lstStyle>
-            <a:lvl1pPr>
-              <a:defRPr sz="3200"/>
+            <a:lvl1pPr algn="l">
+              <a:defRPr sz="2400" b="0"/>
             </a:lvl1pPr>
           </a:lstStyle>
           <a:p>
@@ -2731,21 +5089,15 @@
               <a:rPr lang="en-US"/>
               <a:t>Click to edit Master title style</a:t>
             </a:r>
-            <a:endParaRPr lang="en-IN"/>
-          </a:p>
-        </p:txBody>
-      </p:sp>
-      <p:sp>
-        <p:nvSpPr>
-          <p:cNvPr id="3" name="Picture Placeholder 2">
-            <a:extLst>
-              <a:ext uri="{FF2B5EF4-FFF2-40B4-BE49-F238E27FC236}">
-                <a16:creationId xmlns:a16="http://schemas.microsoft.com/office/drawing/2014/main" id="{170A7A85-9901-AA27-E61D-D0380F7CCC0D}"/>
-              </a:ext>
-            </a:extLst>
-          </p:cNvPr>
-          <p:cNvSpPr>
-            <a:spLocks noGrp="1"/>
+            <a:endParaRPr lang="en-US" dirty="0"/>
+          </a:p>
+        </p:txBody>
+      </p:sp>
+      <p:sp>
+        <p:nvSpPr>
+          <p:cNvPr id="3" name="Picture Placeholder 2"/>
+          <p:cNvSpPr>
+            <a:spLocks noGrp="1" noChangeAspect="1"/>
           </p:cNvSpPr>
           <p:nvPr>
             <p:ph type="pic" idx="1"/>
@@ -2753,118 +5105,120 @@
         </p:nvSpPr>
         <p:spPr>
           <a:xfrm>
-            <a:off x="5183188" y="987425"/>
-            <a:ext cx="6172200" cy="4873625"/>
+            <a:off x="677334" y="609600"/>
+            <a:ext cx="8596668" cy="3845718"/>
           </a:xfrm>
         </p:spPr>
         <p:txBody>
-          <a:bodyPr/>
+          <a:bodyPr anchor="t">
+            <a:normAutofit/>
+          </a:bodyPr>
           <a:lstStyle>
-            <a:lvl1pPr marL="0" indent="0">
-              <a:buNone/>
-              <a:defRPr sz="3200"/>
-            </a:lvl1pPr>
-            <a:lvl2pPr marL="457200" indent="0">
-              <a:buNone/>
-              <a:defRPr sz="2800"/>
-            </a:lvl2pPr>
-            <a:lvl3pPr marL="914400" indent="0">
-              <a:buNone/>
-              <a:defRPr sz="2400"/>
-            </a:lvl3pPr>
-            <a:lvl4pPr marL="1371600" indent="0">
-              <a:buNone/>
-              <a:defRPr sz="2000"/>
-            </a:lvl4pPr>
-            <a:lvl5pPr marL="1828800" indent="0">
-              <a:buNone/>
-              <a:defRPr sz="2000"/>
-            </a:lvl5pPr>
-            <a:lvl6pPr marL="2286000" indent="0">
-              <a:buNone/>
-              <a:defRPr sz="2000"/>
-            </a:lvl6pPr>
-            <a:lvl7pPr marL="2743200" indent="0">
-              <a:buNone/>
-              <a:defRPr sz="2000"/>
-            </a:lvl7pPr>
-            <a:lvl8pPr marL="3200400" indent="0">
-              <a:buNone/>
-              <a:defRPr sz="2000"/>
-            </a:lvl8pPr>
-            <a:lvl9pPr marL="3657600" indent="0">
-              <a:buNone/>
-              <a:defRPr sz="2000"/>
-            </a:lvl9pPr>
-          </a:lstStyle>
-          <a:p>
-            <a:endParaRPr lang="en-IN"/>
-          </a:p>
-        </p:txBody>
-      </p:sp>
-      <p:sp>
-        <p:nvSpPr>
-          <p:cNvPr id="4" name="Text Placeholder 3">
-            <a:extLst>
-              <a:ext uri="{FF2B5EF4-FFF2-40B4-BE49-F238E27FC236}">
-                <a16:creationId xmlns:a16="http://schemas.microsoft.com/office/drawing/2014/main" id="{D9CB8612-D959-EE67-F372-0A480CEF8A2E}"/>
-              </a:ext>
-            </a:extLst>
-          </p:cNvPr>
-          <p:cNvSpPr>
-            <a:spLocks noGrp="1"/>
-          </p:cNvSpPr>
-          <p:nvPr>
-            <p:ph type="body" sz="half" idx="2"/>
-          </p:nvPr>
-        </p:nvSpPr>
-        <p:spPr>
-          <a:xfrm>
-            <a:off x="839788" y="2057400"/>
-            <a:ext cx="3932237" cy="3811588"/>
-          </a:xfrm>
-        </p:spPr>
-        <p:txBody>
-          <a:bodyPr/>
-          <a:lstStyle>
-            <a:lvl1pPr marL="0" indent="0">
+            <a:lvl1pPr marL="0" indent="0" algn="ctr">
               <a:buNone/>
               <a:defRPr sz="1600"/>
             </a:lvl1pPr>
             <a:lvl2pPr marL="457200" indent="0">
               <a:buNone/>
-              <a:defRPr sz="1400"/>
+              <a:defRPr sz="1600"/>
             </a:lvl2pPr>
             <a:lvl3pPr marL="914400" indent="0">
               <a:buNone/>
-              <a:defRPr sz="1200"/>
+              <a:defRPr sz="1600"/>
             </a:lvl3pPr>
             <a:lvl4pPr marL="1371600" indent="0">
               <a:buNone/>
-              <a:defRPr sz="1000"/>
+              <a:defRPr sz="1600"/>
             </a:lvl4pPr>
             <a:lvl5pPr marL="1828800" indent="0">
               <a:buNone/>
-              <a:defRPr sz="1000"/>
+              <a:defRPr sz="1600"/>
             </a:lvl5pPr>
             <a:lvl6pPr marL="2286000" indent="0">
               <a:buNone/>
-              <a:defRPr sz="1000"/>
+              <a:defRPr sz="1600"/>
             </a:lvl6pPr>
             <a:lvl7pPr marL="2743200" indent="0">
               <a:buNone/>
-              <a:defRPr sz="1000"/>
+              <a:defRPr sz="1600"/>
             </a:lvl7pPr>
             <a:lvl8pPr marL="3200400" indent="0">
               <a:buNone/>
-              <a:defRPr sz="1000"/>
+              <a:defRPr sz="1600"/>
             </a:lvl8pPr>
             <a:lvl9pPr marL="3657600" indent="0">
               <a:buNone/>
-              <a:defRPr sz="1000"/>
+              <a:defRPr sz="1600"/>
             </a:lvl9pPr>
           </a:lstStyle>
           <a:p>
+            <a:r>
+              <a:rPr lang="en-US"/>
+              <a:t>Click icon to add picture</a:t>
+            </a:r>
+            <a:endParaRPr lang="en-US" dirty="0"/>
+          </a:p>
+        </p:txBody>
+      </p:sp>
+      <p:sp>
+        <p:nvSpPr>
+          <p:cNvPr id="4" name="Text Placeholder 3"/>
+          <p:cNvSpPr>
+            <a:spLocks noGrp="1"/>
+          </p:cNvSpPr>
+          <p:nvPr>
+            <p:ph type="body" sz="half" idx="2"/>
+          </p:nvPr>
+        </p:nvSpPr>
+        <p:spPr>
+          <a:xfrm>
+            <a:off x="677334" y="5367338"/>
+            <a:ext cx="8596667" cy="674024"/>
+          </a:xfrm>
+        </p:spPr>
+        <p:txBody>
+          <a:bodyPr>
+            <a:normAutofit/>
+          </a:bodyPr>
+          <a:lstStyle>
+            <a:lvl1pPr marL="0" indent="0">
+              <a:buNone/>
+              <a:defRPr sz="1200"/>
+            </a:lvl1pPr>
+            <a:lvl2pPr marL="457200" indent="0">
+              <a:buNone/>
+              <a:defRPr sz="1200"/>
+            </a:lvl2pPr>
+            <a:lvl3pPr marL="914400" indent="0">
+              <a:buNone/>
+              <a:defRPr sz="1000"/>
+            </a:lvl3pPr>
+            <a:lvl4pPr marL="1371600" indent="0">
+              <a:buNone/>
+              <a:defRPr sz="900"/>
+            </a:lvl4pPr>
+            <a:lvl5pPr marL="1828800" indent="0">
+              <a:buNone/>
+              <a:defRPr sz="900"/>
+            </a:lvl5pPr>
+            <a:lvl6pPr marL="2286000" indent="0">
+              <a:buNone/>
+              <a:defRPr sz="900"/>
+            </a:lvl6pPr>
+            <a:lvl7pPr marL="2743200" indent="0">
+              <a:buNone/>
+              <a:defRPr sz="900"/>
+            </a:lvl7pPr>
+            <a:lvl8pPr marL="3200400" indent="0">
+              <a:buNone/>
+              <a:defRPr sz="900"/>
+            </a:lvl8pPr>
+            <a:lvl9pPr marL="3657600" indent="0">
+              <a:buNone/>
+              <a:defRPr sz="900"/>
+            </a:lvl9pPr>
+          </a:lstStyle>
+          <a:p>
             <a:pPr lvl="0"/>
             <a:r>
               <a:rPr lang="en-US"/>
@@ -2875,18 +5229,12 @@
       </p:sp>
       <p:sp>
         <p:nvSpPr>
-          <p:cNvPr id="5" name="Date Placeholder 4">
-            <a:extLst>
-              <a:ext uri="{FF2B5EF4-FFF2-40B4-BE49-F238E27FC236}">
-                <a16:creationId xmlns:a16="http://schemas.microsoft.com/office/drawing/2014/main" id="{58A1980F-354A-B7D8-B78C-3363057D026D}"/>
-              </a:ext>
-            </a:extLst>
-          </p:cNvPr>
-          <p:cNvSpPr>
-            <a:spLocks noGrp="1"/>
-          </p:cNvSpPr>
-          <p:nvPr>
-            <p:ph type="dt" sz="half" idx="10"/>
+          <p:cNvPr id="6" name="Footer Placeholder 5"/>
+          <p:cNvSpPr>
+            <a:spLocks noGrp="1"/>
+          </p:cNvSpPr>
+          <p:nvPr>
+            <p:ph type="ftr" sz="quarter" idx="11"/>
           </p:nvPr>
         </p:nvSpPr>
         <p:spPr/>
@@ -2894,48 +5242,13 @@
           <a:bodyPr/>
           <a:lstStyle/>
           <a:p>
-            <a:fld id="{EFC2801D-8936-4A22-A189-8766B934E949}" type="datetimeFigureOut">
-              <a:rPr lang="en-IN" smtClean="0"/>
-              <a:t>06-07-2023</a:t>
-            </a:fld>
             <a:endParaRPr lang="en-IN"/>
           </a:p>
         </p:txBody>
       </p:sp>
       <p:sp>
         <p:nvSpPr>
-          <p:cNvPr id="6" name="Footer Placeholder 5">
-            <a:extLst>
-              <a:ext uri="{FF2B5EF4-FFF2-40B4-BE49-F238E27FC236}">
-                <a16:creationId xmlns:a16="http://schemas.microsoft.com/office/drawing/2014/main" id="{8C2E2C01-8BC5-4CDC-406D-D9E1E772495A}"/>
-              </a:ext>
-            </a:extLst>
-          </p:cNvPr>
-          <p:cNvSpPr>
-            <a:spLocks noGrp="1"/>
-          </p:cNvSpPr>
-          <p:nvPr>
-            <p:ph type="ftr" sz="quarter" idx="11"/>
-          </p:nvPr>
-        </p:nvSpPr>
-        <p:spPr/>
-        <p:txBody>
-          <a:bodyPr/>
-          <a:lstStyle/>
-          <a:p>
-            <a:endParaRPr lang="en-IN"/>
-          </a:p>
-        </p:txBody>
-      </p:sp>
-      <p:sp>
-        <p:nvSpPr>
-          <p:cNvPr id="7" name="Slide Number Placeholder 6">
-            <a:extLst>
-              <a:ext uri="{FF2B5EF4-FFF2-40B4-BE49-F238E27FC236}">
-                <a16:creationId xmlns:a16="http://schemas.microsoft.com/office/drawing/2014/main" id="{201B4006-99A6-1A5B-9F96-6CA1FC6EEF0E}"/>
-              </a:ext>
-            </a:extLst>
-          </p:cNvPr>
+          <p:cNvPr id="7" name="Slide Number Placeholder 6"/>
           <p:cNvSpPr>
             <a:spLocks noGrp="1"/>
           </p:cNvSpPr>
@@ -2956,10 +5269,33 @@
           </a:p>
         </p:txBody>
       </p:sp>
+      <p:sp>
+        <p:nvSpPr>
+          <p:cNvPr id="5" name="Date Placeholder 4"/>
+          <p:cNvSpPr>
+            <a:spLocks noGrp="1"/>
+          </p:cNvSpPr>
+          <p:nvPr>
+            <p:ph type="dt" sz="half" idx="10"/>
+          </p:nvPr>
+        </p:nvSpPr>
+        <p:spPr/>
+        <p:txBody>
+          <a:bodyPr/>
+          <a:lstStyle/>
+          <a:p>
+            <a:fld id="{EFC2801D-8936-4A22-A189-8766B934E949}" type="datetimeFigureOut">
+              <a:rPr lang="en-IN" smtClean="0"/>
+              <a:t>12-03-2024</a:t>
+            </a:fld>
+            <a:endParaRPr lang="en-IN"/>
+          </a:p>
+        </p:txBody>
+      </p:sp>
     </p:spTree>
     <p:extLst>
       <p:ext uri="{BB962C8B-B14F-4D97-AF65-F5344CB8AC3E}">
-        <p14:creationId xmlns:p14="http://schemas.microsoft.com/office/powerpoint/2010/main" val="848363050"/>
+        <p14:creationId xmlns:p14="http://schemas.microsoft.com/office/powerpoint/2010/main" val="4144187136"/>
       </p:ext>
     </p:extLst>
   </p:cSld>
@@ -2991,15 +5327,540 @@
           <a:chExt cx="0" cy="0"/>
         </a:xfrm>
       </p:grpSpPr>
-      <p:sp>
-        <p:nvSpPr>
-          <p:cNvPr id="2" name="Title Placeholder 1">
-            <a:extLst>
-              <a:ext uri="{FF2B5EF4-FFF2-40B4-BE49-F238E27FC236}">
-                <a16:creationId xmlns:a16="http://schemas.microsoft.com/office/drawing/2014/main" id="{1535E7B9-C666-28C7-83C9-6863E926654A}"/>
-              </a:ext>
-            </a:extLst>
-          </p:cNvPr>
+      <p:grpSp>
+        <p:nvGrpSpPr>
+          <p:cNvPr id="44" name="Group 43"/>
+          <p:cNvGrpSpPr/>
+          <p:nvPr/>
+        </p:nvGrpSpPr>
+        <p:grpSpPr>
+          <a:xfrm>
+            <a:off x="0" y="-8467"/>
+            <a:ext cx="12192000" cy="6866467"/>
+            <a:chOff x="0" y="-8467"/>
+            <a:chExt cx="12192000" cy="6866467"/>
+          </a:xfrm>
+        </p:grpSpPr>
+        <p:cxnSp>
+          <p:nvCxnSpPr>
+            <p:cNvPr id="20" name="Straight Connector 19"/>
+            <p:cNvCxnSpPr/>
+            <p:nvPr/>
+          </p:nvCxnSpPr>
+          <p:spPr>
+            <a:xfrm>
+              <a:off x="9371012" y="0"/>
+              <a:ext cx="1219200" cy="6858000"/>
+            </a:xfrm>
+            <a:prstGeom prst="line">
+              <a:avLst/>
+            </a:prstGeom>
+            <a:ln w="9525">
+              <a:solidFill>
+                <a:schemeClr val="accent1">
+                  <a:alpha val="70000"/>
+                </a:schemeClr>
+              </a:solidFill>
+            </a:ln>
+          </p:spPr>
+          <p:style>
+            <a:lnRef idx="2">
+              <a:schemeClr val="accent1"/>
+            </a:lnRef>
+            <a:fillRef idx="0">
+              <a:schemeClr val="accent1"/>
+            </a:fillRef>
+            <a:effectRef idx="1">
+              <a:schemeClr val="accent1"/>
+            </a:effectRef>
+            <a:fontRef idx="minor">
+              <a:schemeClr val="tx1"/>
+            </a:fontRef>
+          </p:style>
+        </p:cxnSp>
+        <p:cxnSp>
+          <p:nvCxnSpPr>
+            <p:cNvPr id="21" name="Straight Connector 20"/>
+            <p:cNvCxnSpPr/>
+            <p:nvPr/>
+          </p:nvCxnSpPr>
+          <p:spPr>
+            <a:xfrm flipH="1">
+              <a:off x="7425267" y="3681413"/>
+              <a:ext cx="4763558" cy="3176587"/>
+            </a:xfrm>
+            <a:prstGeom prst="line">
+              <a:avLst/>
+            </a:prstGeom>
+            <a:ln w="9525">
+              <a:solidFill>
+                <a:schemeClr val="accent1">
+                  <a:alpha val="70000"/>
+                </a:schemeClr>
+              </a:solidFill>
+            </a:ln>
+          </p:spPr>
+          <p:style>
+            <a:lnRef idx="2">
+              <a:schemeClr val="accent1"/>
+            </a:lnRef>
+            <a:fillRef idx="0">
+              <a:schemeClr val="accent1"/>
+            </a:fillRef>
+            <a:effectRef idx="1">
+              <a:schemeClr val="accent1"/>
+            </a:effectRef>
+            <a:fontRef idx="minor">
+              <a:schemeClr val="tx1"/>
+            </a:fontRef>
+          </p:style>
+        </p:cxnSp>
+        <p:sp>
+          <p:nvSpPr>
+            <p:cNvPr id="22" name="Rectangle 23"/>
+            <p:cNvSpPr/>
+            <p:nvPr/>
+          </p:nvSpPr>
+          <p:spPr>
+            <a:xfrm>
+              <a:off x="9181476" y="-8467"/>
+              <a:ext cx="3007349" cy="6866467"/>
+            </a:xfrm>
+            <a:custGeom>
+              <a:avLst/>
+              <a:gdLst/>
+              <a:ahLst/>
+              <a:cxnLst/>
+              <a:rect l="l" t="t" r="r" b="b"/>
+              <a:pathLst>
+                <a:path w="3007349" h="6866467">
+                  <a:moveTo>
+                    <a:pt x="2045532" y="0"/>
+                  </a:moveTo>
+                  <a:lnTo>
+                    <a:pt x="3007349" y="0"/>
+                  </a:lnTo>
+                  <a:lnTo>
+                    <a:pt x="3007349" y="6866467"/>
+                  </a:lnTo>
+                  <a:lnTo>
+                    <a:pt x="0" y="6866467"/>
+                  </a:lnTo>
+                  <a:lnTo>
+                    <a:pt x="2045532" y="0"/>
+                  </a:lnTo>
+                  <a:close/>
+                </a:path>
+              </a:pathLst>
+            </a:custGeom>
+            <a:solidFill>
+              <a:schemeClr val="accent1">
+                <a:alpha val="36000"/>
+              </a:schemeClr>
+            </a:solidFill>
+            <a:ln>
+              <a:noFill/>
+            </a:ln>
+            <a:effectLst/>
+          </p:spPr>
+          <p:style>
+            <a:lnRef idx="1">
+              <a:schemeClr val="accent1"/>
+            </a:lnRef>
+            <a:fillRef idx="3">
+              <a:schemeClr val="accent1"/>
+            </a:fillRef>
+            <a:effectRef idx="2">
+              <a:schemeClr val="accent1"/>
+            </a:effectRef>
+            <a:fontRef idx="minor">
+              <a:schemeClr val="lt1"/>
+            </a:fontRef>
+          </p:style>
+        </p:sp>
+        <p:sp>
+          <p:nvSpPr>
+            <p:cNvPr id="23" name="Rectangle 25"/>
+            <p:cNvSpPr/>
+            <p:nvPr/>
+          </p:nvSpPr>
+          <p:spPr>
+            <a:xfrm>
+              <a:off x="9603442" y="-8467"/>
+              <a:ext cx="2588558" cy="6866467"/>
+            </a:xfrm>
+            <a:custGeom>
+              <a:avLst/>
+              <a:gdLst/>
+              <a:ahLst/>
+              <a:cxnLst/>
+              <a:rect l="l" t="t" r="r" b="b"/>
+              <a:pathLst>
+                <a:path w="2573311" h="6866467">
+                  <a:moveTo>
+                    <a:pt x="0" y="0"/>
+                  </a:moveTo>
+                  <a:lnTo>
+                    <a:pt x="2573311" y="0"/>
+                  </a:lnTo>
+                  <a:lnTo>
+                    <a:pt x="2573311" y="6866467"/>
+                  </a:lnTo>
+                  <a:lnTo>
+                    <a:pt x="1202336" y="6866467"/>
+                  </a:lnTo>
+                  <a:lnTo>
+                    <a:pt x="0" y="0"/>
+                  </a:lnTo>
+                  <a:close/>
+                </a:path>
+              </a:pathLst>
+            </a:custGeom>
+            <a:solidFill>
+              <a:schemeClr val="accent1">
+                <a:alpha val="20000"/>
+              </a:schemeClr>
+            </a:solidFill>
+            <a:ln>
+              <a:noFill/>
+            </a:ln>
+            <a:effectLst/>
+          </p:spPr>
+          <p:style>
+            <a:lnRef idx="1">
+              <a:schemeClr val="accent1"/>
+            </a:lnRef>
+            <a:fillRef idx="3">
+              <a:schemeClr val="accent1"/>
+            </a:fillRef>
+            <a:effectRef idx="2">
+              <a:schemeClr val="accent1"/>
+            </a:effectRef>
+            <a:fontRef idx="minor">
+              <a:schemeClr val="lt1"/>
+            </a:fontRef>
+          </p:style>
+        </p:sp>
+        <p:sp>
+          <p:nvSpPr>
+            <p:cNvPr id="24" name="Isosceles Triangle 23"/>
+            <p:cNvSpPr/>
+            <p:nvPr/>
+          </p:nvSpPr>
+          <p:spPr>
+            <a:xfrm>
+              <a:off x="8932333" y="3048000"/>
+              <a:ext cx="3259667" cy="3810000"/>
+            </a:xfrm>
+            <a:prstGeom prst="triangle">
+              <a:avLst>
+                <a:gd name="adj" fmla="val 100000"/>
+              </a:avLst>
+            </a:prstGeom>
+            <a:solidFill>
+              <a:schemeClr val="accent1">
+                <a:lumMod val="75000"/>
+                <a:alpha val="66000"/>
+              </a:schemeClr>
+            </a:solidFill>
+            <a:ln>
+              <a:noFill/>
+            </a:ln>
+            <a:effectLst/>
+          </p:spPr>
+          <p:style>
+            <a:lnRef idx="1">
+              <a:schemeClr val="accent1"/>
+            </a:lnRef>
+            <a:fillRef idx="3">
+              <a:schemeClr val="accent1"/>
+            </a:fillRef>
+            <a:effectRef idx="2">
+              <a:schemeClr val="accent1"/>
+            </a:effectRef>
+            <a:fontRef idx="minor">
+              <a:schemeClr val="lt1"/>
+            </a:fontRef>
+          </p:style>
+        </p:sp>
+        <p:sp>
+          <p:nvSpPr>
+            <p:cNvPr id="25" name="Rectangle 27"/>
+            <p:cNvSpPr/>
+            <p:nvPr/>
+          </p:nvSpPr>
+          <p:spPr>
+            <a:xfrm>
+              <a:off x="9334500" y="-8467"/>
+              <a:ext cx="2854326" cy="6866467"/>
+            </a:xfrm>
+            <a:custGeom>
+              <a:avLst/>
+              <a:gdLst/>
+              <a:ahLst/>
+              <a:cxnLst/>
+              <a:rect l="l" t="t" r="r" b="b"/>
+              <a:pathLst>
+                <a:path w="2858013" h="6866467">
+                  <a:moveTo>
+                    <a:pt x="0" y="0"/>
+                  </a:moveTo>
+                  <a:lnTo>
+                    <a:pt x="2858013" y="0"/>
+                  </a:lnTo>
+                  <a:lnTo>
+                    <a:pt x="2858013" y="6866467"/>
+                  </a:lnTo>
+                  <a:lnTo>
+                    <a:pt x="2473942" y="6866467"/>
+                  </a:lnTo>
+                  <a:lnTo>
+                    <a:pt x="0" y="0"/>
+                  </a:lnTo>
+                  <a:close/>
+                </a:path>
+              </a:pathLst>
+            </a:custGeom>
+            <a:solidFill>
+              <a:schemeClr val="accent1">
+                <a:lumMod val="75000"/>
+                <a:alpha val="50000"/>
+              </a:schemeClr>
+            </a:solidFill>
+            <a:ln>
+              <a:noFill/>
+            </a:ln>
+            <a:effectLst/>
+          </p:spPr>
+          <p:style>
+            <a:lnRef idx="1">
+              <a:schemeClr val="accent1"/>
+            </a:lnRef>
+            <a:fillRef idx="3">
+              <a:schemeClr val="accent1"/>
+            </a:fillRef>
+            <a:effectRef idx="2">
+              <a:schemeClr val="accent1"/>
+            </a:effectRef>
+            <a:fontRef idx="minor">
+              <a:schemeClr val="lt1"/>
+            </a:fontRef>
+          </p:style>
+        </p:sp>
+        <p:sp>
+          <p:nvSpPr>
+            <p:cNvPr id="26" name="Rectangle 28"/>
+            <p:cNvSpPr/>
+            <p:nvPr/>
+          </p:nvSpPr>
+          <p:spPr>
+            <a:xfrm>
+              <a:off x="10898730" y="-8467"/>
+              <a:ext cx="1290094" cy="6866467"/>
+            </a:xfrm>
+            <a:custGeom>
+              <a:avLst/>
+              <a:gdLst/>
+              <a:ahLst/>
+              <a:cxnLst/>
+              <a:rect l="l" t="t" r="r" b="b"/>
+              <a:pathLst>
+                <a:path w="1290094" h="6858000">
+                  <a:moveTo>
+                    <a:pt x="1019735" y="0"/>
+                  </a:moveTo>
+                  <a:lnTo>
+                    <a:pt x="1290094" y="0"/>
+                  </a:lnTo>
+                  <a:lnTo>
+                    <a:pt x="1290094" y="6858000"/>
+                  </a:lnTo>
+                  <a:lnTo>
+                    <a:pt x="0" y="6858000"/>
+                  </a:lnTo>
+                  <a:lnTo>
+                    <a:pt x="1019735" y="0"/>
+                  </a:lnTo>
+                  <a:close/>
+                </a:path>
+              </a:pathLst>
+            </a:custGeom>
+            <a:solidFill>
+              <a:schemeClr val="accent2">
+                <a:alpha val="70000"/>
+              </a:schemeClr>
+            </a:solidFill>
+            <a:ln>
+              <a:noFill/>
+            </a:ln>
+            <a:effectLst/>
+          </p:spPr>
+          <p:style>
+            <a:lnRef idx="1">
+              <a:schemeClr val="accent1"/>
+            </a:lnRef>
+            <a:fillRef idx="3">
+              <a:schemeClr val="accent1"/>
+            </a:fillRef>
+            <a:effectRef idx="2">
+              <a:schemeClr val="accent1"/>
+            </a:effectRef>
+            <a:fontRef idx="minor">
+              <a:schemeClr val="lt1"/>
+            </a:fontRef>
+          </p:style>
+        </p:sp>
+        <p:sp>
+          <p:nvSpPr>
+            <p:cNvPr id="27" name="Rectangle 29"/>
+            <p:cNvSpPr/>
+            <p:nvPr/>
+          </p:nvSpPr>
+          <p:spPr>
+            <a:xfrm>
+              <a:off x="10938999" y="-8467"/>
+              <a:ext cx="1249825" cy="6866467"/>
+            </a:xfrm>
+            <a:custGeom>
+              <a:avLst/>
+              <a:gdLst/>
+              <a:ahLst/>
+              <a:cxnLst/>
+              <a:rect l="l" t="t" r="r" b="b"/>
+              <a:pathLst>
+                <a:path w="1249825" h="6858000">
+                  <a:moveTo>
+                    <a:pt x="0" y="0"/>
+                  </a:moveTo>
+                  <a:lnTo>
+                    <a:pt x="1249825" y="0"/>
+                  </a:lnTo>
+                  <a:lnTo>
+                    <a:pt x="1249825" y="6858000"/>
+                  </a:lnTo>
+                  <a:lnTo>
+                    <a:pt x="1109382" y="6858000"/>
+                  </a:lnTo>
+                  <a:lnTo>
+                    <a:pt x="0" y="0"/>
+                  </a:lnTo>
+                  <a:close/>
+                </a:path>
+              </a:pathLst>
+            </a:custGeom>
+            <a:solidFill>
+              <a:schemeClr val="accent2">
+                <a:lumMod val="75000"/>
+                <a:alpha val="80000"/>
+              </a:schemeClr>
+            </a:solidFill>
+            <a:ln>
+              <a:noFill/>
+            </a:ln>
+            <a:effectLst/>
+          </p:spPr>
+          <p:style>
+            <a:lnRef idx="1">
+              <a:schemeClr val="accent1"/>
+            </a:lnRef>
+            <a:fillRef idx="3">
+              <a:schemeClr val="accent1"/>
+            </a:fillRef>
+            <a:effectRef idx="2">
+              <a:schemeClr val="accent1"/>
+            </a:effectRef>
+            <a:fontRef idx="minor">
+              <a:schemeClr val="lt1"/>
+            </a:fontRef>
+          </p:style>
+        </p:sp>
+        <p:sp>
+          <p:nvSpPr>
+            <p:cNvPr id="28" name="Isosceles Triangle 27"/>
+            <p:cNvSpPr/>
+            <p:nvPr/>
+          </p:nvSpPr>
+          <p:spPr>
+            <a:xfrm>
+              <a:off x="10371666" y="3589867"/>
+              <a:ext cx="1817159" cy="3268133"/>
+            </a:xfrm>
+            <a:prstGeom prst="triangle">
+              <a:avLst>
+                <a:gd name="adj" fmla="val 100000"/>
+              </a:avLst>
+            </a:prstGeom>
+            <a:solidFill>
+              <a:schemeClr val="accent1">
+                <a:lumMod val="75000"/>
+                <a:alpha val="66000"/>
+              </a:schemeClr>
+            </a:solidFill>
+            <a:ln>
+              <a:noFill/>
+            </a:ln>
+            <a:effectLst/>
+          </p:spPr>
+          <p:style>
+            <a:lnRef idx="1">
+              <a:schemeClr val="accent1"/>
+            </a:lnRef>
+            <a:fillRef idx="3">
+              <a:schemeClr val="accent1"/>
+            </a:fillRef>
+            <a:effectRef idx="2">
+              <a:schemeClr val="accent1"/>
+            </a:effectRef>
+            <a:fontRef idx="minor">
+              <a:schemeClr val="lt1"/>
+            </a:fontRef>
+          </p:style>
+        </p:sp>
+        <p:sp>
+          <p:nvSpPr>
+            <p:cNvPr id="19" name="Isosceles Triangle 18"/>
+            <p:cNvSpPr/>
+            <p:nvPr/>
+          </p:nvSpPr>
+          <p:spPr>
+            <a:xfrm>
+              <a:off x="0" y="4013200"/>
+              <a:ext cx="448733" cy="2844800"/>
+            </a:xfrm>
+            <a:prstGeom prst="triangle">
+              <a:avLst>
+                <a:gd name="adj" fmla="val 0"/>
+              </a:avLst>
+            </a:prstGeom>
+            <a:solidFill>
+              <a:schemeClr val="accent1">
+                <a:alpha val="70000"/>
+              </a:schemeClr>
+            </a:solidFill>
+            <a:ln>
+              <a:noFill/>
+            </a:ln>
+            <a:effectLst/>
+          </p:spPr>
+          <p:style>
+            <a:lnRef idx="1">
+              <a:schemeClr val="accent1"/>
+            </a:lnRef>
+            <a:fillRef idx="3">
+              <a:schemeClr val="accent1"/>
+            </a:fillRef>
+            <a:effectRef idx="2">
+              <a:schemeClr val="accent1"/>
+            </a:effectRef>
+            <a:fontRef idx="minor">
+              <a:schemeClr val="lt1"/>
+            </a:fontRef>
+          </p:style>
+        </p:sp>
+      </p:grpSp>
+      <p:sp>
+        <p:nvSpPr>
+          <p:cNvPr id="2" name="Title Placeholder 1"/>
           <p:cNvSpPr>
             <a:spLocks noGrp="1"/>
           </p:cNvSpPr>
@@ -3009,15 +5870,15 @@
         </p:nvSpPr>
         <p:spPr>
           <a:xfrm>
-            <a:off x="838200" y="365125"/>
-            <a:ext cx="10515600" cy="1325563"/>
+            <a:off x="677334" y="609600"/>
+            <a:ext cx="8596668" cy="1320800"/>
           </a:xfrm>
           <a:prstGeom prst="rect">
             <a:avLst/>
           </a:prstGeom>
         </p:spPr>
         <p:txBody>
-          <a:bodyPr vert="horz" lIns="91440" tIns="45720" rIns="91440" bIns="45720" rtlCol="0" anchor="ctr">
+          <a:bodyPr vert="horz" lIns="91440" tIns="45720" rIns="91440" bIns="45720" rtlCol="0" anchor="t">
             <a:normAutofit/>
           </a:bodyPr>
           <a:lstStyle/>
@@ -3026,19 +5887,13 @@
               <a:rPr lang="en-US"/>
               <a:t>Click to edit Master title style</a:t>
             </a:r>
-            <a:endParaRPr lang="en-IN"/>
-          </a:p>
-        </p:txBody>
-      </p:sp>
-      <p:sp>
-        <p:nvSpPr>
-          <p:cNvPr id="3" name="Text Placeholder 2">
-            <a:extLst>
-              <a:ext uri="{FF2B5EF4-FFF2-40B4-BE49-F238E27FC236}">
-                <a16:creationId xmlns:a16="http://schemas.microsoft.com/office/drawing/2014/main" id="{4E9F8D0C-4924-BE49-99C4-96A7AE426447}"/>
-              </a:ext>
-            </a:extLst>
-          </p:cNvPr>
+            <a:endParaRPr lang="en-US" dirty="0"/>
+          </a:p>
+        </p:txBody>
+      </p:sp>
+      <p:sp>
+        <p:nvSpPr>
+          <p:cNvPr id="3" name="Text Placeholder 2"/>
           <p:cNvSpPr>
             <a:spLocks noGrp="1"/>
           </p:cNvSpPr>
@@ -3048,8 +5903,8 @@
         </p:nvSpPr>
         <p:spPr>
           <a:xfrm>
-            <a:off x="838200" y="1825625"/>
-            <a:ext cx="10515600" cy="4351338"/>
+            <a:off x="677334" y="2160589"/>
+            <a:ext cx="8596668" cy="3880773"/>
           </a:xfrm>
           <a:prstGeom prst="rect">
             <a:avLst/>
@@ -3094,19 +5949,13 @@
               <a:rPr lang="en-US"/>
               <a:t>Fifth level</a:t>
             </a:r>
-            <a:endParaRPr lang="en-IN"/>
-          </a:p>
-        </p:txBody>
-      </p:sp>
-      <p:sp>
-        <p:nvSpPr>
-          <p:cNvPr id="4" name="Date Placeholder 3">
-            <a:extLst>
-              <a:ext uri="{FF2B5EF4-FFF2-40B4-BE49-F238E27FC236}">
-                <a16:creationId xmlns:a16="http://schemas.microsoft.com/office/drawing/2014/main" id="{9FFA5055-4D08-50E0-8457-CE031F740123}"/>
-              </a:ext>
-            </a:extLst>
-          </p:cNvPr>
+            <a:endParaRPr lang="en-US" dirty="0"/>
+          </a:p>
+        </p:txBody>
+      </p:sp>
+      <p:sp>
+        <p:nvSpPr>
+          <p:cNvPr id="4" name="Date Placeholder 3"/>
           <p:cNvSpPr>
             <a:spLocks noGrp="1"/>
           </p:cNvSpPr>
@@ -3116,8 +5965,8 @@
         </p:nvSpPr>
         <p:spPr>
           <a:xfrm>
-            <a:off x="838200" y="6356350"/>
-            <a:ext cx="2743200" cy="365125"/>
+            <a:off x="7205133" y="6041362"/>
+            <a:ext cx="911939" cy="365125"/>
           </a:xfrm>
           <a:prstGeom prst="rect">
             <a:avLst/>
@@ -3126,8 +5975,8 @@
         <p:txBody>
           <a:bodyPr vert="horz" lIns="91440" tIns="45720" rIns="91440" bIns="45720" rtlCol="0" anchor="ctr"/>
           <a:lstStyle>
-            <a:lvl1pPr algn="l">
-              <a:defRPr sz="1200">
+            <a:lvl1pPr algn="r">
+              <a:defRPr sz="900">
                 <a:solidFill>
                   <a:schemeClr val="tx1">
                     <a:tint val="75000"/>
@@ -3139,7 +5988,7 @@
           <a:p>
             <a:fld id="{EFC2801D-8936-4A22-A189-8766B934E949}" type="datetimeFigureOut">
               <a:rPr lang="en-IN" smtClean="0"/>
-              <a:t>06-07-2023</a:t>
+              <a:t>12-03-2024</a:t>
             </a:fld>
             <a:endParaRPr lang="en-IN"/>
           </a:p>
@@ -3147,13 +5996,7 @@
       </p:sp>
       <p:sp>
         <p:nvSpPr>
-          <p:cNvPr id="5" name="Footer Placeholder 4">
-            <a:extLst>
-              <a:ext uri="{FF2B5EF4-FFF2-40B4-BE49-F238E27FC236}">
-                <a16:creationId xmlns:a16="http://schemas.microsoft.com/office/drawing/2014/main" id="{1DB954CD-0826-C491-202E-2C7454A42519}"/>
-              </a:ext>
-            </a:extLst>
-          </p:cNvPr>
+          <p:cNvPr id="5" name="Footer Placeholder 4"/>
           <p:cNvSpPr>
             <a:spLocks noGrp="1"/>
           </p:cNvSpPr>
@@ -3163,8 +6006,8 @@
         </p:nvSpPr>
         <p:spPr>
           <a:xfrm>
-            <a:off x="4038600" y="6356350"/>
-            <a:ext cx="4114800" cy="365125"/>
+            <a:off x="677334" y="6041362"/>
+            <a:ext cx="6297612" cy="365125"/>
           </a:xfrm>
           <a:prstGeom prst="rect">
             <a:avLst/>
@@ -3173,8 +6016,8 @@
         <p:txBody>
           <a:bodyPr vert="horz" lIns="91440" tIns="45720" rIns="91440" bIns="45720" rtlCol="0" anchor="ctr"/>
           <a:lstStyle>
-            <a:lvl1pPr algn="ctr">
-              <a:defRPr sz="1200">
+            <a:lvl1pPr algn="l">
+              <a:defRPr sz="900">
                 <a:solidFill>
                   <a:schemeClr val="tx1">
                     <a:tint val="75000"/>
@@ -3190,13 +6033,7 @@
       </p:sp>
       <p:sp>
         <p:nvSpPr>
-          <p:cNvPr id="6" name="Slide Number Placeholder 5">
-            <a:extLst>
-              <a:ext uri="{FF2B5EF4-FFF2-40B4-BE49-F238E27FC236}">
-                <a16:creationId xmlns:a16="http://schemas.microsoft.com/office/drawing/2014/main" id="{FC7C6C72-B3A0-4004-7AA7-8C6F1CEEEC38}"/>
-              </a:ext>
-            </a:extLst>
-          </p:cNvPr>
+          <p:cNvPr id="6" name="Slide Number Placeholder 5"/>
           <p:cNvSpPr>
             <a:spLocks noGrp="1"/>
           </p:cNvSpPr>
@@ -3206,8 +6043,8 @@
         </p:nvSpPr>
         <p:spPr>
           <a:xfrm>
-            <a:off x="8610600" y="6356350"/>
-            <a:ext cx="2743200" cy="365125"/>
+            <a:off x="8590663" y="6041362"/>
+            <a:ext cx="683339" cy="365125"/>
           </a:xfrm>
           <a:prstGeom prst="rect">
             <a:avLst/>
@@ -3217,11 +6054,9 @@
           <a:bodyPr vert="horz" lIns="91440" tIns="45720" rIns="91440" bIns="45720" rtlCol="0" anchor="ctr"/>
           <a:lstStyle>
             <a:lvl1pPr algn="r">
-              <a:defRPr sz="1200">
+              <a:defRPr sz="900">
                 <a:solidFill>
-                  <a:schemeClr val="tx1">
-                    <a:tint val="75000"/>
-                  </a:schemeClr>
+                  <a:schemeClr val="accent1"/>
                 </a:solidFill>
               </a:defRPr>
             </a:lvl1pPr>
@@ -3238,201 +6073,322 @@
     </p:spTree>
     <p:extLst>
       <p:ext uri="{BB962C8B-B14F-4D97-AF65-F5344CB8AC3E}">
-        <p14:creationId xmlns:p14="http://schemas.microsoft.com/office/powerpoint/2010/main" val="3978036255"/>
+        <p14:creationId xmlns:p14="http://schemas.microsoft.com/office/powerpoint/2010/main" val="2328199017"/>
       </p:ext>
     </p:extLst>
   </p:cSld>
   <p:clrMap bg1="lt1" tx1="dk1" bg2="lt2" tx2="dk2" accent1="accent1" accent2="accent2" accent3="accent3" accent4="accent4" accent5="accent5" accent6="accent6" hlink="hlink" folHlink="folHlink"/>
   <p:sldLayoutIdLst>
-    <p:sldLayoutId id="2147483649" r:id="rId1"/>
-    <p:sldLayoutId id="2147483650" r:id="rId2"/>
-    <p:sldLayoutId id="2147483651" r:id="rId3"/>
-    <p:sldLayoutId id="2147483652" r:id="rId4"/>
-    <p:sldLayoutId id="2147483653" r:id="rId5"/>
-    <p:sldLayoutId id="2147483654" r:id="rId6"/>
-    <p:sldLayoutId id="2147483655" r:id="rId7"/>
-    <p:sldLayoutId id="2147483656" r:id="rId8"/>
-    <p:sldLayoutId id="2147483657" r:id="rId9"/>
-    <p:sldLayoutId id="2147483658" r:id="rId10"/>
-    <p:sldLayoutId id="2147483659" r:id="rId11"/>
+    <p:sldLayoutId id="2147483724" r:id="rId1"/>
+    <p:sldLayoutId id="2147483725" r:id="rId2"/>
+    <p:sldLayoutId id="2147483726" r:id="rId3"/>
+    <p:sldLayoutId id="2147483727" r:id="rId4"/>
+    <p:sldLayoutId id="2147483728" r:id="rId5"/>
+    <p:sldLayoutId id="2147483729" r:id="rId6"/>
+    <p:sldLayoutId id="2147483730" r:id="rId7"/>
+    <p:sldLayoutId id="2147483731" r:id="rId8"/>
+    <p:sldLayoutId id="2147483732" r:id="rId9"/>
+    <p:sldLayoutId id="2147483733" r:id="rId10"/>
+    <p:sldLayoutId id="2147483734" r:id="rId11"/>
+    <p:sldLayoutId id="2147483735" r:id="rId12"/>
+    <p:sldLayoutId id="2147483736" r:id="rId13"/>
+    <p:sldLayoutId id="2147483737" r:id="rId14"/>
+    <p:sldLayoutId id="2147483738" r:id="rId15"/>
+    <p:sldLayoutId id="2147483739" r:id="rId16"/>
   </p:sldLayoutIdLst>
   <p:txStyles>
     <p:titleStyle>
-      <a:lvl1pPr algn="l" defTabSz="914400" rtl="0" eaLnBrk="1" latinLnBrk="0" hangingPunct="1">
-        <a:lnSpc>
-          <a:spcPct val="90000"/>
-        </a:lnSpc>
+      <a:lvl1pPr algn="l" defTabSz="457200" rtl="0" eaLnBrk="1" latinLnBrk="0" hangingPunct="1">
         <a:spcBef>
           <a:spcPct val="0"/>
         </a:spcBef>
         <a:buNone/>
-        <a:defRPr sz="4400" kern="1200">
+        <a:defRPr sz="3600" kern="1200">
           <a:solidFill>
-            <a:schemeClr val="tx1"/>
+            <a:schemeClr val="accent1"/>
           </a:solidFill>
           <a:latin typeface="+mj-lt"/>
           <a:ea typeface="+mj-ea"/>
           <a:cs typeface="+mj-cs"/>
         </a:defRPr>
       </a:lvl1pPr>
+      <a:lvl2pPr eaLnBrk="1" hangingPunct="1">
+        <a:defRPr>
+          <a:solidFill>
+            <a:schemeClr val="tx2"/>
+          </a:solidFill>
+        </a:defRPr>
+      </a:lvl2pPr>
+      <a:lvl3pPr eaLnBrk="1" hangingPunct="1">
+        <a:defRPr>
+          <a:solidFill>
+            <a:schemeClr val="tx2"/>
+          </a:solidFill>
+        </a:defRPr>
+      </a:lvl3pPr>
+      <a:lvl4pPr eaLnBrk="1" hangingPunct="1">
+        <a:defRPr>
+          <a:solidFill>
+            <a:schemeClr val="tx2"/>
+          </a:solidFill>
+        </a:defRPr>
+      </a:lvl4pPr>
+      <a:lvl5pPr eaLnBrk="1" hangingPunct="1">
+        <a:defRPr>
+          <a:solidFill>
+            <a:schemeClr val="tx2"/>
+          </a:solidFill>
+        </a:defRPr>
+      </a:lvl5pPr>
+      <a:lvl6pPr eaLnBrk="1" hangingPunct="1">
+        <a:defRPr>
+          <a:solidFill>
+            <a:schemeClr val="tx2"/>
+          </a:solidFill>
+        </a:defRPr>
+      </a:lvl6pPr>
+      <a:lvl7pPr eaLnBrk="1" hangingPunct="1">
+        <a:defRPr>
+          <a:solidFill>
+            <a:schemeClr val="tx2"/>
+          </a:solidFill>
+        </a:defRPr>
+      </a:lvl7pPr>
+      <a:lvl8pPr eaLnBrk="1" hangingPunct="1">
+        <a:defRPr>
+          <a:solidFill>
+            <a:schemeClr val="tx2"/>
+          </a:solidFill>
+        </a:defRPr>
+      </a:lvl8pPr>
+      <a:lvl9pPr eaLnBrk="1" hangingPunct="1">
+        <a:defRPr>
+          <a:solidFill>
+            <a:schemeClr val="tx2"/>
+          </a:solidFill>
+        </a:defRPr>
+      </a:lvl9pPr>
     </p:titleStyle>
     <p:bodyStyle>
-      <a:lvl1pPr marL="228600" indent="-228600" algn="l" defTabSz="914400" rtl="0" eaLnBrk="1" latinLnBrk="0" hangingPunct="1">
-        <a:lnSpc>
-          <a:spcPct val="90000"/>
-        </a:lnSpc>
+      <a:lvl1pPr marL="342900" indent="-342900" algn="l" defTabSz="457200" rtl="0" eaLnBrk="1" latinLnBrk="0" hangingPunct="1">
         <a:spcBef>
           <a:spcPts val="1000"/>
         </a:spcBef>
-        <a:buFont typeface="Arial" panose="020B0604020202020204" pitchFamily="34" charset="0"/>
-        <a:buChar char="•"/>
-        <a:defRPr sz="2800" kern="1200">
+        <a:spcAft>
+          <a:spcPts val="0"/>
+        </a:spcAft>
+        <a:buClr>
+          <a:schemeClr val="accent1"/>
+        </a:buClr>
+        <a:buSzPct val="80000"/>
+        <a:buFont typeface="Wingdings 3" charset="2"/>
+        <a:buChar char=""/>
+        <a:defRPr sz="1800" kern="1200">
           <a:solidFill>
-            <a:schemeClr val="tx1"/>
+            <a:schemeClr val="tx1">
+              <a:lumMod val="75000"/>
+              <a:lumOff val="25000"/>
+            </a:schemeClr>
           </a:solidFill>
           <a:latin typeface="+mn-lt"/>
           <a:ea typeface="+mn-ea"/>
           <a:cs typeface="+mn-cs"/>
         </a:defRPr>
       </a:lvl1pPr>
-      <a:lvl2pPr marL="685800" indent="-228600" algn="l" defTabSz="914400" rtl="0" eaLnBrk="1" latinLnBrk="0" hangingPunct="1">
-        <a:lnSpc>
-          <a:spcPct val="90000"/>
-        </a:lnSpc>
+      <a:lvl2pPr marL="742950" indent="-285750" algn="l" defTabSz="457200" rtl="0" eaLnBrk="1" latinLnBrk="0" hangingPunct="1">
         <a:spcBef>
-          <a:spcPts val="500"/>
+          <a:spcPts val="1000"/>
         </a:spcBef>
-        <a:buFont typeface="Arial" panose="020B0604020202020204" pitchFamily="34" charset="0"/>
-        <a:buChar char="•"/>
-        <a:defRPr sz="2400" kern="1200">
+        <a:spcAft>
+          <a:spcPts val="0"/>
+        </a:spcAft>
+        <a:buClr>
+          <a:schemeClr val="accent1"/>
+        </a:buClr>
+        <a:buSzPct val="80000"/>
+        <a:buFont typeface="Wingdings 3" charset="2"/>
+        <a:buChar char=""/>
+        <a:defRPr sz="1600" kern="1200">
           <a:solidFill>
-            <a:schemeClr val="tx1"/>
+            <a:schemeClr val="tx1">
+              <a:lumMod val="75000"/>
+              <a:lumOff val="25000"/>
+            </a:schemeClr>
           </a:solidFill>
           <a:latin typeface="+mn-lt"/>
           <a:ea typeface="+mn-ea"/>
           <a:cs typeface="+mn-cs"/>
         </a:defRPr>
       </a:lvl2pPr>
-      <a:lvl3pPr marL="1143000" indent="-228600" algn="l" defTabSz="914400" rtl="0" eaLnBrk="1" latinLnBrk="0" hangingPunct="1">
-        <a:lnSpc>
-          <a:spcPct val="90000"/>
-        </a:lnSpc>
+      <a:lvl3pPr marL="1143000" indent="-228600" algn="l" defTabSz="457200" rtl="0" eaLnBrk="1" latinLnBrk="0" hangingPunct="1">
         <a:spcBef>
-          <a:spcPts val="500"/>
+          <a:spcPts val="1000"/>
         </a:spcBef>
-        <a:buFont typeface="Arial" panose="020B0604020202020204" pitchFamily="34" charset="0"/>
-        <a:buChar char="•"/>
-        <a:defRPr sz="2000" kern="1200">
+        <a:spcAft>
+          <a:spcPts val="0"/>
+        </a:spcAft>
+        <a:buClr>
+          <a:schemeClr val="accent1"/>
+        </a:buClr>
+        <a:buSzPct val="80000"/>
+        <a:buFont typeface="Wingdings 3" charset="2"/>
+        <a:buChar char=""/>
+        <a:defRPr sz="1400" kern="1200">
           <a:solidFill>
-            <a:schemeClr val="tx1"/>
+            <a:schemeClr val="tx1">
+              <a:lumMod val="75000"/>
+              <a:lumOff val="25000"/>
+            </a:schemeClr>
           </a:solidFill>
           <a:latin typeface="+mn-lt"/>
           <a:ea typeface="+mn-ea"/>
           <a:cs typeface="+mn-cs"/>
         </a:defRPr>
       </a:lvl3pPr>
-      <a:lvl4pPr marL="1600200" indent="-228600" algn="l" defTabSz="914400" rtl="0" eaLnBrk="1" latinLnBrk="0" hangingPunct="1">
-        <a:lnSpc>
-          <a:spcPct val="90000"/>
-        </a:lnSpc>
+      <a:lvl4pPr marL="1600200" indent="-228600" algn="l" defTabSz="457200" rtl="0" eaLnBrk="1" latinLnBrk="0" hangingPunct="1">
         <a:spcBef>
-          <a:spcPts val="500"/>
+          <a:spcPts val="1000"/>
         </a:spcBef>
-        <a:buFont typeface="Arial" panose="020B0604020202020204" pitchFamily="34" charset="0"/>
-        <a:buChar char="•"/>
-        <a:defRPr sz="1800" kern="1200">
+        <a:spcAft>
+          <a:spcPts val="0"/>
+        </a:spcAft>
+        <a:buClr>
+          <a:schemeClr val="accent1"/>
+        </a:buClr>
+        <a:buSzPct val="80000"/>
+        <a:buFont typeface="Wingdings 3" charset="2"/>
+        <a:buChar char=""/>
+        <a:defRPr sz="1200" kern="1200">
           <a:solidFill>
-            <a:schemeClr val="tx1"/>
+            <a:schemeClr val="tx1">
+              <a:lumMod val="75000"/>
+              <a:lumOff val="25000"/>
+            </a:schemeClr>
           </a:solidFill>
           <a:latin typeface="+mn-lt"/>
           <a:ea typeface="+mn-ea"/>
           <a:cs typeface="+mn-cs"/>
         </a:defRPr>
       </a:lvl4pPr>
-      <a:lvl5pPr marL="2057400" indent="-228600" algn="l" defTabSz="914400" rtl="0" eaLnBrk="1" latinLnBrk="0" hangingPunct="1">
-        <a:lnSpc>
-          <a:spcPct val="90000"/>
-        </a:lnSpc>
+      <a:lvl5pPr marL="2057400" indent="-228600" algn="l" defTabSz="457200" rtl="0" eaLnBrk="1" latinLnBrk="0" hangingPunct="1">
         <a:spcBef>
-          <a:spcPts val="500"/>
+          <a:spcPts val="1000"/>
         </a:spcBef>
-        <a:buFont typeface="Arial" panose="020B0604020202020204" pitchFamily="34" charset="0"/>
-        <a:buChar char="•"/>
-        <a:defRPr sz="1800" kern="1200">
+        <a:spcAft>
+          <a:spcPts val="0"/>
+        </a:spcAft>
+        <a:buClr>
+          <a:schemeClr val="accent1"/>
+        </a:buClr>
+        <a:buSzPct val="80000"/>
+        <a:buFont typeface="Wingdings 3" charset="2"/>
+        <a:buChar char=""/>
+        <a:defRPr sz="1200" kern="1200">
           <a:solidFill>
-            <a:schemeClr val="tx1"/>
+            <a:schemeClr val="tx1">
+              <a:lumMod val="75000"/>
+              <a:lumOff val="25000"/>
+            </a:schemeClr>
           </a:solidFill>
           <a:latin typeface="+mn-lt"/>
           <a:ea typeface="+mn-ea"/>
           <a:cs typeface="+mn-cs"/>
         </a:defRPr>
       </a:lvl5pPr>
-      <a:lvl6pPr marL="2514600" indent="-228600" algn="l" defTabSz="914400" rtl="0" eaLnBrk="1" latinLnBrk="0" hangingPunct="1">
-        <a:lnSpc>
-          <a:spcPct val="90000"/>
-        </a:lnSpc>
+      <a:lvl6pPr marL="2514600" indent="-228600" algn="l" defTabSz="457200" rtl="0" eaLnBrk="1" latinLnBrk="0" hangingPunct="1">
         <a:spcBef>
-          <a:spcPts val="500"/>
+          <a:spcPts val="1000"/>
         </a:spcBef>
-        <a:buFont typeface="Arial" panose="020B0604020202020204" pitchFamily="34" charset="0"/>
-        <a:buChar char="•"/>
-        <a:defRPr sz="1800" kern="1200">
+        <a:spcAft>
+          <a:spcPts val="0"/>
+        </a:spcAft>
+        <a:buClr>
+          <a:schemeClr val="accent1"/>
+        </a:buClr>
+        <a:buSzPct val="80000"/>
+        <a:buFont typeface="Wingdings 3" charset="2"/>
+        <a:buChar char=""/>
+        <a:defRPr sz="1200" kern="1200">
           <a:solidFill>
-            <a:schemeClr val="tx1"/>
+            <a:schemeClr val="tx1">
+              <a:lumMod val="75000"/>
+              <a:lumOff val="25000"/>
+            </a:schemeClr>
           </a:solidFill>
           <a:latin typeface="+mn-lt"/>
           <a:ea typeface="+mn-ea"/>
           <a:cs typeface="+mn-cs"/>
         </a:defRPr>
       </a:lvl6pPr>
-      <a:lvl7pPr marL="2971800" indent="-228600" algn="l" defTabSz="914400" rtl="0" eaLnBrk="1" latinLnBrk="0" hangingPunct="1">
-        <a:lnSpc>
-          <a:spcPct val="90000"/>
-        </a:lnSpc>
+      <a:lvl7pPr marL="2971800" indent="-228600" algn="l" defTabSz="457200" rtl="0" eaLnBrk="1" latinLnBrk="0" hangingPunct="1">
         <a:spcBef>
-          <a:spcPts val="500"/>
+          <a:spcPts val="1000"/>
         </a:spcBef>
-        <a:buFont typeface="Arial" panose="020B0604020202020204" pitchFamily="34" charset="0"/>
-        <a:buChar char="•"/>
-        <a:defRPr sz="1800" kern="1200">
+        <a:spcAft>
+          <a:spcPts val="0"/>
+        </a:spcAft>
+        <a:buClr>
+          <a:schemeClr val="accent1"/>
+        </a:buClr>
+        <a:buSzPct val="80000"/>
+        <a:buFont typeface="Wingdings 3" charset="2"/>
+        <a:buChar char=""/>
+        <a:defRPr sz="1200" kern="1200">
           <a:solidFill>
-            <a:schemeClr val="tx1"/>
+            <a:schemeClr val="tx1">
+              <a:lumMod val="75000"/>
+              <a:lumOff val="25000"/>
+            </a:schemeClr>
           </a:solidFill>
           <a:latin typeface="+mn-lt"/>
           <a:ea typeface="+mn-ea"/>
           <a:cs typeface="+mn-cs"/>
         </a:defRPr>
       </a:lvl7pPr>
-      <a:lvl8pPr marL="3429000" indent="-228600" algn="l" defTabSz="914400" rtl="0" eaLnBrk="1" latinLnBrk="0" hangingPunct="1">
-        <a:lnSpc>
-          <a:spcPct val="90000"/>
-        </a:lnSpc>
+      <a:lvl8pPr marL="3429000" indent="-228600" algn="l" defTabSz="457200" rtl="0" eaLnBrk="1" latinLnBrk="0" hangingPunct="1">
         <a:spcBef>
-          <a:spcPts val="500"/>
+          <a:spcPts val="1000"/>
         </a:spcBef>
-        <a:buFont typeface="Arial" panose="020B0604020202020204" pitchFamily="34" charset="0"/>
-        <a:buChar char="•"/>
-        <a:defRPr sz="1800" kern="1200">
+        <a:spcAft>
+          <a:spcPts val="0"/>
+        </a:spcAft>
+        <a:buClr>
+          <a:schemeClr val="accent1"/>
+        </a:buClr>
+        <a:buSzPct val="80000"/>
+        <a:buFont typeface="Wingdings 3" charset="2"/>
+        <a:buChar char=""/>
+        <a:defRPr sz="1200" kern="1200">
           <a:solidFill>
-            <a:schemeClr val="tx1"/>
+            <a:schemeClr val="tx1">
+              <a:lumMod val="75000"/>
+              <a:lumOff val="25000"/>
+            </a:schemeClr>
           </a:solidFill>
           <a:latin typeface="+mn-lt"/>
           <a:ea typeface="+mn-ea"/>
           <a:cs typeface="+mn-cs"/>
         </a:defRPr>
       </a:lvl8pPr>
-      <a:lvl9pPr marL="3886200" indent="-228600" algn="l" defTabSz="914400" rtl="0" eaLnBrk="1" latinLnBrk="0" hangingPunct="1">
-        <a:lnSpc>
-          <a:spcPct val="90000"/>
-        </a:lnSpc>
+      <a:lvl9pPr marL="3886200" indent="-228600" algn="l" defTabSz="457200" rtl="0" eaLnBrk="1" latinLnBrk="0" hangingPunct="1">
         <a:spcBef>
-          <a:spcPts val="500"/>
+          <a:spcPts val="1000"/>
         </a:spcBef>
-        <a:buFont typeface="Arial" panose="020B0604020202020204" pitchFamily="34" charset="0"/>
-        <a:buChar char="•"/>
-        <a:defRPr sz="1800" kern="1200">
+        <a:spcAft>
+          <a:spcPts val="0"/>
+        </a:spcAft>
+        <a:buClr>
+          <a:schemeClr val="accent1"/>
+        </a:buClr>
+        <a:buSzPct val="80000"/>
+        <a:buFont typeface="Wingdings 3" charset="2"/>
+        <a:buChar char=""/>
+        <a:defRPr sz="1200" kern="1200">
           <a:solidFill>
-            <a:schemeClr val="tx1"/>
+            <a:schemeClr val="tx1">
+              <a:lumMod val="75000"/>
+              <a:lumOff val="25000"/>
+            </a:schemeClr>
           </a:solidFill>
           <a:latin typeface="+mn-lt"/>
           <a:ea typeface="+mn-ea"/>
@@ -3444,7 +6400,7 @@
       <a:defPPr>
         <a:defRPr lang="en-US"/>
       </a:defPPr>
-      <a:lvl1pPr marL="0" algn="l" defTabSz="914400" rtl="0" eaLnBrk="1" latinLnBrk="0" hangingPunct="1">
+      <a:lvl1pPr marL="0" algn="l" defTabSz="457200" rtl="0" eaLnBrk="1" latinLnBrk="0" hangingPunct="1">
         <a:defRPr sz="1800" kern="1200">
           <a:solidFill>
             <a:schemeClr val="tx1"/>
@@ -3454,7 +6410,7 @@
           <a:cs typeface="+mn-cs"/>
         </a:defRPr>
       </a:lvl1pPr>
-      <a:lvl2pPr marL="457200" algn="l" defTabSz="914400" rtl="0" eaLnBrk="1" latinLnBrk="0" hangingPunct="1">
+      <a:lvl2pPr marL="457200" algn="l" defTabSz="457200" rtl="0" eaLnBrk="1" latinLnBrk="0" hangingPunct="1">
         <a:defRPr sz="1800" kern="1200">
           <a:solidFill>
             <a:schemeClr val="tx1"/>
@@ -3464,7 +6420,7 @@
           <a:cs typeface="+mn-cs"/>
         </a:defRPr>
       </a:lvl2pPr>
-      <a:lvl3pPr marL="914400" algn="l" defTabSz="914400" rtl="0" eaLnBrk="1" latinLnBrk="0" hangingPunct="1">
+      <a:lvl3pPr marL="914400" algn="l" defTabSz="457200" rtl="0" eaLnBrk="1" latinLnBrk="0" hangingPunct="1">
         <a:defRPr sz="1800" kern="1200">
           <a:solidFill>
             <a:schemeClr val="tx1"/>
@@ -3474,7 +6430,7 @@
           <a:cs typeface="+mn-cs"/>
         </a:defRPr>
       </a:lvl3pPr>
-      <a:lvl4pPr marL="1371600" algn="l" defTabSz="914400" rtl="0" eaLnBrk="1" latinLnBrk="0" hangingPunct="1">
+      <a:lvl4pPr marL="1371600" algn="l" defTabSz="457200" rtl="0" eaLnBrk="1" latinLnBrk="0" hangingPunct="1">
         <a:defRPr sz="1800" kern="1200">
           <a:solidFill>
             <a:schemeClr val="tx1"/>
@@ -3484,7 +6440,7 @@
           <a:cs typeface="+mn-cs"/>
         </a:defRPr>
       </a:lvl4pPr>
-      <a:lvl5pPr marL="1828800" algn="l" defTabSz="914400" rtl="0" eaLnBrk="1" latinLnBrk="0" hangingPunct="1">
+      <a:lvl5pPr marL="1828800" algn="l" defTabSz="457200" rtl="0" eaLnBrk="1" latinLnBrk="0" hangingPunct="1">
         <a:defRPr sz="1800" kern="1200">
           <a:solidFill>
             <a:schemeClr val="tx1"/>
@@ -3494,7 +6450,7 @@
           <a:cs typeface="+mn-cs"/>
         </a:defRPr>
       </a:lvl5pPr>
-      <a:lvl6pPr marL="2286000" algn="l" defTabSz="914400" rtl="0" eaLnBrk="1" latinLnBrk="0" hangingPunct="1">
+      <a:lvl6pPr marL="2286000" algn="l" defTabSz="457200" rtl="0" eaLnBrk="1" latinLnBrk="0" hangingPunct="1">
         <a:defRPr sz="1800" kern="1200">
           <a:solidFill>
             <a:schemeClr val="tx1"/>
@@ -3504,7 +6460,7 @@
           <a:cs typeface="+mn-cs"/>
         </a:defRPr>
       </a:lvl6pPr>
-      <a:lvl7pPr marL="2743200" algn="l" defTabSz="914400" rtl="0" eaLnBrk="1" latinLnBrk="0" hangingPunct="1">
+      <a:lvl7pPr marL="2743200" algn="l" defTabSz="457200" rtl="0" eaLnBrk="1" latinLnBrk="0" hangingPunct="1">
         <a:defRPr sz="1800" kern="1200">
           <a:solidFill>
             <a:schemeClr val="tx1"/>
@@ -3514,7 +6470,7 @@
           <a:cs typeface="+mn-cs"/>
         </a:defRPr>
       </a:lvl7pPr>
-      <a:lvl8pPr marL="3200400" algn="l" defTabSz="914400" rtl="0" eaLnBrk="1" latinLnBrk="0" hangingPunct="1">
+      <a:lvl8pPr marL="3200400" algn="l" defTabSz="457200" rtl="0" eaLnBrk="1" latinLnBrk="0" hangingPunct="1">
         <a:defRPr sz="1800" kern="1200">
           <a:solidFill>
             <a:schemeClr val="tx1"/>
@@ -3524,7 +6480,7 @@
           <a:cs typeface="+mn-cs"/>
         </a:defRPr>
       </a:lvl8pPr>
-      <a:lvl9pPr marL="3657600" algn="l" defTabSz="914400" rtl="0" eaLnBrk="1" latinLnBrk="0" hangingPunct="1">
+      <a:lvl9pPr marL="3657600" algn="l" defTabSz="457200" rtl="0" eaLnBrk="1" latinLnBrk="0" hangingPunct="1">
         <a:defRPr sz="1800" kern="1200">
           <a:solidFill>
             <a:schemeClr val="tx1"/>
@@ -3544,35 +6500,9 @@
   <p:cSld>
     <p:bg>
       <p:bgPr>
-        <a:gradFill>
-          <a:gsLst>
-            <a:gs pos="0">
-              <a:schemeClr val="accent1">
-                <a:lumMod val="5000"/>
-                <a:lumOff val="95000"/>
-              </a:schemeClr>
-            </a:gs>
-            <a:gs pos="74000">
-              <a:schemeClr val="accent1">
-                <a:lumMod val="45000"/>
-                <a:lumOff val="55000"/>
-              </a:schemeClr>
-            </a:gs>
-            <a:gs pos="83000">
-              <a:schemeClr val="accent1">
-                <a:lumMod val="45000"/>
-                <a:lumOff val="55000"/>
-              </a:schemeClr>
-            </a:gs>
-            <a:gs pos="100000">
-              <a:schemeClr val="accent1">
-                <a:lumMod val="30000"/>
-                <a:lumOff val="70000"/>
-              </a:schemeClr>
-            </a:gs>
-          </a:gsLst>
-          <a:lin ang="5400000" scaled="1"/>
-        </a:gradFill>
+        <a:solidFill>
+          <a:schemeClr val="bg1"/>
+        </a:solidFill>
         <a:effectLst/>
       </p:bgPr>
     </p:bg>
@@ -3590,115 +6520,12 @@
           <a:chExt cx="0" cy="0"/>
         </a:xfrm>
       </p:grpSpPr>
-      <p:sp>
-        <p:nvSpPr>
-          <p:cNvPr id="2" name="Title 1">
+      <p:pic>
+        <p:nvPicPr>
+          <p:cNvPr id="6" name="Picture 5" descr="A person standing in a room with a transparent glass sphere&#10;&#10;Description automatically generated">
             <a:extLst>
               <a:ext uri="{FF2B5EF4-FFF2-40B4-BE49-F238E27FC236}">
-                <a16:creationId xmlns:a16="http://schemas.microsoft.com/office/drawing/2014/main" id="{76866FDC-5FC8-12DC-690F-C2D95FB7AB9E}"/>
-              </a:ext>
-            </a:extLst>
-          </p:cNvPr>
-          <p:cNvSpPr>
-            <a:spLocks noGrp="1"/>
-          </p:cNvSpPr>
-          <p:nvPr>
-            <p:ph type="ctrTitle"/>
-          </p:nvPr>
-        </p:nvSpPr>
-        <p:spPr>
-          <a:xfrm>
-            <a:off x="7073900" y="736600"/>
-            <a:ext cx="4419600" cy="2057400"/>
-          </a:xfrm>
-        </p:spPr>
-        <p:txBody>
-          <a:bodyPr>
-            <a:noAutofit/>
-          </a:bodyPr>
-          <a:lstStyle/>
-          <a:p>
-            <a:r>
-              <a:rPr lang="en-IN" sz="6600" b="1" u="sng" dirty="0">
-                <a:solidFill>
-                  <a:srgbClr val="FF0000"/>
-                </a:solidFill>
-              </a:rPr>
-              <a:t>Stock Price Forecaster</a:t>
-            </a:r>
-          </a:p>
-        </p:txBody>
-      </p:sp>
-      <p:sp>
-        <p:nvSpPr>
-          <p:cNvPr id="3" name="Subtitle 2">
-            <a:extLst>
-              <a:ext uri="{FF2B5EF4-FFF2-40B4-BE49-F238E27FC236}">
-                <a16:creationId xmlns:a16="http://schemas.microsoft.com/office/drawing/2014/main" id="{5CB152D6-AF82-AA7F-75FD-2B3388B3F845}"/>
-              </a:ext>
-            </a:extLst>
-          </p:cNvPr>
-          <p:cNvSpPr>
-            <a:spLocks noGrp="1"/>
-          </p:cNvSpPr>
-          <p:nvPr>
-            <p:ph type="subTitle" idx="1"/>
-          </p:nvPr>
-        </p:nvSpPr>
-        <p:spPr>
-          <a:xfrm>
-            <a:off x="7899400" y="3416300"/>
-            <a:ext cx="3378200" cy="2705100"/>
-          </a:xfrm>
-        </p:spPr>
-        <p:txBody>
-          <a:bodyPr/>
-          <a:lstStyle/>
-          <a:p>
-            <a:r>
-              <a:rPr lang="en-IN" i="1" dirty="0"/>
-              <a:t>Data Science app to forecast stock prices for the next month</a:t>
-            </a:r>
-          </a:p>
-          <a:p>
-            <a:r>
-              <a:rPr lang="en-IN" i="1" dirty="0"/>
-              <a:t>By</a:t>
-            </a:r>
-          </a:p>
-          <a:p>
-            <a:pPr marL="342900" indent="-342900">
-              <a:buFontTx/>
-              <a:buChar char="-"/>
-            </a:pPr>
-            <a:r>
-              <a:rPr lang="en-IN" i="1" dirty="0"/>
-              <a:t>Harshal Khilari</a:t>
-            </a:r>
-          </a:p>
-          <a:p>
-            <a:pPr marL="342900" indent="-342900">
-              <a:buFontTx/>
-              <a:buChar char="-"/>
-            </a:pPr>
-            <a:r>
-              <a:rPr lang="en-IN" i="1" dirty="0"/>
-              <a:t>Oliver </a:t>
-            </a:r>
-            <a:r>
-              <a:rPr lang="en-IN" i="1" dirty="0" err="1"/>
-              <a:t>Priyan</a:t>
-            </a:r>
-            <a:endParaRPr lang="en-IN" i="1" dirty="0"/>
-          </a:p>
-        </p:txBody>
-      </p:sp>
-      <p:pic>
-        <p:nvPicPr>
-          <p:cNvPr id="5" name="Picture 4">
-            <a:extLst>
-              <a:ext uri="{FF2B5EF4-FFF2-40B4-BE49-F238E27FC236}">
-                <a16:creationId xmlns:a16="http://schemas.microsoft.com/office/drawing/2014/main" id="{8550DB42-D052-272D-4A6B-1A8782210D01}"/>
+                <a16:creationId xmlns:a16="http://schemas.microsoft.com/office/drawing/2014/main" id="{C5AC3F17-BAD1-F9CA-21E2-A34460A14418}"/>
               </a:ext>
             </a:extLst>
           </p:cNvPr>
@@ -3707,28 +6534,937 @@
           </p:cNvPicPr>
           <p:nvPr/>
         </p:nvPicPr>
-        <p:blipFill>
+        <p:blipFill rotWithShape="1">
           <a:blip r:embed="rId2">
-            <a:extLst>
-              <a:ext uri="{28A0092B-C50C-407E-A947-70E740481C1C}">
-                <a14:useLocalDpi xmlns:a14="http://schemas.microsoft.com/office/drawing/2010/main" val="0"/>
-              </a:ext>
-            </a:extLst>
+            <a:duotone>
+              <a:schemeClr val="accent1">
+                <a:shade val="45000"/>
+                <a:satMod val="135000"/>
+              </a:schemeClr>
+              <a:prstClr val="white"/>
+            </a:duotone>
           </a:blip>
-          <a:stretch>
-            <a:fillRect/>
-          </a:stretch>
+          <a:srcRect l="9091" t="24647" b="24217"/>
+          <a:stretch/>
         </p:blipFill>
         <p:spPr>
           <a:xfrm>
-            <a:off x="698500" y="152400"/>
-            <a:ext cx="6375400" cy="6502400"/>
+            <a:off x="57" y="-8467"/>
+            <a:ext cx="12191999" cy="6857990"/>
           </a:xfrm>
           <a:prstGeom prst="rect">
             <a:avLst/>
           </a:prstGeom>
         </p:spPr>
       </p:pic>
+      <p:sp>
+        <p:nvSpPr>
+          <p:cNvPr id="8" name="Isosceles Triangle 7">
+            <a:extLst>
+              <a:ext uri="{FF2B5EF4-FFF2-40B4-BE49-F238E27FC236}">
+                <a16:creationId xmlns:a16="http://schemas.microsoft.com/office/drawing/2014/main" id="{F5F0CD5C-72F3-4090-8A69-8E15CB432AC2}"/>
+              </a:ext>
+              <a:ext uri="{C183D7F6-B498-43B3-948B-1728B52AA6E4}">
+                <adec:decorative xmlns:adec="http://schemas.microsoft.com/office/drawing/2017/decorative" val="1"/>
+              </a:ext>
+            </a:extLst>
+          </p:cNvPr>
+          <p:cNvSpPr>
+            <a:spLocks noGrp="1" noRot="1" noChangeAspect="1" noMove="1" noResize="1" noEditPoints="1" noAdjustHandles="1" noChangeArrowheads="1" noChangeShapeType="1" noTextEdit="1"/>
+          </p:cNvSpPr>
+          <p:nvPr>
+            <p:extLst>
+              <p:ext uri="{386F3935-93C4-4BCD-93E2-E3B085C9AB24}">
+                <p16:designElem xmlns:p16="http://schemas.microsoft.com/office/powerpoint/2015/main" val="1"/>
+              </p:ext>
+            </p:extLst>
+          </p:nvPr>
+        </p:nvSpPr>
+        <p:spPr>
+          <a:xfrm rot="10800000">
+            <a:off x="0" y="0"/>
+            <a:ext cx="842596" cy="5666154"/>
+          </a:xfrm>
+          <a:prstGeom prst="triangle">
+            <a:avLst>
+              <a:gd name="adj" fmla="val 100000"/>
+            </a:avLst>
+          </a:prstGeom>
+          <a:solidFill>
+            <a:schemeClr val="accent1">
+              <a:alpha val="85000"/>
+            </a:schemeClr>
+          </a:solidFill>
+          <a:ln>
+            <a:noFill/>
+          </a:ln>
+          <a:effectLst/>
+        </p:spPr>
+        <p:style>
+          <a:lnRef idx="1">
+            <a:schemeClr val="accent1"/>
+          </a:lnRef>
+          <a:fillRef idx="3">
+            <a:schemeClr val="accent1"/>
+          </a:fillRef>
+          <a:effectRef idx="2">
+            <a:schemeClr val="accent1"/>
+          </a:effectRef>
+          <a:fontRef idx="minor">
+            <a:schemeClr val="lt1"/>
+          </a:fontRef>
+        </p:style>
+        <p:txBody>
+          <a:bodyPr/>
+          <a:lstStyle/>
+          <a:p>
+            <a:endParaRPr lang="en-US"/>
+          </a:p>
+        </p:txBody>
+      </p:sp>
+      <p:sp>
+        <p:nvSpPr>
+          <p:cNvPr id="9" name="Parallelogram 8">
+            <a:extLst>
+              <a:ext uri="{FF2B5EF4-FFF2-40B4-BE49-F238E27FC236}">
+                <a16:creationId xmlns:a16="http://schemas.microsoft.com/office/drawing/2014/main" id="{217496A2-9394-4FB7-BA0E-717D2D2E7A43}"/>
+              </a:ext>
+              <a:ext uri="{C183D7F6-B498-43B3-948B-1728B52AA6E4}">
+                <adec:decorative xmlns:adec="http://schemas.microsoft.com/office/drawing/2017/decorative" val="1"/>
+              </a:ext>
+            </a:extLst>
+          </p:cNvPr>
+          <p:cNvSpPr>
+            <a:spLocks noGrp="1" noRot="1" noChangeAspect="1" noMove="1" noResize="1" noEditPoints="1" noAdjustHandles="1" noChangeArrowheads="1" noChangeShapeType="1" noTextEdit="1"/>
+          </p:cNvSpPr>
+          <p:nvPr>
+            <p:extLst>
+              <p:ext uri="{386F3935-93C4-4BCD-93E2-E3B085C9AB24}">
+                <p16:designElem xmlns:p16="http://schemas.microsoft.com/office/powerpoint/2015/main" val="1"/>
+              </p:ext>
+            </p:extLst>
+          </p:nvPr>
+        </p:nvSpPr>
+        <p:spPr>
+          <a:xfrm>
+            <a:off x="3733800" y="0"/>
+            <a:ext cx="7315200" cy="6858000"/>
+          </a:xfrm>
+          <a:prstGeom prst="parallelogram">
+            <a:avLst>
+              <a:gd name="adj" fmla="val 15925"/>
+            </a:avLst>
+          </a:prstGeom>
+          <a:solidFill>
+            <a:schemeClr val="bg1">
+              <a:alpha val="87000"/>
+            </a:schemeClr>
+          </a:solidFill>
+          <a:ln>
+            <a:noFill/>
+          </a:ln>
+          <a:effectLst/>
+        </p:spPr>
+        <p:style>
+          <a:lnRef idx="1">
+            <a:schemeClr val="accent1"/>
+          </a:lnRef>
+          <a:fillRef idx="3">
+            <a:schemeClr val="accent1"/>
+          </a:fillRef>
+          <a:effectRef idx="2">
+            <a:schemeClr val="accent1"/>
+          </a:effectRef>
+          <a:fontRef idx="minor">
+            <a:schemeClr val="lt1"/>
+          </a:fontRef>
+        </p:style>
+        <p:txBody>
+          <a:bodyPr rtlCol="0" anchor="ctr"/>
+          <a:lstStyle/>
+          <a:p>
+            <a:pPr algn="ctr"/>
+            <a:endParaRPr lang="en-US"/>
+          </a:p>
+        </p:txBody>
+      </p:sp>
+      <p:cxnSp>
+        <p:nvCxnSpPr>
+          <p:cNvPr id="10" name="Straight Connector 9">
+            <a:extLst>
+              <a:ext uri="{FF2B5EF4-FFF2-40B4-BE49-F238E27FC236}">
+                <a16:creationId xmlns:a16="http://schemas.microsoft.com/office/drawing/2014/main" id="{D02CF681-4765-4E88-802F-B2474DCD516A}"/>
+              </a:ext>
+              <a:ext uri="{C183D7F6-B498-43B3-948B-1728B52AA6E4}">
+                <adec:decorative xmlns:adec="http://schemas.microsoft.com/office/drawing/2017/decorative" val="1"/>
+              </a:ext>
+            </a:extLst>
+          </p:cNvPr>
+          <p:cNvCxnSpPr>
+            <a:cxnSpLocks noGrp="1" noRot="1" noChangeAspect="1" noMove="1" noResize="1" noEditPoints="1" noAdjustHandles="1" noChangeArrowheads="1" noChangeShapeType="1"/>
+          </p:cNvCxnSpPr>
+          <p:nvPr>
+            <p:extLst>
+              <p:ext uri="{386F3935-93C4-4BCD-93E2-E3B085C9AB24}">
+                <p16:designElem xmlns:p16="http://schemas.microsoft.com/office/powerpoint/2015/main" val="1"/>
+              </p:ext>
+            </p:extLst>
+          </p:nvPr>
+        </p:nvCxnSpPr>
+        <p:spPr>
+          <a:xfrm>
+            <a:off x="9371012" y="0"/>
+            <a:ext cx="1219200" cy="6858000"/>
+          </a:xfrm>
+          <a:prstGeom prst="line">
+            <a:avLst/>
+          </a:prstGeom>
+          <a:ln w="9525">
+            <a:solidFill>
+              <a:schemeClr val="bg1">
+                <a:lumMod val="75000"/>
+              </a:schemeClr>
+            </a:solidFill>
+          </a:ln>
+        </p:spPr>
+        <p:style>
+          <a:lnRef idx="2">
+            <a:schemeClr val="accent1"/>
+          </a:lnRef>
+          <a:fillRef idx="0">
+            <a:schemeClr val="accent1"/>
+          </a:fillRef>
+          <a:effectRef idx="1">
+            <a:schemeClr val="accent1"/>
+          </a:effectRef>
+          <a:fontRef idx="minor">
+            <a:schemeClr val="tx1"/>
+          </a:fontRef>
+        </p:style>
+      </p:cxnSp>
+      <p:cxnSp>
+        <p:nvCxnSpPr>
+          <p:cNvPr id="12" name="Straight Connector 11">
+            <a:extLst>
+              <a:ext uri="{FF2B5EF4-FFF2-40B4-BE49-F238E27FC236}">
+                <a16:creationId xmlns:a16="http://schemas.microsoft.com/office/drawing/2014/main" id="{3D57B2BA-243C-45C7-A5D8-46CA719437FC}"/>
+              </a:ext>
+              <a:ext uri="{C183D7F6-B498-43B3-948B-1728B52AA6E4}">
+                <adec:decorative xmlns:adec="http://schemas.microsoft.com/office/drawing/2017/decorative" val="1"/>
+              </a:ext>
+            </a:extLst>
+          </p:cNvPr>
+          <p:cNvCxnSpPr>
+            <a:cxnSpLocks noGrp="1" noRot="1" noChangeAspect="1" noMove="1" noResize="1" noEditPoints="1" noAdjustHandles="1" noChangeArrowheads="1" noChangeShapeType="1"/>
+          </p:cNvCxnSpPr>
+          <p:nvPr>
+            <p:extLst>
+              <p:ext uri="{386F3935-93C4-4BCD-93E2-E3B085C9AB24}">
+                <p16:designElem xmlns:p16="http://schemas.microsoft.com/office/powerpoint/2015/main" val="1"/>
+              </p:ext>
+            </p:extLst>
+          </p:nvPr>
+        </p:nvCxnSpPr>
+        <p:spPr>
+          <a:xfrm flipH="1">
+            <a:off x="7425267" y="3681413"/>
+            <a:ext cx="4763558" cy="3176587"/>
+          </a:xfrm>
+          <a:prstGeom prst="line">
+            <a:avLst/>
+          </a:prstGeom>
+          <a:ln w="9525">
+            <a:solidFill>
+              <a:schemeClr val="bg1">
+                <a:lumMod val="85000"/>
+              </a:schemeClr>
+            </a:solidFill>
+          </a:ln>
+        </p:spPr>
+        <p:style>
+          <a:lnRef idx="2">
+            <a:schemeClr val="accent1"/>
+          </a:lnRef>
+          <a:fillRef idx="0">
+            <a:schemeClr val="accent1"/>
+          </a:fillRef>
+          <a:effectRef idx="1">
+            <a:schemeClr val="accent1"/>
+          </a:effectRef>
+          <a:fontRef idx="minor">
+            <a:schemeClr val="tx1"/>
+          </a:fontRef>
+        </p:style>
+      </p:cxnSp>
+      <p:sp>
+        <p:nvSpPr>
+          <p:cNvPr id="14" name="Rectangle 23">
+            <a:extLst>
+              <a:ext uri="{FF2B5EF4-FFF2-40B4-BE49-F238E27FC236}">
+                <a16:creationId xmlns:a16="http://schemas.microsoft.com/office/drawing/2014/main" id="{67374FB5-CBB7-46FF-95B5-2251BC6856ED}"/>
+              </a:ext>
+              <a:ext uri="{C183D7F6-B498-43B3-948B-1728B52AA6E4}">
+                <adec:decorative xmlns:adec="http://schemas.microsoft.com/office/drawing/2017/decorative" val="1"/>
+              </a:ext>
+            </a:extLst>
+          </p:cNvPr>
+          <p:cNvSpPr>
+            <a:spLocks noGrp="1" noRot="1" noChangeAspect="1" noMove="1" noResize="1" noEditPoints="1" noAdjustHandles="1" noChangeArrowheads="1" noChangeShapeType="1" noTextEdit="1"/>
+          </p:cNvSpPr>
+          <p:nvPr>
+            <p:extLst>
+              <p:ext uri="{386F3935-93C4-4BCD-93E2-E3B085C9AB24}">
+                <p16:designElem xmlns:p16="http://schemas.microsoft.com/office/powerpoint/2015/main" val="1"/>
+              </p:ext>
+            </p:extLst>
+          </p:nvPr>
+        </p:nvSpPr>
+        <p:spPr>
+          <a:xfrm>
+            <a:off x="9181476" y="-8467"/>
+            <a:ext cx="3007349" cy="6866467"/>
+          </a:xfrm>
+          <a:custGeom>
+            <a:avLst/>
+            <a:gdLst/>
+            <a:ahLst/>
+            <a:cxnLst/>
+            <a:rect l="l" t="t" r="r" b="b"/>
+            <a:pathLst>
+              <a:path w="3007349" h="6866467">
+                <a:moveTo>
+                  <a:pt x="2045532" y="0"/>
+                </a:moveTo>
+                <a:lnTo>
+                  <a:pt x="3007349" y="0"/>
+                </a:lnTo>
+                <a:lnTo>
+                  <a:pt x="3007349" y="6866467"/>
+                </a:lnTo>
+                <a:lnTo>
+                  <a:pt x="0" y="6866467"/>
+                </a:lnTo>
+                <a:lnTo>
+                  <a:pt x="2045532" y="0"/>
+                </a:lnTo>
+                <a:close/>
+              </a:path>
+            </a:pathLst>
+          </a:custGeom>
+          <a:solidFill>
+            <a:schemeClr val="accent1">
+              <a:alpha val="30000"/>
+            </a:schemeClr>
+          </a:solidFill>
+          <a:ln>
+            <a:noFill/>
+          </a:ln>
+          <a:effectLst/>
+        </p:spPr>
+        <p:style>
+          <a:lnRef idx="1">
+            <a:schemeClr val="accent1"/>
+          </a:lnRef>
+          <a:fillRef idx="3">
+            <a:schemeClr val="accent1"/>
+          </a:fillRef>
+          <a:effectRef idx="2">
+            <a:schemeClr val="accent1"/>
+          </a:effectRef>
+          <a:fontRef idx="minor">
+            <a:schemeClr val="lt1"/>
+          </a:fontRef>
+        </p:style>
+        <p:txBody>
+          <a:bodyPr/>
+          <a:lstStyle/>
+          <a:p>
+            <a:endParaRPr lang="en-US"/>
+          </a:p>
+        </p:txBody>
+      </p:sp>
+      <p:sp>
+        <p:nvSpPr>
+          <p:cNvPr id="16" name="Rectangle 25">
+            <a:extLst>
+              <a:ext uri="{FF2B5EF4-FFF2-40B4-BE49-F238E27FC236}">
+                <a16:creationId xmlns:a16="http://schemas.microsoft.com/office/drawing/2014/main" id="{34BCEAB7-D9E0-40A4-9254-8593BD346EAB}"/>
+              </a:ext>
+              <a:ext uri="{C183D7F6-B498-43B3-948B-1728B52AA6E4}">
+                <adec:decorative xmlns:adec="http://schemas.microsoft.com/office/drawing/2017/decorative" val="1"/>
+              </a:ext>
+            </a:extLst>
+          </p:cNvPr>
+          <p:cNvSpPr>
+            <a:spLocks noGrp="1" noRot="1" noChangeAspect="1" noMove="1" noResize="1" noEditPoints="1" noAdjustHandles="1" noChangeArrowheads="1" noChangeShapeType="1" noTextEdit="1"/>
+          </p:cNvSpPr>
+          <p:nvPr>
+            <p:extLst>
+              <p:ext uri="{386F3935-93C4-4BCD-93E2-E3B085C9AB24}">
+                <p16:designElem xmlns:p16="http://schemas.microsoft.com/office/powerpoint/2015/main" val="1"/>
+              </p:ext>
+            </p:extLst>
+          </p:nvPr>
+        </p:nvSpPr>
+        <p:spPr>
+          <a:xfrm>
+            <a:off x="9603442" y="-8467"/>
+            <a:ext cx="2588558" cy="6866467"/>
+          </a:xfrm>
+          <a:custGeom>
+            <a:avLst/>
+            <a:gdLst/>
+            <a:ahLst/>
+            <a:cxnLst/>
+            <a:rect l="l" t="t" r="r" b="b"/>
+            <a:pathLst>
+              <a:path w="2573311" h="6866467">
+                <a:moveTo>
+                  <a:pt x="0" y="0"/>
+                </a:moveTo>
+                <a:lnTo>
+                  <a:pt x="2573311" y="0"/>
+                </a:lnTo>
+                <a:lnTo>
+                  <a:pt x="2573311" y="6866467"/>
+                </a:lnTo>
+                <a:lnTo>
+                  <a:pt x="1202336" y="6866467"/>
+                </a:lnTo>
+                <a:lnTo>
+                  <a:pt x="0" y="0"/>
+                </a:lnTo>
+                <a:close/>
+              </a:path>
+            </a:pathLst>
+          </a:custGeom>
+          <a:solidFill>
+            <a:schemeClr val="accent1">
+              <a:alpha val="20000"/>
+            </a:schemeClr>
+          </a:solidFill>
+          <a:ln>
+            <a:noFill/>
+          </a:ln>
+          <a:effectLst/>
+        </p:spPr>
+        <p:style>
+          <a:lnRef idx="1">
+            <a:schemeClr val="accent1"/>
+          </a:lnRef>
+          <a:fillRef idx="3">
+            <a:schemeClr val="accent1"/>
+          </a:fillRef>
+          <a:effectRef idx="2">
+            <a:schemeClr val="accent1"/>
+          </a:effectRef>
+          <a:fontRef idx="minor">
+            <a:schemeClr val="lt1"/>
+          </a:fontRef>
+        </p:style>
+        <p:txBody>
+          <a:bodyPr/>
+          <a:lstStyle/>
+          <a:p>
+            <a:endParaRPr lang="en-US"/>
+          </a:p>
+        </p:txBody>
+      </p:sp>
+      <p:sp>
+        <p:nvSpPr>
+          <p:cNvPr id="18" name="Isosceles Triangle 17">
+            <a:extLst>
+              <a:ext uri="{FF2B5EF4-FFF2-40B4-BE49-F238E27FC236}">
+                <a16:creationId xmlns:a16="http://schemas.microsoft.com/office/drawing/2014/main" id="{D567A354-BB63-405C-8E5F-2F510E670F16}"/>
+              </a:ext>
+              <a:ext uri="{C183D7F6-B498-43B3-948B-1728B52AA6E4}">
+                <adec:decorative xmlns:adec="http://schemas.microsoft.com/office/drawing/2017/decorative" val="1"/>
+              </a:ext>
+            </a:extLst>
+          </p:cNvPr>
+          <p:cNvSpPr>
+            <a:spLocks noGrp="1" noRot="1" noChangeAspect="1" noMove="1" noResize="1" noEditPoints="1" noAdjustHandles="1" noChangeArrowheads="1" noChangeShapeType="1" noTextEdit="1"/>
+          </p:cNvSpPr>
+          <p:nvPr>
+            <p:extLst>
+              <p:ext uri="{386F3935-93C4-4BCD-93E2-E3B085C9AB24}">
+                <p16:designElem xmlns:p16="http://schemas.microsoft.com/office/powerpoint/2015/main" val="1"/>
+              </p:ext>
+            </p:extLst>
+          </p:nvPr>
+        </p:nvSpPr>
+        <p:spPr>
+          <a:xfrm>
+            <a:off x="8932333" y="3048000"/>
+            <a:ext cx="3259667" cy="3810000"/>
+          </a:xfrm>
+          <a:prstGeom prst="triangle">
+            <a:avLst>
+              <a:gd name="adj" fmla="val 100000"/>
+            </a:avLst>
+          </a:prstGeom>
+          <a:solidFill>
+            <a:schemeClr val="accent2">
+              <a:alpha val="72000"/>
+            </a:schemeClr>
+          </a:solidFill>
+          <a:ln>
+            <a:noFill/>
+          </a:ln>
+          <a:effectLst/>
+        </p:spPr>
+        <p:style>
+          <a:lnRef idx="1">
+            <a:schemeClr val="accent1"/>
+          </a:lnRef>
+          <a:fillRef idx="3">
+            <a:schemeClr val="accent1"/>
+          </a:fillRef>
+          <a:effectRef idx="2">
+            <a:schemeClr val="accent1"/>
+          </a:effectRef>
+          <a:fontRef idx="minor">
+            <a:schemeClr val="lt1"/>
+          </a:fontRef>
+        </p:style>
+        <p:txBody>
+          <a:bodyPr/>
+          <a:lstStyle/>
+          <a:p>
+            <a:endParaRPr lang="en-US"/>
+          </a:p>
+        </p:txBody>
+      </p:sp>
+      <p:sp>
+        <p:nvSpPr>
+          <p:cNvPr id="2" name="Title 1">
+            <a:extLst>
+              <a:ext uri="{FF2B5EF4-FFF2-40B4-BE49-F238E27FC236}">
+                <a16:creationId xmlns:a16="http://schemas.microsoft.com/office/drawing/2014/main" id="{76866FDC-5FC8-12DC-690F-C2D95FB7AB9E}"/>
+              </a:ext>
+            </a:extLst>
+          </p:cNvPr>
+          <p:cNvSpPr>
+            <a:spLocks noGrp="1"/>
+          </p:cNvSpPr>
+          <p:nvPr>
+            <p:ph type="ctrTitle"/>
+          </p:nvPr>
+        </p:nvSpPr>
+        <p:spPr>
+          <a:xfrm>
+            <a:off x="3345892" y="2937695"/>
+            <a:ext cx="6257550" cy="1096899"/>
+          </a:xfrm>
+        </p:spPr>
+        <p:txBody>
+          <a:bodyPr>
+            <a:normAutofit/>
+          </a:bodyPr>
+          <a:lstStyle/>
+          <a:p>
+            <a:r>
+              <a:rPr lang="en-IN" sz="2800" b="1" i="1" u="sng" dirty="0">
+                <a:latin typeface="+mn-lt"/>
+              </a:rPr>
+              <a:t>STOCK PRICE FORECASTER</a:t>
+            </a:r>
+          </a:p>
+        </p:txBody>
+      </p:sp>
+      <p:sp>
+        <p:nvSpPr>
+          <p:cNvPr id="3" name="Subtitle 2">
+            <a:extLst>
+              <a:ext uri="{FF2B5EF4-FFF2-40B4-BE49-F238E27FC236}">
+                <a16:creationId xmlns:a16="http://schemas.microsoft.com/office/drawing/2014/main" id="{5CB152D6-AF82-AA7F-75FD-2B3388B3F845}"/>
+              </a:ext>
+            </a:extLst>
+          </p:cNvPr>
+          <p:cNvSpPr>
+            <a:spLocks noGrp="1"/>
+          </p:cNvSpPr>
+          <p:nvPr>
+            <p:ph type="subTitle" idx="1"/>
+          </p:nvPr>
+        </p:nvSpPr>
+        <p:spPr>
+          <a:xfrm>
+            <a:off x="4788276" y="4050832"/>
+            <a:ext cx="4485725" cy="1096899"/>
+          </a:xfrm>
+        </p:spPr>
+        <p:txBody>
+          <a:bodyPr>
+            <a:normAutofit/>
+          </a:bodyPr>
+          <a:lstStyle/>
+          <a:p>
+            <a:pPr>
+              <a:lnSpc>
+                <a:spcPct val="90000"/>
+              </a:lnSpc>
+            </a:pPr>
+            <a:r>
+              <a:rPr lang="en-IN" sz="1300" i="1"/>
+              <a:t>Data Science app to forecast stock prices for the next month</a:t>
+            </a:r>
+          </a:p>
+          <a:p>
+            <a:pPr>
+              <a:lnSpc>
+                <a:spcPct val="90000"/>
+              </a:lnSpc>
+            </a:pPr>
+            <a:r>
+              <a:rPr lang="en-IN" sz="1300" i="1"/>
+              <a:t>By</a:t>
+            </a:r>
+          </a:p>
+          <a:p>
+            <a:pPr marL="342900" indent="-342900">
+              <a:lnSpc>
+                <a:spcPct val="90000"/>
+              </a:lnSpc>
+              <a:buFontTx/>
+              <a:buChar char="-"/>
+            </a:pPr>
+            <a:r>
+              <a:rPr lang="en-IN" sz="1300" i="1"/>
+              <a:t>BETHANASAMY RAJAMANI</a:t>
+            </a:r>
+          </a:p>
+        </p:txBody>
+      </p:sp>
+      <p:sp>
+        <p:nvSpPr>
+          <p:cNvPr id="25" name="Rectangle 27">
+            <a:extLst>
+              <a:ext uri="{FF2B5EF4-FFF2-40B4-BE49-F238E27FC236}">
+                <a16:creationId xmlns:a16="http://schemas.microsoft.com/office/drawing/2014/main" id="{9185A8D7-2F20-4F7A-97BE-21DB1654C7F7}"/>
+              </a:ext>
+              <a:ext uri="{C183D7F6-B498-43B3-948B-1728B52AA6E4}">
+                <adec:decorative xmlns:adec="http://schemas.microsoft.com/office/drawing/2017/decorative" val="1"/>
+              </a:ext>
+            </a:extLst>
+          </p:cNvPr>
+          <p:cNvSpPr>
+            <a:spLocks noGrp="1" noRot="1" noChangeAspect="1" noMove="1" noResize="1" noEditPoints="1" noAdjustHandles="1" noChangeArrowheads="1" noChangeShapeType="1" noTextEdit="1"/>
+          </p:cNvSpPr>
+          <p:nvPr>
+            <p:extLst>
+              <p:ext uri="{386F3935-93C4-4BCD-93E2-E3B085C9AB24}">
+                <p16:designElem xmlns:p16="http://schemas.microsoft.com/office/powerpoint/2015/main" val="1"/>
+              </p:ext>
+            </p:extLst>
+          </p:nvPr>
+        </p:nvSpPr>
+        <p:spPr>
+          <a:xfrm>
+            <a:off x="9334500" y="-8467"/>
+            <a:ext cx="2854326" cy="6866467"/>
+          </a:xfrm>
+          <a:custGeom>
+            <a:avLst/>
+            <a:gdLst/>
+            <a:ahLst/>
+            <a:cxnLst/>
+            <a:rect l="l" t="t" r="r" b="b"/>
+            <a:pathLst>
+              <a:path w="2858013" h="6866467">
+                <a:moveTo>
+                  <a:pt x="0" y="0"/>
+                </a:moveTo>
+                <a:lnTo>
+                  <a:pt x="2858013" y="0"/>
+                </a:lnTo>
+                <a:lnTo>
+                  <a:pt x="2858013" y="6866467"/>
+                </a:lnTo>
+                <a:lnTo>
+                  <a:pt x="2473942" y="6866467"/>
+                </a:lnTo>
+                <a:lnTo>
+                  <a:pt x="0" y="0"/>
+                </a:lnTo>
+                <a:close/>
+              </a:path>
+            </a:pathLst>
+          </a:custGeom>
+          <a:solidFill>
+            <a:schemeClr val="accent2">
+              <a:lumMod val="75000"/>
+              <a:alpha val="47000"/>
+            </a:schemeClr>
+          </a:solidFill>
+          <a:ln>
+            <a:noFill/>
+          </a:ln>
+          <a:effectLst/>
+        </p:spPr>
+        <p:style>
+          <a:lnRef idx="1">
+            <a:schemeClr val="accent1"/>
+          </a:lnRef>
+          <a:fillRef idx="3">
+            <a:schemeClr val="accent1"/>
+          </a:fillRef>
+          <a:effectRef idx="2">
+            <a:schemeClr val="accent1"/>
+          </a:effectRef>
+          <a:fontRef idx="minor">
+            <a:schemeClr val="lt1"/>
+          </a:fontRef>
+        </p:style>
+        <p:txBody>
+          <a:bodyPr/>
+          <a:lstStyle/>
+          <a:p>
+            <a:endParaRPr lang="en-US"/>
+          </a:p>
+        </p:txBody>
+      </p:sp>
+      <p:sp>
+        <p:nvSpPr>
+          <p:cNvPr id="27" name="Rectangle 28">
+            <a:extLst>
+              <a:ext uri="{FF2B5EF4-FFF2-40B4-BE49-F238E27FC236}">
+                <a16:creationId xmlns:a16="http://schemas.microsoft.com/office/drawing/2014/main" id="{CB65BD56-22B3-4E13-BFCA-B8E8BEB92D6C}"/>
+              </a:ext>
+              <a:ext uri="{C183D7F6-B498-43B3-948B-1728B52AA6E4}">
+                <adec:decorative xmlns:adec="http://schemas.microsoft.com/office/drawing/2017/decorative" val="1"/>
+              </a:ext>
+            </a:extLst>
+          </p:cNvPr>
+          <p:cNvSpPr>
+            <a:spLocks noGrp="1" noRot="1" noChangeAspect="1" noMove="1" noResize="1" noEditPoints="1" noAdjustHandles="1" noChangeArrowheads="1" noChangeShapeType="1" noTextEdit="1"/>
+          </p:cNvSpPr>
+          <p:nvPr>
+            <p:extLst>
+              <p:ext uri="{386F3935-93C4-4BCD-93E2-E3B085C9AB24}">
+                <p16:designElem xmlns:p16="http://schemas.microsoft.com/office/powerpoint/2015/main" val="1"/>
+              </p:ext>
+            </p:extLst>
+          </p:nvPr>
+        </p:nvSpPr>
+        <p:spPr>
+          <a:xfrm>
+            <a:off x="10898730" y="-8467"/>
+            <a:ext cx="1290094" cy="6866467"/>
+          </a:xfrm>
+          <a:custGeom>
+            <a:avLst/>
+            <a:gdLst/>
+            <a:ahLst/>
+            <a:cxnLst/>
+            <a:rect l="l" t="t" r="r" b="b"/>
+            <a:pathLst>
+              <a:path w="1290094" h="6858000">
+                <a:moveTo>
+                  <a:pt x="1019735" y="0"/>
+                </a:moveTo>
+                <a:lnTo>
+                  <a:pt x="1290094" y="0"/>
+                </a:lnTo>
+                <a:lnTo>
+                  <a:pt x="1290094" y="6858000"/>
+                </a:lnTo>
+                <a:lnTo>
+                  <a:pt x="0" y="6858000"/>
+                </a:lnTo>
+                <a:lnTo>
+                  <a:pt x="1019735" y="0"/>
+                </a:lnTo>
+                <a:close/>
+              </a:path>
+            </a:pathLst>
+          </a:custGeom>
+          <a:solidFill>
+            <a:schemeClr val="accent1">
+              <a:lumMod val="60000"/>
+              <a:lumOff val="40000"/>
+              <a:alpha val="70000"/>
+            </a:schemeClr>
+          </a:solidFill>
+          <a:ln>
+            <a:noFill/>
+          </a:ln>
+          <a:effectLst/>
+        </p:spPr>
+        <p:style>
+          <a:lnRef idx="1">
+            <a:schemeClr val="accent1"/>
+          </a:lnRef>
+          <a:fillRef idx="3">
+            <a:schemeClr val="accent1"/>
+          </a:fillRef>
+          <a:effectRef idx="2">
+            <a:schemeClr val="accent1"/>
+          </a:effectRef>
+          <a:fontRef idx="minor">
+            <a:schemeClr val="lt1"/>
+          </a:fontRef>
+        </p:style>
+        <p:txBody>
+          <a:bodyPr/>
+          <a:lstStyle/>
+          <a:p>
+            <a:endParaRPr lang="en-US"/>
+          </a:p>
+        </p:txBody>
+      </p:sp>
+      <p:sp>
+        <p:nvSpPr>
+          <p:cNvPr id="29" name="Rectangle 29">
+            <a:extLst>
+              <a:ext uri="{FF2B5EF4-FFF2-40B4-BE49-F238E27FC236}">
+                <a16:creationId xmlns:a16="http://schemas.microsoft.com/office/drawing/2014/main" id="{6790ED68-BCA0-4247-A72F-1CB85DF068C3}"/>
+              </a:ext>
+              <a:ext uri="{C183D7F6-B498-43B3-948B-1728B52AA6E4}">
+                <adec:decorative xmlns:adec="http://schemas.microsoft.com/office/drawing/2017/decorative" val="1"/>
+              </a:ext>
+            </a:extLst>
+          </p:cNvPr>
+          <p:cNvSpPr>
+            <a:spLocks noGrp="1" noRot="1" noChangeAspect="1" noMove="1" noResize="1" noEditPoints="1" noAdjustHandles="1" noChangeArrowheads="1" noChangeShapeType="1" noTextEdit="1"/>
+          </p:cNvSpPr>
+          <p:nvPr>
+            <p:extLst>
+              <p:ext uri="{386F3935-93C4-4BCD-93E2-E3B085C9AB24}">
+                <p16:designElem xmlns:p16="http://schemas.microsoft.com/office/powerpoint/2015/main" val="1"/>
+              </p:ext>
+            </p:extLst>
+          </p:nvPr>
+        </p:nvSpPr>
+        <p:spPr>
+          <a:xfrm>
+            <a:off x="10938999" y="-8467"/>
+            <a:ext cx="1249825" cy="6866467"/>
+          </a:xfrm>
+          <a:custGeom>
+            <a:avLst/>
+            <a:gdLst/>
+            <a:ahLst/>
+            <a:cxnLst/>
+            <a:rect l="l" t="t" r="r" b="b"/>
+            <a:pathLst>
+              <a:path w="1249825" h="6858000">
+                <a:moveTo>
+                  <a:pt x="0" y="0"/>
+                </a:moveTo>
+                <a:lnTo>
+                  <a:pt x="1249825" y="0"/>
+                </a:lnTo>
+                <a:lnTo>
+                  <a:pt x="1249825" y="6858000"/>
+                </a:lnTo>
+                <a:lnTo>
+                  <a:pt x="1109382" y="6858000"/>
+                </a:lnTo>
+                <a:lnTo>
+                  <a:pt x="0" y="0"/>
+                </a:lnTo>
+                <a:close/>
+              </a:path>
+            </a:pathLst>
+          </a:custGeom>
+          <a:solidFill>
+            <a:schemeClr val="accent1">
+              <a:alpha val="65000"/>
+            </a:schemeClr>
+          </a:solidFill>
+          <a:ln>
+            <a:noFill/>
+          </a:ln>
+          <a:effectLst/>
+        </p:spPr>
+        <p:style>
+          <a:lnRef idx="1">
+            <a:schemeClr val="accent1"/>
+          </a:lnRef>
+          <a:fillRef idx="3">
+            <a:schemeClr val="accent1"/>
+          </a:fillRef>
+          <a:effectRef idx="2">
+            <a:schemeClr val="accent1"/>
+          </a:effectRef>
+          <a:fontRef idx="minor">
+            <a:schemeClr val="lt1"/>
+          </a:fontRef>
+        </p:style>
+        <p:txBody>
+          <a:bodyPr/>
+          <a:lstStyle/>
+          <a:p>
+            <a:endParaRPr lang="en-US"/>
+          </a:p>
+        </p:txBody>
+      </p:sp>
+      <p:sp>
+        <p:nvSpPr>
+          <p:cNvPr id="31" name="Isosceles Triangle 30">
+            <a:extLst>
+              <a:ext uri="{FF2B5EF4-FFF2-40B4-BE49-F238E27FC236}">
+                <a16:creationId xmlns:a16="http://schemas.microsoft.com/office/drawing/2014/main" id="{DD0F2B3F-DC55-4FA7-B667-1ACD07920937}"/>
+              </a:ext>
+              <a:ext uri="{C183D7F6-B498-43B3-948B-1728B52AA6E4}">
+                <adec:decorative xmlns:adec="http://schemas.microsoft.com/office/drawing/2017/decorative" val="1"/>
+              </a:ext>
+            </a:extLst>
+          </p:cNvPr>
+          <p:cNvSpPr>
+            <a:spLocks noGrp="1" noRot="1" noChangeAspect="1" noMove="1" noResize="1" noEditPoints="1" noAdjustHandles="1" noChangeArrowheads="1" noChangeShapeType="1" noTextEdit="1"/>
+          </p:cNvSpPr>
+          <p:nvPr>
+            <p:extLst>
+              <p:ext uri="{386F3935-93C4-4BCD-93E2-E3B085C9AB24}">
+                <p16:designElem xmlns:p16="http://schemas.microsoft.com/office/powerpoint/2015/main" val="1"/>
+              </p:ext>
+            </p:extLst>
+          </p:nvPr>
+        </p:nvSpPr>
+        <p:spPr>
+          <a:xfrm>
+            <a:off x="10371666" y="3589867"/>
+            <a:ext cx="1817159" cy="3268133"/>
+          </a:xfrm>
+          <a:prstGeom prst="triangle">
+            <a:avLst>
+              <a:gd name="adj" fmla="val 100000"/>
+            </a:avLst>
+          </a:prstGeom>
+          <a:solidFill>
+            <a:schemeClr val="accent1">
+              <a:alpha val="80000"/>
+            </a:schemeClr>
+          </a:solidFill>
+          <a:ln>
+            <a:noFill/>
+          </a:ln>
+          <a:effectLst/>
+        </p:spPr>
+        <p:style>
+          <a:lnRef idx="1">
+            <a:schemeClr val="accent1"/>
+          </a:lnRef>
+          <a:fillRef idx="3">
+            <a:schemeClr val="accent1"/>
+          </a:fillRef>
+          <a:effectRef idx="2">
+            <a:schemeClr val="accent1"/>
+          </a:effectRef>
+          <a:fontRef idx="minor">
+            <a:schemeClr val="lt1"/>
+          </a:fontRef>
+        </p:style>
+        <p:txBody>
+          <a:bodyPr/>
+          <a:lstStyle/>
+          <a:p>
+            <a:endParaRPr lang="en-US"/>
+          </a:p>
+        </p:txBody>
+      </p:sp>
     </p:spTree>
     <p:extLst>
       <p:ext uri="{BB962C8B-B14F-4D97-AF65-F5344CB8AC3E}">
@@ -3739,6 +7475,273 @@
   <p:clrMapOvr>
     <a:masterClrMapping/>
   </p:clrMapOvr>
+  <p:timing>
+    <p:tnLst>
+      <p:par>
+        <p:cTn id="1" dur="indefinite" restart="never" nodeType="tmRoot">
+          <p:childTnLst>
+            <p:seq concurrent="1" nextAc="seek">
+              <p:cTn id="2" dur="indefinite" nodeType="mainSeq">
+                <p:childTnLst>
+                  <p:par>
+                    <p:cTn id="3" fill="hold">
+                      <p:stCondLst>
+                        <p:cond delay="indefinite"/>
+                        <p:cond evt="onBegin" delay="0">
+                          <p:tn val="2"/>
+                        </p:cond>
+                      </p:stCondLst>
+                      <p:childTnLst>
+                        <p:par>
+                          <p:cTn id="4" fill="hold">
+                            <p:stCondLst>
+                              <p:cond delay="0"/>
+                            </p:stCondLst>
+                            <p:childTnLst>
+                              <p:par>
+                                <p:cTn id="5" presetID="10" presetClass="entr" presetSubtype="0" fill="hold" grpId="0" nodeType="withEffect">
+                                  <p:stCondLst>
+                                    <p:cond delay="1000"/>
+                                  </p:stCondLst>
+                                  <p:iterate>
+                                    <p:tmPct val="10000"/>
+                                  </p:iterate>
+                                  <p:childTnLst>
+                                    <p:set>
+                                      <p:cBhvr>
+                                        <p:cTn id="6" dur="1" fill="hold">
+                                          <p:stCondLst>
+                                            <p:cond delay="0"/>
+                                          </p:stCondLst>
+                                        </p:cTn>
+                                        <p:tgtEl>
+                                          <p:spTgt spid="2"/>
+                                        </p:tgtEl>
+                                        <p:attrNameLst>
+                                          <p:attrName>style.visibility</p:attrName>
+                                        </p:attrNameLst>
+                                      </p:cBhvr>
+                                      <p:to>
+                                        <p:strVal val="visible"/>
+                                      </p:to>
+                                    </p:set>
+                                    <p:animEffect transition="in" filter="fade">
+                                      <p:cBhvr>
+                                        <p:cTn id="7" dur="700"/>
+                                        <p:tgtEl>
+                                          <p:spTgt spid="2"/>
+                                        </p:tgtEl>
+                                      </p:cBhvr>
+                                    </p:animEffect>
+                                  </p:childTnLst>
+                                </p:cTn>
+                              </p:par>
+                              <p:par>
+                                <p:cTn id="8" presetID="10" presetClass="entr" presetSubtype="0" fill="hold" grpId="0" nodeType="withEffect">
+                                  <p:stCondLst>
+                                    <p:cond delay="1500"/>
+                                  </p:stCondLst>
+                                  <p:iterate>
+                                    <p:tmPct val="10000"/>
+                                  </p:iterate>
+                                  <p:childTnLst>
+                                    <p:set>
+                                      <p:cBhvr>
+                                        <p:cTn id="9" dur="1" fill="hold">
+                                          <p:stCondLst>
+                                            <p:cond delay="0"/>
+                                          </p:stCondLst>
+                                        </p:cTn>
+                                        <p:tgtEl>
+                                          <p:spTgt spid="3">
+                                            <p:txEl>
+                                              <p:pRg st="0" end="0"/>
+                                            </p:txEl>
+                                          </p:spTgt>
+                                        </p:tgtEl>
+                                        <p:attrNameLst>
+                                          <p:attrName>style.visibility</p:attrName>
+                                        </p:attrNameLst>
+                                      </p:cBhvr>
+                                      <p:to>
+                                        <p:strVal val="visible"/>
+                                      </p:to>
+                                    </p:set>
+                                    <p:animEffect transition="in" filter="fade">
+                                      <p:cBhvr>
+                                        <p:cTn id="10" dur="700"/>
+                                        <p:tgtEl>
+                                          <p:spTgt spid="3">
+                                            <p:txEl>
+                                              <p:pRg st="0" end="0"/>
+                                            </p:txEl>
+                                          </p:spTgt>
+                                        </p:tgtEl>
+                                      </p:cBhvr>
+                                    </p:animEffect>
+                                  </p:childTnLst>
+                                </p:cTn>
+                              </p:par>
+                            </p:childTnLst>
+                          </p:cTn>
+                        </p:par>
+                      </p:childTnLst>
+                    </p:cTn>
+                  </p:par>
+                  <p:par>
+                    <p:cTn id="11" fill="hold">
+                      <p:stCondLst>
+                        <p:cond delay="indefinite"/>
+                      </p:stCondLst>
+                      <p:childTnLst>
+                        <p:par>
+                          <p:cTn id="12" fill="hold">
+                            <p:stCondLst>
+                              <p:cond delay="0"/>
+                            </p:stCondLst>
+                            <p:childTnLst>
+                              <p:par>
+                                <p:cTn id="13" presetID="10" presetClass="entr" presetSubtype="0" fill="hold" grpId="0" nodeType="clickEffect">
+                                  <p:stCondLst>
+                                    <p:cond delay="1500"/>
+                                  </p:stCondLst>
+                                  <p:iterate>
+                                    <p:tmPct val="10000"/>
+                                  </p:iterate>
+                                  <p:childTnLst>
+                                    <p:set>
+                                      <p:cBhvr>
+                                        <p:cTn id="14" dur="1" fill="hold">
+                                          <p:stCondLst>
+                                            <p:cond delay="0"/>
+                                          </p:stCondLst>
+                                        </p:cTn>
+                                        <p:tgtEl>
+                                          <p:spTgt spid="3">
+                                            <p:txEl>
+                                              <p:pRg st="1" end="1"/>
+                                            </p:txEl>
+                                          </p:spTgt>
+                                        </p:tgtEl>
+                                        <p:attrNameLst>
+                                          <p:attrName>style.visibility</p:attrName>
+                                        </p:attrNameLst>
+                                      </p:cBhvr>
+                                      <p:to>
+                                        <p:strVal val="visible"/>
+                                      </p:to>
+                                    </p:set>
+                                    <p:animEffect transition="in" filter="fade">
+                                      <p:cBhvr>
+                                        <p:cTn id="15" dur="700"/>
+                                        <p:tgtEl>
+                                          <p:spTgt spid="3">
+                                            <p:txEl>
+                                              <p:pRg st="1" end="1"/>
+                                            </p:txEl>
+                                          </p:spTgt>
+                                        </p:tgtEl>
+                                      </p:cBhvr>
+                                    </p:animEffect>
+                                  </p:childTnLst>
+                                </p:cTn>
+                              </p:par>
+                            </p:childTnLst>
+                          </p:cTn>
+                        </p:par>
+                      </p:childTnLst>
+                    </p:cTn>
+                  </p:par>
+                  <p:par>
+                    <p:cTn id="16" fill="hold">
+                      <p:stCondLst>
+                        <p:cond delay="indefinite"/>
+                      </p:stCondLst>
+                      <p:childTnLst>
+                        <p:par>
+                          <p:cTn id="17" fill="hold">
+                            <p:stCondLst>
+                              <p:cond delay="0"/>
+                            </p:stCondLst>
+                            <p:childTnLst>
+                              <p:par>
+                                <p:cTn id="18" presetID="10" presetClass="entr" presetSubtype="0" fill="hold" grpId="0" nodeType="clickEffect">
+                                  <p:stCondLst>
+                                    <p:cond delay="1500"/>
+                                  </p:stCondLst>
+                                  <p:iterate>
+                                    <p:tmPct val="10000"/>
+                                  </p:iterate>
+                                  <p:childTnLst>
+                                    <p:set>
+                                      <p:cBhvr>
+                                        <p:cTn id="19" dur="1" fill="hold">
+                                          <p:stCondLst>
+                                            <p:cond delay="0"/>
+                                          </p:stCondLst>
+                                        </p:cTn>
+                                        <p:tgtEl>
+                                          <p:spTgt spid="3">
+                                            <p:txEl>
+                                              <p:pRg st="2" end="2"/>
+                                            </p:txEl>
+                                          </p:spTgt>
+                                        </p:tgtEl>
+                                        <p:attrNameLst>
+                                          <p:attrName>style.visibility</p:attrName>
+                                        </p:attrNameLst>
+                                      </p:cBhvr>
+                                      <p:to>
+                                        <p:strVal val="visible"/>
+                                      </p:to>
+                                    </p:set>
+                                    <p:animEffect transition="in" filter="fade">
+                                      <p:cBhvr>
+                                        <p:cTn id="20" dur="700"/>
+                                        <p:tgtEl>
+                                          <p:spTgt spid="3">
+                                            <p:txEl>
+                                              <p:pRg st="2" end="2"/>
+                                            </p:txEl>
+                                          </p:spTgt>
+                                        </p:tgtEl>
+                                      </p:cBhvr>
+                                    </p:animEffect>
+                                  </p:childTnLst>
+                                </p:cTn>
+                              </p:par>
+                            </p:childTnLst>
+                          </p:cTn>
+                        </p:par>
+                      </p:childTnLst>
+                    </p:cTn>
+                  </p:par>
+                </p:childTnLst>
+              </p:cTn>
+              <p:prevCondLst>
+                <p:cond evt="onPrev" delay="0">
+                  <p:tgtEl>
+                    <p:sldTgt/>
+                  </p:tgtEl>
+                </p:cond>
+              </p:prevCondLst>
+              <p:nextCondLst>
+                <p:cond evt="onNext" delay="0">
+                  <p:tgtEl>
+                    <p:sldTgt/>
+                  </p:tgtEl>
+                </p:cond>
+              </p:nextCondLst>
+            </p:seq>
+          </p:childTnLst>
+        </p:cTn>
+      </p:par>
+    </p:tnLst>
+    <p:bldLst>
+      <p:bldP spid="2" grpId="0"/>
+      <p:bldP spid="3" grpId="0" build="p"/>
+    </p:bldLst>
+  </p:timing>
 </p:sld>
 </file>
 
@@ -4287,175 +8290,6 @@
     <p:extLst>
       <p:ext uri="{BB962C8B-B14F-4D97-AF65-F5344CB8AC3E}">
         <p14:creationId xmlns:p14="http://schemas.microsoft.com/office/powerpoint/2010/main" val="2744834581"/>
-      </p:ext>
-    </p:extLst>
-  </p:cSld>
-  <p:clrMapOvr>
-    <a:masterClrMapping/>
-  </p:clrMapOvr>
-</p:sld>
-</file>
-
-<file path=ppt/slides/slide14.xml><?xml version="1.0" encoding="utf-8"?>
-<p:sld xmlns:a="http://schemas.openxmlformats.org/drawingml/2006/main" xmlns:r="http://schemas.openxmlformats.org/officeDocument/2006/relationships" xmlns:p="http://schemas.openxmlformats.org/presentationml/2006/main">
-  <p:cSld>
-    <p:bg>
-      <p:bgPr>
-        <a:gradFill>
-          <a:gsLst>
-            <a:gs pos="0">
-              <a:schemeClr val="accent1">
-                <a:lumMod val="5000"/>
-                <a:lumOff val="95000"/>
-              </a:schemeClr>
-            </a:gs>
-            <a:gs pos="74000">
-              <a:schemeClr val="accent1">
-                <a:lumMod val="45000"/>
-                <a:lumOff val="55000"/>
-              </a:schemeClr>
-            </a:gs>
-            <a:gs pos="83000">
-              <a:schemeClr val="accent1">
-                <a:lumMod val="45000"/>
-                <a:lumOff val="55000"/>
-              </a:schemeClr>
-            </a:gs>
-            <a:gs pos="100000">
-              <a:schemeClr val="accent1">
-                <a:lumMod val="30000"/>
-                <a:lumOff val="70000"/>
-              </a:schemeClr>
-            </a:gs>
-          </a:gsLst>
-          <a:lin ang="5400000" scaled="1"/>
-        </a:gradFill>
-        <a:effectLst/>
-      </p:bgPr>
-    </p:bg>
-    <p:spTree>
-      <p:nvGrpSpPr>
-        <p:cNvPr id="1" name=""/>
-        <p:cNvGrpSpPr/>
-        <p:nvPr/>
-      </p:nvGrpSpPr>
-      <p:grpSpPr>
-        <a:xfrm>
-          <a:off x="0" y="0"/>
-          <a:ext cx="0" cy="0"/>
-          <a:chOff x="0" y="0"/>
-          <a:chExt cx="0" cy="0"/>
-        </a:xfrm>
-      </p:grpSpPr>
-      <p:sp>
-        <p:nvSpPr>
-          <p:cNvPr id="2" name="Title 1">
-            <a:extLst>
-              <a:ext uri="{FF2B5EF4-FFF2-40B4-BE49-F238E27FC236}">
-                <a16:creationId xmlns:a16="http://schemas.microsoft.com/office/drawing/2014/main" id="{E97C33B7-2B6D-DD24-71FA-8DA117532B49}"/>
-              </a:ext>
-            </a:extLst>
-          </p:cNvPr>
-          <p:cNvSpPr>
-            <a:spLocks noGrp="1"/>
-          </p:cNvSpPr>
-          <p:nvPr>
-            <p:ph type="title"/>
-          </p:nvPr>
-        </p:nvSpPr>
-        <p:spPr>
-          <a:xfrm>
-            <a:off x="838200" y="1104900"/>
-            <a:ext cx="10515600" cy="1257300"/>
-          </a:xfrm>
-        </p:spPr>
-        <p:txBody>
-          <a:bodyPr/>
-          <a:lstStyle/>
-          <a:p>
-            <a:pPr algn="ctr"/>
-            <a:r>
-              <a:rPr lang="en-IN" dirty="0"/>
-              <a:t>External Links</a:t>
-            </a:r>
-          </a:p>
-        </p:txBody>
-      </p:sp>
-      <p:sp>
-        <p:nvSpPr>
-          <p:cNvPr id="3" name="Content Placeholder 2">
-            <a:extLst>
-              <a:ext uri="{FF2B5EF4-FFF2-40B4-BE49-F238E27FC236}">
-                <a16:creationId xmlns:a16="http://schemas.microsoft.com/office/drawing/2014/main" id="{234CE32E-2B58-D43D-2A80-248DB050F7B5}"/>
-              </a:ext>
-            </a:extLst>
-          </p:cNvPr>
-          <p:cNvSpPr>
-            <a:spLocks noGrp="1"/>
-          </p:cNvSpPr>
-          <p:nvPr>
-            <p:ph idx="1"/>
-          </p:nvPr>
-        </p:nvSpPr>
-        <p:spPr>
-          <a:xfrm flipH="1">
-            <a:off x="977900" y="3289300"/>
-            <a:ext cx="9994900" cy="1651000"/>
-          </a:xfrm>
-        </p:spPr>
-        <p:txBody>
-          <a:bodyPr>
-            <a:normAutofit/>
-          </a:bodyPr>
-          <a:lstStyle/>
-          <a:p>
-            <a:pPr marL="0" indent="0" algn="ctr">
-              <a:buNone/>
-            </a:pPr>
-            <a:r>
-              <a:rPr lang="en-IN" sz="2400" dirty="0">
-                <a:hlinkClick r:id="rId2"/>
-              </a:rPr>
-              <a:t>https://github.com/HarshalKhilari/P-246-Group-6-Stock-Price-Forecasting</a:t>
-            </a:r>
-            <a:endParaRPr lang="en-IN" sz="2400" dirty="0"/>
-          </a:p>
-          <a:p>
-            <a:pPr marL="0" indent="0" algn="ctr">
-              <a:buNone/>
-            </a:pPr>
-            <a:endParaRPr lang="en-IN" sz="2400" dirty="0"/>
-          </a:p>
-          <a:p>
-            <a:pPr marL="0" indent="0" algn="ctr">
-              <a:buNone/>
-            </a:pPr>
-            <a:r>
-              <a:rPr lang="en-IN" sz="2400" dirty="0">
-                <a:hlinkClick r:id="rId3"/>
-              </a:rPr>
-              <a:t>https://delphi-the-stock-forecaster.streamlit.app/</a:t>
-            </a:r>
-            <a:endParaRPr lang="en-IN" sz="2400" dirty="0"/>
-          </a:p>
-          <a:p>
-            <a:pPr marL="0" indent="0" algn="ctr">
-              <a:buNone/>
-            </a:pPr>
-            <a:endParaRPr lang="en-IN" sz="2400" dirty="0"/>
-          </a:p>
-          <a:p>
-            <a:pPr marL="0" indent="0">
-              <a:buNone/>
-            </a:pPr>
-            <a:endParaRPr lang="en-IN" dirty="0"/>
-          </a:p>
-        </p:txBody>
-      </p:sp>
-    </p:spTree>
-    <p:extLst>
-      <p:ext uri="{BB962C8B-B14F-4D97-AF65-F5344CB8AC3E}">
-        <p14:creationId xmlns:p14="http://schemas.microsoft.com/office/powerpoint/2010/main" val="3187916917"/>
       </p:ext>
     </p:extLst>
   </p:cSld>
@@ -6441,9 +10275,9 @@
 </file>
 
 <file path=ppt/theme/theme1.xml><?xml version="1.0" encoding="utf-8"?>
-<a:theme xmlns:a="http://schemas.openxmlformats.org/drawingml/2006/main" name="Office Theme">
+<a:theme xmlns:a="http://schemas.openxmlformats.org/drawingml/2006/main" name="Facet">
   <a:themeElements>
-    <a:clrScheme name="Office">
+    <a:clrScheme name="Facet">
       <a:dk1>
         <a:sysClr val="windowText" lastClr="000000"/>
       </a:dk1>
@@ -6451,52 +10285,52 @@
         <a:sysClr val="window" lastClr="FFFFFF"/>
       </a:lt1>
       <a:dk2>
-        <a:srgbClr val="44546A"/>
+        <a:srgbClr val="2C3C43"/>
       </a:dk2>
       <a:lt2>
-        <a:srgbClr val="E7E6E6"/>
+        <a:srgbClr val="EBEBEB"/>
       </a:lt2>
       <a:accent1>
-        <a:srgbClr val="4472C4"/>
+        <a:srgbClr val="5FCBEF"/>
       </a:accent1>
       <a:accent2>
-        <a:srgbClr val="ED7D31"/>
+        <a:srgbClr val="2E83C3"/>
       </a:accent2>
       <a:accent3>
-        <a:srgbClr val="A5A5A5"/>
+        <a:srgbClr val="42D0A2"/>
       </a:accent3>
       <a:accent4>
-        <a:srgbClr val="FFC000"/>
+        <a:srgbClr val="2E946B"/>
       </a:accent4>
       <a:accent5>
-        <a:srgbClr val="5B9BD5"/>
+        <a:srgbClr val="42B051"/>
       </a:accent5>
       <a:accent6>
-        <a:srgbClr val="70AD47"/>
+        <a:srgbClr val="96D141"/>
       </a:accent6>
       <a:hlink>
-        <a:srgbClr val="0563C1"/>
+        <a:srgbClr val="3FCDE7"/>
       </a:hlink>
       <a:folHlink>
-        <a:srgbClr val="954F72"/>
+        <a:srgbClr val="A9D3E1"/>
       </a:folHlink>
     </a:clrScheme>
-    <a:fontScheme name="Office">
+    <a:fontScheme name="Facet">
       <a:majorFont>
-        <a:latin typeface="Calibri Light" panose="020F0302020204030204"/>
+        <a:latin typeface="Trebuchet MS" panose="020B0603020202020204"/>
         <a:ea typeface=""/>
         <a:cs typeface=""/>
-        <a:font script="Jpan" typeface="游ゴシック Light"/>
+        <a:font script="Jpan" typeface="メイリオ"/>
         <a:font script="Hang" typeface="맑은 고딕"/>
-        <a:font script="Hans" typeface="等线 Light"/>
-        <a:font script="Hant" typeface="新細明體"/>
-        <a:font script="Arab" typeface="Times New Roman"/>
-        <a:font script="Hebr" typeface="Times New Roman"/>
-        <a:font script="Thai" typeface="Angsana New"/>
+        <a:font script="Hans" typeface="方正姚体"/>
+        <a:font script="Hant" typeface="微軟正黑體"/>
+        <a:font script="Arab" typeface="Tahoma"/>
+        <a:font script="Hebr" typeface="Arial"/>
+        <a:font script="Thai" typeface="Cordia New"/>
         <a:font script="Ethi" typeface="Nyala"/>
         <a:font script="Beng" typeface="Vrinda"/>
         <a:font script="Gujr" typeface="Shruti"/>
-        <a:font script="Khmr" typeface="MoolBoran"/>
+        <a:font script="Khmr" typeface="DaunPenh"/>
         <a:font script="Knda" typeface="Tunga"/>
         <a:font script="Guru" typeface="Raavi"/>
         <a:font script="Cans" typeface="Euphemia"/>
@@ -6513,38 +10347,21 @@
         <a:font script="Laoo" typeface="DokChampa"/>
         <a:font script="Sinh" typeface="Iskoola Pota"/>
         <a:font script="Mong" typeface="Mongolian Baiti"/>
-        <a:font script="Viet" typeface="Times New Roman"/>
+        <a:font script="Viet" typeface="Tahoma"/>
         <a:font script="Uigh" typeface="Microsoft Uighur"/>
         <a:font script="Geor" typeface="Sylfaen"/>
-        <a:font script="Armn" typeface="Arial"/>
-        <a:font script="Bugi" typeface="Leelawadee UI"/>
-        <a:font script="Bopo" typeface="Microsoft JhengHei"/>
-        <a:font script="Java" typeface="Javanese Text"/>
-        <a:font script="Lisu" typeface="Segoe UI"/>
-        <a:font script="Mymr" typeface="Myanmar Text"/>
-        <a:font script="Nkoo" typeface="Ebrima"/>
-        <a:font script="Olck" typeface="Nirmala UI"/>
-        <a:font script="Osma" typeface="Ebrima"/>
-        <a:font script="Phag" typeface="Phagspa"/>
-        <a:font script="Syrn" typeface="Estrangelo Edessa"/>
-        <a:font script="Syrj" typeface="Estrangelo Edessa"/>
-        <a:font script="Syre" typeface="Estrangelo Edessa"/>
-        <a:font script="Sora" typeface="Nirmala UI"/>
-        <a:font script="Tale" typeface="Microsoft Tai Le"/>
-        <a:font script="Talu" typeface="Microsoft New Tai Lue"/>
-        <a:font script="Tfng" typeface="Ebrima"/>
       </a:majorFont>
       <a:minorFont>
-        <a:latin typeface="Calibri" panose="020F0502020204030204"/>
+        <a:latin typeface="Trebuchet MS" panose="020B0603020202020204"/>
         <a:ea typeface=""/>
         <a:cs typeface=""/>
-        <a:font script="Jpan" typeface="游ゴシック"/>
-        <a:font script="Hang" typeface="맑은 고딕"/>
-        <a:font script="Hans" typeface="等线"/>
-        <a:font script="Hant" typeface="新細明體"/>
-        <a:font script="Arab" typeface="Arial"/>
-        <a:font script="Hebr" typeface="Arial"/>
-        <a:font script="Thai" typeface="Cordia New"/>
+        <a:font script="Jpan" typeface="メイリオ"/>
+        <a:font script="Hang" typeface="HY그래픽M"/>
+        <a:font script="Hans" typeface="华文新魏"/>
+        <a:font script="Hant" typeface="微軟正黑體"/>
+        <a:font script="Arab" typeface="Tahoma"/>
+        <a:font script="Hebr" typeface="Gisha"/>
+        <a:font script="Thai" typeface="IrisUPC"/>
         <a:font script="Ethi" typeface="Nyala"/>
         <a:font script="Beng" typeface="Vrinda"/>
         <a:font script="Gujr" typeface="Shruti"/>
@@ -6568,26 +10385,9 @@
         <a:font script="Viet" typeface="Arial"/>
         <a:font script="Uigh" typeface="Microsoft Uighur"/>
         <a:font script="Geor" typeface="Sylfaen"/>
-        <a:font script="Armn" typeface="Arial"/>
-        <a:font script="Bugi" typeface="Leelawadee UI"/>
-        <a:font script="Bopo" typeface="Microsoft JhengHei"/>
-        <a:font script="Java" typeface="Javanese Text"/>
-        <a:font script="Lisu" typeface="Segoe UI"/>
-        <a:font script="Mymr" typeface="Myanmar Text"/>
-        <a:font script="Nkoo" typeface="Ebrima"/>
-        <a:font script="Olck" typeface="Nirmala UI"/>
-        <a:font script="Osma" typeface="Ebrima"/>
-        <a:font script="Phag" typeface="Phagspa"/>
-        <a:font script="Syrn" typeface="Estrangelo Edessa"/>
-        <a:font script="Syrj" typeface="Estrangelo Edessa"/>
-        <a:font script="Syre" typeface="Estrangelo Edessa"/>
-        <a:font script="Sora" typeface="Nirmala UI"/>
-        <a:font script="Tale" typeface="Microsoft Tai Le"/>
-        <a:font script="Talu" typeface="Microsoft New Tai Lue"/>
-        <a:font script="Tfng" typeface="Ebrima"/>
       </a:minorFont>
     </a:fontScheme>
-    <a:fmtScheme name="Office">
+    <a:fmtScheme name="Facet">
       <a:fillStyleLst>
         <a:solidFill>
           <a:schemeClr val="phClr"/>
@@ -6596,23 +10396,13 @@
           <a:gsLst>
             <a:gs pos="0">
               <a:schemeClr val="phClr">
+                <a:tint val="65000"/>
                 <a:lumMod val="110000"/>
-                <a:satMod val="105000"/>
-                <a:tint val="67000"/>
               </a:schemeClr>
             </a:gs>
-            <a:gs pos="50000">
+            <a:gs pos="88000">
               <a:schemeClr val="phClr">
-                <a:lumMod val="105000"/>
-                <a:satMod val="103000"/>
-                <a:tint val="73000"/>
-              </a:schemeClr>
-            </a:gs>
-            <a:gs pos="100000">
-              <a:schemeClr val="phClr">
-                <a:lumMod val="105000"/>
-                <a:satMod val="109000"/>
-                <a:tint val="81000"/>
+                <a:tint val="90000"/>
               </a:schemeClr>
             </a:gs>
           </a:gsLst>
@@ -6622,23 +10412,14 @@
           <a:gsLst>
             <a:gs pos="0">
               <a:schemeClr val="phClr">
-                <a:satMod val="103000"/>
-                <a:lumMod val="102000"/>
-                <a:tint val="94000"/>
+                <a:tint val="96000"/>
+                <a:lumMod val="100000"/>
               </a:schemeClr>
             </a:gs>
-            <a:gs pos="50000">
+            <a:gs pos="78000">
               <a:schemeClr val="phClr">
-                <a:satMod val="110000"/>
-                <a:lumMod val="100000"/>
-                <a:shade val="100000"/>
-              </a:schemeClr>
-            </a:gs>
-            <a:gs pos="100000">
-              <a:schemeClr val="phClr">
-                <a:lumMod val="99000"/>
-                <a:satMod val="120000"/>
-                <a:shade val="78000"/>
+                <a:shade val="94000"/>
+                <a:lumMod val="94000"/>
               </a:schemeClr>
             </a:gs>
           </a:gsLst>
@@ -6646,26 +10427,23 @@
         </a:gradFill>
       </a:fillStyleLst>
       <a:lnStyleLst>
-        <a:ln w="6350" cap="flat" cmpd="sng" algn="ctr">
+        <a:ln w="12700" cap="rnd" cmpd="sng" algn="ctr">
           <a:solidFill>
             <a:schemeClr val="phClr"/>
           </a:solidFill>
           <a:prstDash val="solid"/>
-          <a:miter lim="800000"/>
         </a:ln>
-        <a:ln w="12700" cap="flat" cmpd="sng" algn="ctr">
+        <a:ln w="19050" cap="rnd" cmpd="sng" algn="ctr">
           <a:solidFill>
             <a:schemeClr val="phClr"/>
           </a:solidFill>
           <a:prstDash val="solid"/>
-          <a:miter lim="800000"/>
         </a:ln>
-        <a:ln w="19050" cap="flat" cmpd="sng" algn="ctr">
+        <a:ln w="25400" cap="rnd" cmpd="sng" algn="ctr">
           <a:solidFill>
             <a:schemeClr val="phClr"/>
           </a:solidFill>
           <a:prstDash val="solid"/>
-          <a:miter lim="800000"/>
         </a:ln>
       </a:lnStyleLst>
       <a:effectStyleLst>
@@ -6673,54 +10451,72 @@
           <a:effectLst/>
         </a:effectStyle>
         <a:effectStyle>
-          <a:effectLst/>
+          <a:effectLst>
+            <a:outerShdw blurRad="38100" dist="25400" dir="5400000" rotWithShape="0">
+              <a:srgbClr val="000000">
+                <a:alpha val="35000"/>
+              </a:srgbClr>
+            </a:outerShdw>
+          </a:effectLst>
         </a:effectStyle>
         <a:effectStyle>
           <a:effectLst>
-            <a:outerShdw blurRad="57150" dist="19050" dir="5400000" algn="ctr" rotWithShape="0">
+            <a:outerShdw blurRad="50800" dist="38100" dir="5400000" rotWithShape="0">
               <a:srgbClr val="000000">
-                <a:alpha val="63000"/>
+                <a:alpha val="35000"/>
               </a:srgbClr>
             </a:outerShdw>
           </a:effectLst>
+          <a:scene3d>
+            <a:camera prst="orthographicFront">
+              <a:rot lat="0" lon="0" rev="0"/>
+            </a:camera>
+            <a:lightRig rig="threePt" dir="tl"/>
+          </a:scene3d>
+          <a:sp3d prstMaterial="plastic">
+            <a:bevelT w="0" h="0"/>
+          </a:sp3d>
         </a:effectStyle>
       </a:effectStyleLst>
       <a:bgFillStyleLst>
         <a:solidFill>
           <a:schemeClr val="phClr"/>
         </a:solidFill>
-        <a:solidFill>
-          <a:schemeClr val="phClr">
-            <a:tint val="95000"/>
-            <a:satMod val="170000"/>
-          </a:schemeClr>
-        </a:solidFill>
         <a:gradFill rotWithShape="1">
           <a:gsLst>
             <a:gs pos="0">
               <a:schemeClr val="phClr">
-                <a:tint val="93000"/>
-                <a:satMod val="150000"/>
-                <a:shade val="98000"/>
-                <a:lumMod val="102000"/>
+                <a:tint val="90000"/>
+                <a:lumMod val="104000"/>
               </a:schemeClr>
             </a:gs>
-            <a:gs pos="50000">
+            <a:gs pos="94000">
               <a:schemeClr val="phClr">
-                <a:tint val="98000"/>
-                <a:satMod val="130000"/>
-                <a:shade val="90000"/>
-                <a:lumMod val="103000"/>
+                <a:shade val="96000"/>
+                <a:lumMod val="82000"/>
+              </a:schemeClr>
+            </a:gs>
+          </a:gsLst>
+          <a:lin ang="5400000" scaled="0"/>
+        </a:gradFill>
+        <a:gradFill rotWithShape="1">
+          <a:gsLst>
+            <a:gs pos="0">
+              <a:schemeClr val="phClr">
+                <a:tint val="90000"/>
+                <a:lumMod val="110000"/>
               </a:schemeClr>
             </a:gs>
             <a:gs pos="100000">
               <a:schemeClr val="phClr">
-                <a:shade val="63000"/>
-                <a:satMod val="120000"/>
+                <a:shade val="94000"/>
+                <a:lumMod val="96000"/>
               </a:schemeClr>
             </a:gs>
           </a:gsLst>
-          <a:lin ang="5400000" scaled="0"/>
+          <a:path path="circle">
+            <a:fillToRect l="50000" t="50000" r="100000" b="100000"/>
+          </a:path>
         </a:gradFill>
       </a:bgFillStyleLst>
     </a:fmtScheme>
@@ -6729,7 +10525,7 @@
   <a:extraClrSchemeLst/>
   <a:extLst>
     <a:ext uri="{05A4C25C-085E-4340-85A3-A5531E510DB2}">
-      <thm15:themeFamily xmlns:thm15="http://schemas.microsoft.com/office/thememl/2012/main" name="Office Theme" id="{62F939B6-93AF-4DB8-9C6B-D6C7DFDC589F}" vid="{4A3C46E8-61CC-4603-A589-7422A47A8E4A}"/>
+      <thm15:themeFamily xmlns:thm15="http://schemas.microsoft.com/office/thememl/2012/main" name="Facet" id="{C0C680CD-088A-49FC-A102-D699147F32B2}" vid="{0B5AB586-D108-4FC1-8368-649FE654B894}"/>
     </a:ext>
   </a:extLst>
 </a:theme>
